--- a/Slides/simplex21.pptx
+++ b/Slides/simplex21.pptx
@@ -5,7 +5,7 @@
     <p:sldMasterId id="2147483648" r:id="rId1"/>
   </p:sldMasterIdLst>
   <p:notesMasterIdLst>
-    <p:notesMasterId r:id="rId24"/>
+    <p:notesMasterId r:id="rId25"/>
   </p:notesMasterIdLst>
   <p:sldIdLst>
     <p:sldId id="257" r:id="rId2"/>
@@ -23,13 +23,14 @@
     <p:sldId id="283" r:id="rId14"/>
     <p:sldId id="284" r:id="rId15"/>
     <p:sldId id="285" r:id="rId16"/>
-    <p:sldId id="286" r:id="rId17"/>
-    <p:sldId id="287" r:id="rId18"/>
-    <p:sldId id="288" r:id="rId19"/>
-    <p:sldId id="289" r:id="rId20"/>
-    <p:sldId id="290" r:id="rId21"/>
-    <p:sldId id="293" r:id="rId22"/>
-    <p:sldId id="274" r:id="rId23"/>
+    <p:sldId id="295" r:id="rId17"/>
+    <p:sldId id="286" r:id="rId18"/>
+    <p:sldId id="287" r:id="rId19"/>
+    <p:sldId id="288" r:id="rId20"/>
+    <p:sldId id="289" r:id="rId21"/>
+    <p:sldId id="290" r:id="rId22"/>
+    <p:sldId id="293" r:id="rId23"/>
+    <p:sldId id="274" r:id="rId24"/>
   </p:sldIdLst>
   <p:sldSz cx="12192000" cy="6858000"/>
   <p:notesSz cx="6858000" cy="9144000"/>
@@ -1110,6 +1111,90 @@
     <p:extLst>
       <p:ext uri="{BB962C8B-B14F-4D97-AF65-F5344CB8AC3E}">
         <p14:creationId xmlns:p14="http://schemas.microsoft.com/office/powerpoint/2010/main" val="3214373768"/>
+      </p:ext>
+    </p:extLst>
+  </p:cSld>
+  <p:clrMapOvr>
+    <a:masterClrMapping/>
+  </p:clrMapOvr>
+</p:notes>
+</file>
+
+<file path=ppt/notesSlides/notesSlide4.xml><?xml version="1.0" encoding="utf-8"?>
+<p:notes xmlns:a="http://schemas.openxmlformats.org/drawingml/2006/main" xmlns:r="http://schemas.openxmlformats.org/officeDocument/2006/relationships" xmlns:p="http://schemas.openxmlformats.org/presentationml/2006/main">
+  <p:cSld>
+    <p:spTree>
+      <p:nvGrpSpPr>
+        <p:cNvPr id="1" name=""/>
+        <p:cNvGrpSpPr/>
+        <p:nvPr/>
+      </p:nvGrpSpPr>
+      <p:grpSpPr>
+        <a:xfrm>
+          <a:off x="0" y="0"/>
+          <a:ext cx="0" cy="0"/>
+          <a:chOff x="0" y="0"/>
+          <a:chExt cx="0" cy="0"/>
+        </a:xfrm>
+      </p:grpSpPr>
+      <p:sp>
+        <p:nvSpPr>
+          <p:cNvPr id="2" name="Slide Image Placeholder 1"/>
+          <p:cNvSpPr>
+            <a:spLocks noGrp="1" noRot="1" noChangeAspect="1"/>
+          </p:cNvSpPr>
+          <p:nvPr>
+            <p:ph type="sldImg"/>
+          </p:nvPr>
+        </p:nvSpPr>
+        <p:spPr/>
+      </p:sp>
+      <p:sp>
+        <p:nvSpPr>
+          <p:cNvPr id="3" name="Notes Placeholder 2"/>
+          <p:cNvSpPr>
+            <a:spLocks noGrp="1"/>
+          </p:cNvSpPr>
+          <p:nvPr>
+            <p:ph type="body" idx="1"/>
+          </p:nvPr>
+        </p:nvSpPr>
+        <p:spPr/>
+        <p:txBody>
+          <a:bodyPr/>
+          <a:lstStyle/>
+          <a:p>
+            <a:endParaRPr lang="en-US" dirty="0"/>
+          </a:p>
+        </p:txBody>
+      </p:sp>
+      <p:sp>
+        <p:nvSpPr>
+          <p:cNvPr id="4" name="Slide Number Placeholder 3"/>
+          <p:cNvSpPr>
+            <a:spLocks noGrp="1"/>
+          </p:cNvSpPr>
+          <p:nvPr>
+            <p:ph type="sldNum" sz="quarter" idx="5"/>
+          </p:nvPr>
+        </p:nvSpPr>
+        <p:spPr/>
+        <p:txBody>
+          <a:bodyPr/>
+          <a:lstStyle/>
+          <a:p>
+            <a:fld id="{32B1A5A3-AF3C-6B41-961F-AF8DD9BBE893}" type="slidenum">
+              <a:rPr lang="en-US" smtClean="0"/>
+              <a:t>14</a:t>
+            </a:fld>
+            <a:endParaRPr lang="en-US"/>
+          </a:p>
+        </p:txBody>
+      </p:sp>
+    </p:spTree>
+    <p:extLst>
+      <p:ext uri="{BB962C8B-B14F-4D97-AF65-F5344CB8AC3E}">
+        <p14:creationId xmlns:p14="http://schemas.microsoft.com/office/powerpoint/2010/main" val="3421230958"/>
       </p:ext>
     </p:extLst>
   </p:cSld>
@@ -5318,6 +5403,281 @@
   <p:clrMapOvr>
     <a:masterClrMapping/>
   </p:clrMapOvr>
+  <p:timing>
+    <p:tnLst>
+      <p:par>
+        <p:cTn id="1" dur="indefinite" restart="never" nodeType="tmRoot">
+          <p:childTnLst>
+            <p:seq concurrent="1" nextAc="seek">
+              <p:cTn id="2" dur="indefinite" nodeType="mainSeq">
+                <p:childTnLst>
+                  <p:par>
+                    <p:cTn id="3" fill="hold">
+                      <p:stCondLst>
+                        <p:cond delay="indefinite"/>
+                      </p:stCondLst>
+                      <p:childTnLst>
+                        <p:par>
+                          <p:cTn id="4" fill="hold">
+                            <p:stCondLst>
+                              <p:cond delay="0"/>
+                            </p:stCondLst>
+                            <p:childTnLst>
+                              <p:par>
+                                <p:cTn id="5" presetID="1" presetClass="entr" presetSubtype="0" fill="hold" nodeType="clickEffect">
+                                  <p:stCondLst>
+                                    <p:cond delay="0"/>
+                                  </p:stCondLst>
+                                  <p:childTnLst>
+                                    <p:set>
+                                      <p:cBhvr>
+                                        <p:cTn id="6" dur="1" fill="hold">
+                                          <p:stCondLst>
+                                            <p:cond delay="0"/>
+                                          </p:stCondLst>
+                                        </p:cTn>
+                                        <p:tgtEl>
+                                          <p:spTgt spid="3">
+                                            <p:txEl>
+                                              <p:pRg st="3" end="3"/>
+                                            </p:txEl>
+                                          </p:spTgt>
+                                        </p:tgtEl>
+                                        <p:attrNameLst>
+                                          <p:attrName>style.visibility</p:attrName>
+                                        </p:attrNameLst>
+                                      </p:cBhvr>
+                                      <p:to>
+                                        <p:strVal val="visible"/>
+                                      </p:to>
+                                    </p:set>
+                                  </p:childTnLst>
+                                </p:cTn>
+                              </p:par>
+                            </p:childTnLst>
+                          </p:cTn>
+                        </p:par>
+                      </p:childTnLst>
+                    </p:cTn>
+                  </p:par>
+                  <p:par>
+                    <p:cTn id="7" fill="hold">
+                      <p:stCondLst>
+                        <p:cond delay="indefinite"/>
+                      </p:stCondLst>
+                      <p:childTnLst>
+                        <p:par>
+                          <p:cTn id="8" fill="hold">
+                            <p:stCondLst>
+                              <p:cond delay="0"/>
+                            </p:stCondLst>
+                            <p:childTnLst>
+                              <p:par>
+                                <p:cTn id="9" presetID="1" presetClass="entr" presetSubtype="0" fill="hold" nodeType="clickEffect">
+                                  <p:stCondLst>
+                                    <p:cond delay="0"/>
+                                  </p:stCondLst>
+                                  <p:childTnLst>
+                                    <p:set>
+                                      <p:cBhvr>
+                                        <p:cTn id="10" dur="1" fill="hold">
+                                          <p:stCondLst>
+                                            <p:cond delay="0"/>
+                                          </p:stCondLst>
+                                        </p:cTn>
+                                        <p:tgtEl>
+                                          <p:spTgt spid="3">
+                                            <p:txEl>
+                                              <p:pRg st="4" end="4"/>
+                                            </p:txEl>
+                                          </p:spTgt>
+                                        </p:tgtEl>
+                                        <p:attrNameLst>
+                                          <p:attrName>style.visibility</p:attrName>
+                                        </p:attrNameLst>
+                                      </p:cBhvr>
+                                      <p:to>
+                                        <p:strVal val="visible"/>
+                                      </p:to>
+                                    </p:set>
+                                  </p:childTnLst>
+                                </p:cTn>
+                              </p:par>
+                            </p:childTnLst>
+                          </p:cTn>
+                        </p:par>
+                      </p:childTnLst>
+                    </p:cTn>
+                  </p:par>
+                  <p:par>
+                    <p:cTn id="11" fill="hold">
+                      <p:stCondLst>
+                        <p:cond delay="indefinite"/>
+                      </p:stCondLst>
+                      <p:childTnLst>
+                        <p:par>
+                          <p:cTn id="12" fill="hold">
+                            <p:stCondLst>
+                              <p:cond delay="0"/>
+                            </p:stCondLst>
+                            <p:childTnLst>
+                              <p:par>
+                                <p:cTn id="13" presetID="1" presetClass="entr" presetSubtype="0" fill="hold" nodeType="clickEffect">
+                                  <p:stCondLst>
+                                    <p:cond delay="0"/>
+                                  </p:stCondLst>
+                                  <p:childTnLst>
+                                    <p:set>
+                                      <p:cBhvr>
+                                        <p:cTn id="14" dur="1" fill="hold">
+                                          <p:stCondLst>
+                                            <p:cond delay="0"/>
+                                          </p:stCondLst>
+                                        </p:cTn>
+                                        <p:tgtEl>
+                                          <p:spTgt spid="3">
+                                            <p:txEl>
+                                              <p:pRg st="5" end="5"/>
+                                            </p:txEl>
+                                          </p:spTgt>
+                                        </p:tgtEl>
+                                        <p:attrNameLst>
+                                          <p:attrName>style.visibility</p:attrName>
+                                        </p:attrNameLst>
+                                      </p:cBhvr>
+                                      <p:to>
+                                        <p:strVal val="visible"/>
+                                      </p:to>
+                                    </p:set>
+                                  </p:childTnLst>
+                                </p:cTn>
+                              </p:par>
+                            </p:childTnLst>
+                          </p:cTn>
+                        </p:par>
+                      </p:childTnLst>
+                    </p:cTn>
+                  </p:par>
+                  <p:par>
+                    <p:cTn id="15" fill="hold">
+                      <p:stCondLst>
+                        <p:cond delay="indefinite"/>
+                      </p:stCondLst>
+                      <p:childTnLst>
+                        <p:par>
+                          <p:cTn id="16" fill="hold">
+                            <p:stCondLst>
+                              <p:cond delay="0"/>
+                            </p:stCondLst>
+                            <p:childTnLst>
+                              <p:par>
+                                <p:cTn id="17" presetID="1" presetClass="entr" presetSubtype="0" fill="hold" nodeType="clickEffect">
+                                  <p:stCondLst>
+                                    <p:cond delay="0"/>
+                                  </p:stCondLst>
+                                  <p:childTnLst>
+                                    <p:set>
+                                      <p:cBhvr>
+                                        <p:cTn id="18" dur="1" fill="hold">
+                                          <p:stCondLst>
+                                            <p:cond delay="0"/>
+                                          </p:stCondLst>
+                                        </p:cTn>
+                                        <p:tgtEl>
+                                          <p:spTgt spid="3">
+                                            <p:txEl>
+                                              <p:pRg st="6" end="6"/>
+                                            </p:txEl>
+                                          </p:spTgt>
+                                        </p:tgtEl>
+                                        <p:attrNameLst>
+                                          <p:attrName>style.visibility</p:attrName>
+                                        </p:attrNameLst>
+                                      </p:cBhvr>
+                                      <p:to>
+                                        <p:strVal val="visible"/>
+                                      </p:to>
+                                    </p:set>
+                                  </p:childTnLst>
+                                </p:cTn>
+                              </p:par>
+                            </p:childTnLst>
+                          </p:cTn>
+                        </p:par>
+                      </p:childTnLst>
+                    </p:cTn>
+                  </p:par>
+                  <p:par>
+                    <p:cTn id="19" fill="hold">
+                      <p:stCondLst>
+                        <p:cond delay="indefinite"/>
+                      </p:stCondLst>
+                      <p:childTnLst>
+                        <p:par>
+                          <p:cTn id="20" fill="hold">
+                            <p:stCondLst>
+                              <p:cond delay="0"/>
+                            </p:stCondLst>
+                            <p:childTnLst>
+                              <p:par>
+                                <p:cTn id="21" presetID="1" presetClass="entr" presetSubtype="0" fill="hold" nodeType="clickEffect">
+                                  <p:stCondLst>
+                                    <p:cond delay="0"/>
+                                  </p:stCondLst>
+                                  <p:childTnLst>
+                                    <p:set>
+                                      <p:cBhvr>
+                                        <p:cTn id="22" dur="1" fill="hold">
+                                          <p:stCondLst>
+                                            <p:cond delay="0"/>
+                                          </p:stCondLst>
+                                        </p:cTn>
+                                        <p:tgtEl>
+                                          <p:spTgt spid="3">
+                                            <p:txEl>
+                                              <p:pRg st="7" end="7"/>
+                                            </p:txEl>
+                                          </p:spTgt>
+                                        </p:tgtEl>
+                                        <p:attrNameLst>
+                                          <p:attrName>style.visibility</p:attrName>
+                                        </p:attrNameLst>
+                                      </p:cBhvr>
+                                      <p:to>
+                                        <p:strVal val="visible"/>
+                                      </p:to>
+                                    </p:set>
+                                  </p:childTnLst>
+                                </p:cTn>
+                              </p:par>
+                            </p:childTnLst>
+                          </p:cTn>
+                        </p:par>
+                      </p:childTnLst>
+                    </p:cTn>
+                  </p:par>
+                </p:childTnLst>
+              </p:cTn>
+              <p:prevCondLst>
+                <p:cond evt="onPrev" delay="0">
+                  <p:tgtEl>
+                    <p:sldTgt/>
+                  </p:tgtEl>
+                </p:cond>
+              </p:prevCondLst>
+              <p:nextCondLst>
+                <p:cond evt="onNext" delay="0">
+                  <p:tgtEl>
+                    <p:sldTgt/>
+                  </p:tgtEl>
+                </p:cond>
+              </p:nextCondLst>
+            </p:seq>
+          </p:childTnLst>
+        </p:cTn>
+      </p:par>
+    </p:tnLst>
+  </p:timing>
 </p:sld>
 </file>
 
@@ -6101,6 +6461,147 @@
   <p:clrMapOvr>
     <a:masterClrMapping/>
   </p:clrMapOvr>
+  <p:timing>
+    <p:tnLst>
+      <p:par>
+        <p:cTn id="1" dur="indefinite" restart="never" nodeType="tmRoot">
+          <p:childTnLst>
+            <p:seq concurrent="1" nextAc="seek">
+              <p:cTn id="2" dur="indefinite" nodeType="mainSeq">
+                <p:childTnLst>
+                  <p:par>
+                    <p:cTn id="3" fill="hold">
+                      <p:stCondLst>
+                        <p:cond delay="indefinite"/>
+                      </p:stCondLst>
+                      <p:childTnLst>
+                        <p:par>
+                          <p:cTn id="4" fill="hold">
+                            <p:stCondLst>
+                              <p:cond delay="0"/>
+                            </p:stCondLst>
+                            <p:childTnLst>
+                              <p:par>
+                                <p:cTn id="5" presetID="1" presetClass="entr" presetSubtype="0" fill="hold" nodeType="clickEffect">
+                                  <p:stCondLst>
+                                    <p:cond delay="0"/>
+                                  </p:stCondLst>
+                                  <p:childTnLst>
+                                    <p:set>
+                                      <p:cBhvr>
+                                        <p:cTn id="6" dur="1" fill="hold">
+                                          <p:stCondLst>
+                                            <p:cond delay="0"/>
+                                          </p:stCondLst>
+                                        </p:cTn>
+                                        <p:tgtEl>
+                                          <p:spTgt spid="3">
+                                            <p:txEl>
+                                              <p:pRg st="3" end="3"/>
+                                            </p:txEl>
+                                          </p:spTgt>
+                                        </p:tgtEl>
+                                        <p:attrNameLst>
+                                          <p:attrName>style.visibility</p:attrName>
+                                        </p:attrNameLst>
+                                      </p:cBhvr>
+                                      <p:to>
+                                        <p:strVal val="visible"/>
+                                      </p:to>
+                                    </p:set>
+                                  </p:childTnLst>
+                                </p:cTn>
+                              </p:par>
+                              <p:par>
+                                <p:cTn id="7" presetID="1" presetClass="entr" presetSubtype="0" fill="hold" nodeType="withEffect">
+                                  <p:stCondLst>
+                                    <p:cond delay="0"/>
+                                  </p:stCondLst>
+                                  <p:childTnLst>
+                                    <p:set>
+                                      <p:cBhvr>
+                                        <p:cTn id="8" dur="1" fill="hold">
+                                          <p:stCondLst>
+                                            <p:cond delay="0"/>
+                                          </p:stCondLst>
+                                        </p:cTn>
+                                        <p:tgtEl>
+                                          <p:spTgt spid="3">
+                                            <p:txEl>
+                                              <p:pRg st="4" end="4"/>
+                                            </p:txEl>
+                                          </p:spTgt>
+                                        </p:tgtEl>
+                                        <p:attrNameLst>
+                                          <p:attrName>style.visibility</p:attrName>
+                                        </p:attrNameLst>
+                                      </p:cBhvr>
+                                      <p:to>
+                                        <p:strVal val="visible"/>
+                                      </p:to>
+                                    </p:set>
+                                  </p:childTnLst>
+                                </p:cTn>
+                              </p:par>
+                              <p:par>
+                                <p:cTn id="9" presetID="1" presetClass="entr" presetSubtype="0" fill="hold" nodeType="withEffect">
+                                  <p:stCondLst>
+                                    <p:cond delay="0"/>
+                                  </p:stCondLst>
+                                  <p:childTnLst>
+                                    <p:set>
+                                      <p:cBhvr>
+                                        <p:cTn id="10" dur="1" fill="hold">
+                                          <p:stCondLst>
+                                            <p:cond delay="0"/>
+                                          </p:stCondLst>
+                                        </p:cTn>
+                                        <p:tgtEl>
+                                          <p:spTgt spid="3">
+                                            <p:txEl>
+                                              <p:pRg st="5" end="5"/>
+                                            </p:txEl>
+                                          </p:spTgt>
+                                        </p:tgtEl>
+                                        <p:attrNameLst>
+                                          <p:attrName>style.visibility</p:attrName>
+                                        </p:attrNameLst>
+                                      </p:cBhvr>
+                                      <p:to>
+                                        <p:strVal val="visible"/>
+                                      </p:to>
+                                    </p:set>
+                                  </p:childTnLst>
+                                </p:cTn>
+                              </p:par>
+                            </p:childTnLst>
+                          </p:cTn>
+                        </p:par>
+                      </p:childTnLst>
+                    </p:cTn>
+                  </p:par>
+                </p:childTnLst>
+              </p:cTn>
+              <p:prevCondLst>
+                <p:cond evt="onPrev" delay="0">
+                  <p:tgtEl>
+                    <p:sldTgt/>
+                  </p:tgtEl>
+                </p:cond>
+              </p:prevCondLst>
+              <p:nextCondLst>
+                <p:cond evt="onNext" delay="0">
+                  <p:tgtEl>
+                    <p:sldTgt/>
+                  </p:tgtEl>
+                </p:cond>
+              </p:nextCondLst>
+            </p:seq>
+          </p:childTnLst>
+        </p:cTn>
+      </p:par>
+    </p:tnLst>
+  </p:timing>
 </p:sld>
 </file>
 
@@ -6916,6 +7417,428 @@
   <p:clrMapOvr>
     <a:masterClrMapping/>
   </p:clrMapOvr>
+  <p:timing>
+    <p:tnLst>
+      <p:par>
+        <p:cTn id="1" dur="indefinite" restart="never" nodeType="tmRoot">
+          <p:childTnLst>
+            <p:seq concurrent="1" nextAc="seek">
+              <p:cTn id="2" dur="indefinite" nodeType="mainSeq">
+                <p:childTnLst>
+                  <p:par>
+                    <p:cTn id="3" fill="hold">
+                      <p:stCondLst>
+                        <p:cond delay="indefinite"/>
+                      </p:stCondLst>
+                      <p:childTnLst>
+                        <p:par>
+                          <p:cTn id="4" fill="hold">
+                            <p:stCondLst>
+                              <p:cond delay="0"/>
+                            </p:stCondLst>
+                            <p:childTnLst>
+                              <p:par>
+                                <p:cTn id="5" presetID="1" presetClass="entr" presetSubtype="0" fill="hold" nodeType="clickEffect">
+                                  <p:stCondLst>
+                                    <p:cond delay="0"/>
+                                  </p:stCondLst>
+                                  <p:childTnLst>
+                                    <p:set>
+                                      <p:cBhvr>
+                                        <p:cTn id="6" dur="1" fill="hold">
+                                          <p:stCondLst>
+                                            <p:cond delay="0"/>
+                                          </p:stCondLst>
+                                        </p:cTn>
+                                        <p:tgtEl>
+                                          <p:spTgt spid="3">
+                                            <p:txEl>
+                                              <p:pRg st="1" end="1"/>
+                                            </p:txEl>
+                                          </p:spTgt>
+                                        </p:tgtEl>
+                                        <p:attrNameLst>
+                                          <p:attrName>style.visibility</p:attrName>
+                                        </p:attrNameLst>
+                                      </p:cBhvr>
+                                      <p:to>
+                                        <p:strVal val="visible"/>
+                                      </p:to>
+                                    </p:set>
+                                  </p:childTnLst>
+                                </p:cTn>
+                              </p:par>
+                            </p:childTnLst>
+                          </p:cTn>
+                        </p:par>
+                      </p:childTnLst>
+                    </p:cTn>
+                  </p:par>
+                  <p:par>
+                    <p:cTn id="7" fill="hold">
+                      <p:stCondLst>
+                        <p:cond delay="indefinite"/>
+                      </p:stCondLst>
+                      <p:childTnLst>
+                        <p:par>
+                          <p:cTn id="8" fill="hold">
+                            <p:stCondLst>
+                              <p:cond delay="0"/>
+                            </p:stCondLst>
+                            <p:childTnLst>
+                              <p:par>
+                                <p:cTn id="9" presetID="1" presetClass="entr" presetSubtype="0" fill="hold" nodeType="clickEffect">
+                                  <p:stCondLst>
+                                    <p:cond delay="0"/>
+                                  </p:stCondLst>
+                                  <p:childTnLst>
+                                    <p:set>
+                                      <p:cBhvr>
+                                        <p:cTn id="10" dur="1" fill="hold">
+                                          <p:stCondLst>
+                                            <p:cond delay="0"/>
+                                          </p:stCondLst>
+                                        </p:cTn>
+                                        <p:tgtEl>
+                                          <p:spTgt spid="3">
+                                            <p:txEl>
+                                              <p:pRg st="2" end="2"/>
+                                            </p:txEl>
+                                          </p:spTgt>
+                                        </p:tgtEl>
+                                        <p:attrNameLst>
+                                          <p:attrName>style.visibility</p:attrName>
+                                        </p:attrNameLst>
+                                      </p:cBhvr>
+                                      <p:to>
+                                        <p:strVal val="visible"/>
+                                      </p:to>
+                                    </p:set>
+                                  </p:childTnLst>
+                                </p:cTn>
+                              </p:par>
+                            </p:childTnLst>
+                          </p:cTn>
+                        </p:par>
+                      </p:childTnLst>
+                    </p:cTn>
+                  </p:par>
+                  <p:par>
+                    <p:cTn id="11" fill="hold">
+                      <p:stCondLst>
+                        <p:cond delay="indefinite"/>
+                      </p:stCondLst>
+                      <p:childTnLst>
+                        <p:par>
+                          <p:cTn id="12" fill="hold">
+                            <p:stCondLst>
+                              <p:cond delay="0"/>
+                            </p:stCondLst>
+                            <p:childTnLst>
+                              <p:par>
+                                <p:cTn id="13" presetID="1" presetClass="entr" presetSubtype="0" fill="hold" nodeType="clickEffect">
+                                  <p:stCondLst>
+                                    <p:cond delay="0"/>
+                                  </p:stCondLst>
+                                  <p:childTnLst>
+                                    <p:set>
+                                      <p:cBhvr>
+                                        <p:cTn id="14" dur="1" fill="hold">
+                                          <p:stCondLst>
+                                            <p:cond delay="0"/>
+                                          </p:stCondLst>
+                                        </p:cTn>
+                                        <p:tgtEl>
+                                          <p:spTgt spid="3">
+                                            <p:txEl>
+                                              <p:pRg st="3" end="3"/>
+                                            </p:txEl>
+                                          </p:spTgt>
+                                        </p:tgtEl>
+                                        <p:attrNameLst>
+                                          <p:attrName>style.visibility</p:attrName>
+                                        </p:attrNameLst>
+                                      </p:cBhvr>
+                                      <p:to>
+                                        <p:strVal val="visible"/>
+                                      </p:to>
+                                    </p:set>
+                                  </p:childTnLst>
+                                </p:cTn>
+                              </p:par>
+                            </p:childTnLst>
+                          </p:cTn>
+                        </p:par>
+                      </p:childTnLst>
+                    </p:cTn>
+                  </p:par>
+                  <p:par>
+                    <p:cTn id="15" fill="hold">
+                      <p:stCondLst>
+                        <p:cond delay="indefinite"/>
+                      </p:stCondLst>
+                      <p:childTnLst>
+                        <p:par>
+                          <p:cTn id="16" fill="hold">
+                            <p:stCondLst>
+                              <p:cond delay="0"/>
+                            </p:stCondLst>
+                            <p:childTnLst>
+                              <p:par>
+                                <p:cTn id="17" presetID="1" presetClass="entr" presetSubtype="0" fill="hold" nodeType="clickEffect">
+                                  <p:stCondLst>
+                                    <p:cond delay="0"/>
+                                  </p:stCondLst>
+                                  <p:childTnLst>
+                                    <p:set>
+                                      <p:cBhvr>
+                                        <p:cTn id="18" dur="1" fill="hold">
+                                          <p:stCondLst>
+                                            <p:cond delay="0"/>
+                                          </p:stCondLst>
+                                        </p:cTn>
+                                        <p:tgtEl>
+                                          <p:spTgt spid="3">
+                                            <p:txEl>
+                                              <p:pRg st="4" end="4"/>
+                                            </p:txEl>
+                                          </p:spTgt>
+                                        </p:tgtEl>
+                                        <p:attrNameLst>
+                                          <p:attrName>style.visibility</p:attrName>
+                                        </p:attrNameLst>
+                                      </p:cBhvr>
+                                      <p:to>
+                                        <p:strVal val="visible"/>
+                                      </p:to>
+                                    </p:set>
+                                  </p:childTnLst>
+                                </p:cTn>
+                              </p:par>
+                            </p:childTnLst>
+                          </p:cTn>
+                        </p:par>
+                      </p:childTnLst>
+                    </p:cTn>
+                  </p:par>
+                  <p:par>
+                    <p:cTn id="19" fill="hold">
+                      <p:stCondLst>
+                        <p:cond delay="indefinite"/>
+                      </p:stCondLst>
+                      <p:childTnLst>
+                        <p:par>
+                          <p:cTn id="20" fill="hold">
+                            <p:stCondLst>
+                              <p:cond delay="0"/>
+                            </p:stCondLst>
+                            <p:childTnLst>
+                              <p:par>
+                                <p:cTn id="21" presetID="1" presetClass="entr" presetSubtype="0" fill="hold" nodeType="clickEffect">
+                                  <p:stCondLst>
+                                    <p:cond delay="0"/>
+                                  </p:stCondLst>
+                                  <p:childTnLst>
+                                    <p:set>
+                                      <p:cBhvr>
+                                        <p:cTn id="22" dur="1" fill="hold">
+                                          <p:stCondLst>
+                                            <p:cond delay="0"/>
+                                          </p:stCondLst>
+                                        </p:cTn>
+                                        <p:tgtEl>
+                                          <p:spTgt spid="3">
+                                            <p:txEl>
+                                              <p:pRg st="5" end="5"/>
+                                            </p:txEl>
+                                          </p:spTgt>
+                                        </p:tgtEl>
+                                        <p:attrNameLst>
+                                          <p:attrName>style.visibility</p:attrName>
+                                        </p:attrNameLst>
+                                      </p:cBhvr>
+                                      <p:to>
+                                        <p:strVal val="visible"/>
+                                      </p:to>
+                                    </p:set>
+                                  </p:childTnLst>
+                                </p:cTn>
+                              </p:par>
+                            </p:childTnLst>
+                          </p:cTn>
+                        </p:par>
+                      </p:childTnLst>
+                    </p:cTn>
+                  </p:par>
+                  <p:par>
+                    <p:cTn id="23" fill="hold">
+                      <p:stCondLst>
+                        <p:cond delay="indefinite"/>
+                      </p:stCondLst>
+                      <p:childTnLst>
+                        <p:par>
+                          <p:cTn id="24" fill="hold">
+                            <p:stCondLst>
+                              <p:cond delay="0"/>
+                            </p:stCondLst>
+                            <p:childTnLst>
+                              <p:par>
+                                <p:cTn id="25" presetID="1" presetClass="entr" presetSubtype="0" fill="hold" nodeType="clickEffect">
+                                  <p:stCondLst>
+                                    <p:cond delay="0"/>
+                                  </p:stCondLst>
+                                  <p:childTnLst>
+                                    <p:set>
+                                      <p:cBhvr>
+                                        <p:cTn id="26" dur="1" fill="hold">
+                                          <p:stCondLst>
+                                            <p:cond delay="0"/>
+                                          </p:stCondLst>
+                                        </p:cTn>
+                                        <p:tgtEl>
+                                          <p:spTgt spid="3">
+                                            <p:txEl>
+                                              <p:pRg st="7" end="7"/>
+                                            </p:txEl>
+                                          </p:spTgt>
+                                        </p:tgtEl>
+                                        <p:attrNameLst>
+                                          <p:attrName>style.visibility</p:attrName>
+                                        </p:attrNameLst>
+                                      </p:cBhvr>
+                                      <p:to>
+                                        <p:strVal val="visible"/>
+                                      </p:to>
+                                    </p:set>
+                                  </p:childTnLst>
+                                </p:cTn>
+                              </p:par>
+                            </p:childTnLst>
+                          </p:cTn>
+                        </p:par>
+                      </p:childTnLst>
+                    </p:cTn>
+                  </p:par>
+                  <p:par>
+                    <p:cTn id="27" fill="hold">
+                      <p:stCondLst>
+                        <p:cond delay="indefinite"/>
+                      </p:stCondLst>
+                      <p:childTnLst>
+                        <p:par>
+                          <p:cTn id="28" fill="hold">
+                            <p:stCondLst>
+                              <p:cond delay="0"/>
+                            </p:stCondLst>
+                            <p:childTnLst>
+                              <p:par>
+                                <p:cTn id="29" presetID="1" presetClass="entr" presetSubtype="0" fill="hold" nodeType="clickEffect">
+                                  <p:stCondLst>
+                                    <p:cond delay="0"/>
+                                  </p:stCondLst>
+                                  <p:childTnLst>
+                                    <p:set>
+                                      <p:cBhvr>
+                                        <p:cTn id="30" dur="1" fill="hold">
+                                          <p:stCondLst>
+                                            <p:cond delay="0"/>
+                                          </p:stCondLst>
+                                        </p:cTn>
+                                        <p:tgtEl>
+                                          <p:spTgt spid="3">
+                                            <p:txEl>
+                                              <p:pRg st="8" end="8"/>
+                                            </p:txEl>
+                                          </p:spTgt>
+                                        </p:tgtEl>
+                                        <p:attrNameLst>
+                                          <p:attrName>style.visibility</p:attrName>
+                                        </p:attrNameLst>
+                                      </p:cBhvr>
+                                      <p:to>
+                                        <p:strVal val="visible"/>
+                                      </p:to>
+                                    </p:set>
+                                  </p:childTnLst>
+                                </p:cTn>
+                              </p:par>
+                            </p:childTnLst>
+                          </p:cTn>
+                        </p:par>
+                      </p:childTnLst>
+                    </p:cTn>
+                  </p:par>
+                  <p:par>
+                    <p:cTn id="31" fill="hold">
+                      <p:stCondLst>
+                        <p:cond delay="indefinite"/>
+                      </p:stCondLst>
+                      <p:childTnLst>
+                        <p:par>
+                          <p:cTn id="32" fill="hold">
+                            <p:stCondLst>
+                              <p:cond delay="0"/>
+                            </p:stCondLst>
+                            <p:childTnLst>
+                              <p:par>
+                                <p:cTn id="33" presetID="1" presetClass="entr" presetSubtype="0" fill="hold" nodeType="clickEffect">
+                                  <p:stCondLst>
+                                    <p:cond delay="0"/>
+                                  </p:stCondLst>
+                                  <p:childTnLst>
+                                    <p:set>
+                                      <p:cBhvr>
+                                        <p:cTn id="34" dur="1" fill="hold">
+                                          <p:stCondLst>
+                                            <p:cond delay="0"/>
+                                          </p:stCondLst>
+                                        </p:cTn>
+                                        <p:tgtEl>
+                                          <p:spTgt spid="3">
+                                            <p:txEl>
+                                              <p:pRg st="9" end="9"/>
+                                            </p:txEl>
+                                          </p:spTgt>
+                                        </p:tgtEl>
+                                        <p:attrNameLst>
+                                          <p:attrName>style.visibility</p:attrName>
+                                        </p:attrNameLst>
+                                      </p:cBhvr>
+                                      <p:to>
+                                        <p:strVal val="visible"/>
+                                      </p:to>
+                                    </p:set>
+                                  </p:childTnLst>
+                                </p:cTn>
+                              </p:par>
+                            </p:childTnLst>
+                          </p:cTn>
+                        </p:par>
+                      </p:childTnLst>
+                    </p:cTn>
+                  </p:par>
+                </p:childTnLst>
+              </p:cTn>
+              <p:prevCondLst>
+                <p:cond evt="onPrev" delay="0">
+                  <p:tgtEl>
+                    <p:sldTgt/>
+                  </p:tgtEl>
+                </p:cond>
+              </p:prevCondLst>
+              <p:nextCondLst>
+                <p:cond evt="onNext" delay="0">
+                  <p:tgtEl>
+                    <p:sldTgt/>
+                  </p:tgtEl>
+                </p:cond>
+              </p:nextCondLst>
+            </p:seq>
+          </p:childTnLst>
+        </p:cTn>
+      </p:par>
+    </p:tnLst>
+  </p:timing>
 </p:sld>
 </file>
 
@@ -6990,13 +7913,13 @@
             </p:spPr>
             <p:txBody>
               <a:bodyPr>
-                <a:normAutofit fontScale="85000" lnSpcReduction="20000"/>
+                <a:normAutofit fontScale="77500" lnSpcReduction="20000"/>
               </a:bodyPr>
               <a:lstStyle/>
               <a:p>
                 <a:pPr marL="0" indent="0">
                   <a:lnSpc>
-                    <a:spcPct val="110000"/>
+                    <a:spcPct val="120000"/>
                   </a:lnSpc>
                   <a:buNone/>
                 </a:pPr>
@@ -7008,7 +7931,7 @@
               <a:p>
                 <a:pPr marL="0" indent="0">
                   <a:lnSpc>
-                    <a:spcPct val="110000"/>
+                    <a:spcPct val="120000"/>
                   </a:lnSpc>
                   <a:buNone/>
                 </a:pPr>
@@ -7017,7 +7940,7 @@
               <a:p>
                 <a:pPr marL="0" indent="0">
                   <a:lnSpc>
-                    <a:spcPct val="110000"/>
+                    <a:spcPct val="120000"/>
                   </a:lnSpc>
                   <a:buNone/>
                 </a:pPr>
@@ -7082,7 +8005,7 @@
               <a:p>
                 <a:pPr marL="0" indent="0">
                   <a:lnSpc>
-                    <a:spcPct val="110000"/>
+                    <a:spcPct val="120000"/>
                   </a:lnSpc>
                   <a:buNone/>
                 </a:pPr>
@@ -7091,7 +8014,7 @@
               <a:p>
                 <a:pPr marL="0" indent="0">
                   <a:lnSpc>
-                    <a:spcPct val="110000"/>
+                    <a:spcPct val="120000"/>
                   </a:lnSpc>
                   <a:buNone/>
                 </a:pPr>
@@ -7128,7 +8051,7 @@
               <a:blipFill>
                 <a:blip r:embed="rId2"/>
                 <a:stretch>
-                  <a:fillRect l="-1928" t="-1744" r="-2892" b="-291"/>
+                  <a:fillRect l="-1446" t="-872" r="-1928"/>
                 </a:stretch>
               </a:blipFill>
             </p:spPr>
@@ -7913,6 +8836,375 @@
   <p:clrMapOvr>
     <a:masterClrMapping/>
   </p:clrMapOvr>
+  <p:timing>
+    <p:tnLst>
+      <p:par>
+        <p:cTn id="1" dur="indefinite" restart="never" nodeType="tmRoot">
+          <p:childTnLst>
+            <p:seq concurrent="1" nextAc="seek">
+              <p:cTn id="2" dur="indefinite" nodeType="mainSeq">
+                <p:childTnLst>
+                  <p:par>
+                    <p:cTn id="3" fill="hold">
+                      <p:stCondLst>
+                        <p:cond delay="indefinite"/>
+                      </p:stCondLst>
+                      <p:childTnLst>
+                        <p:par>
+                          <p:cTn id="4" fill="hold">
+                            <p:stCondLst>
+                              <p:cond delay="0"/>
+                            </p:stCondLst>
+                            <p:childTnLst>
+                              <p:par>
+                                <p:cTn id="5" presetID="1" presetClass="entr" presetSubtype="0" fill="hold" nodeType="clickEffect">
+                                  <p:stCondLst>
+                                    <p:cond delay="0"/>
+                                  </p:stCondLst>
+                                  <p:childTnLst>
+                                    <p:set>
+                                      <p:cBhvr>
+                                        <p:cTn id="6" dur="1" fill="hold">
+                                          <p:stCondLst>
+                                            <p:cond delay="0"/>
+                                          </p:stCondLst>
+                                        </p:cTn>
+                                        <p:tgtEl>
+                                          <p:spTgt spid="3">
+                                            <p:txEl>
+                                              <p:pRg st="4" end="4"/>
+                                            </p:txEl>
+                                          </p:spTgt>
+                                        </p:tgtEl>
+                                        <p:attrNameLst>
+                                          <p:attrName>style.visibility</p:attrName>
+                                        </p:attrNameLst>
+                                      </p:cBhvr>
+                                      <p:to>
+                                        <p:strVal val="visible"/>
+                                      </p:to>
+                                    </p:set>
+                                  </p:childTnLst>
+                                </p:cTn>
+                              </p:par>
+                            </p:childTnLst>
+                          </p:cTn>
+                        </p:par>
+                      </p:childTnLst>
+                    </p:cTn>
+                  </p:par>
+                  <p:par>
+                    <p:cTn id="7" fill="hold">
+                      <p:stCondLst>
+                        <p:cond delay="indefinite"/>
+                      </p:stCondLst>
+                      <p:childTnLst>
+                        <p:par>
+                          <p:cTn id="8" fill="hold">
+                            <p:stCondLst>
+                              <p:cond delay="0"/>
+                            </p:stCondLst>
+                            <p:childTnLst>
+                              <p:par>
+                                <p:cTn id="9" presetID="1" presetClass="entr" presetSubtype="0" fill="hold" nodeType="clickEffect">
+                                  <p:stCondLst>
+                                    <p:cond delay="0"/>
+                                  </p:stCondLst>
+                                  <p:childTnLst>
+                                    <p:set>
+                                      <p:cBhvr>
+                                        <p:cTn id="10" dur="1" fill="hold">
+                                          <p:stCondLst>
+                                            <p:cond delay="0"/>
+                                          </p:stCondLst>
+                                        </p:cTn>
+                                        <p:tgtEl>
+                                          <p:spTgt spid="4"/>
+                                        </p:tgtEl>
+                                        <p:attrNameLst>
+                                          <p:attrName>style.visibility</p:attrName>
+                                        </p:attrNameLst>
+                                      </p:cBhvr>
+                                      <p:to>
+                                        <p:strVal val="visible"/>
+                                      </p:to>
+                                    </p:set>
+                                  </p:childTnLst>
+                                </p:cTn>
+                              </p:par>
+                            </p:childTnLst>
+                          </p:cTn>
+                        </p:par>
+                      </p:childTnLst>
+                    </p:cTn>
+                  </p:par>
+                  <p:par>
+                    <p:cTn id="11" fill="hold">
+                      <p:stCondLst>
+                        <p:cond delay="indefinite"/>
+                      </p:stCondLst>
+                      <p:childTnLst>
+                        <p:par>
+                          <p:cTn id="12" fill="hold">
+                            <p:stCondLst>
+                              <p:cond delay="0"/>
+                            </p:stCondLst>
+                            <p:childTnLst>
+                              <p:par>
+                                <p:cTn id="13" presetID="1" presetClass="entr" presetSubtype="0" fill="hold" nodeType="clickEffect">
+                                  <p:stCondLst>
+                                    <p:cond delay="0"/>
+                                  </p:stCondLst>
+                                  <p:childTnLst>
+                                    <p:set>
+                                      <p:cBhvr>
+                                        <p:cTn id="14" dur="1" fill="hold">
+                                          <p:stCondLst>
+                                            <p:cond delay="0"/>
+                                          </p:stCondLst>
+                                        </p:cTn>
+                                        <p:tgtEl>
+                                          <p:spTgt spid="6">
+                                            <p:txEl>
+                                              <p:pRg st="0" end="0"/>
+                                            </p:txEl>
+                                          </p:spTgt>
+                                        </p:tgtEl>
+                                        <p:attrNameLst>
+                                          <p:attrName>style.visibility</p:attrName>
+                                        </p:attrNameLst>
+                                      </p:cBhvr>
+                                      <p:to>
+                                        <p:strVal val="visible"/>
+                                      </p:to>
+                                    </p:set>
+                                  </p:childTnLst>
+                                </p:cTn>
+                              </p:par>
+                            </p:childTnLst>
+                          </p:cTn>
+                        </p:par>
+                      </p:childTnLst>
+                    </p:cTn>
+                  </p:par>
+                  <p:par>
+                    <p:cTn id="15" fill="hold">
+                      <p:stCondLst>
+                        <p:cond delay="indefinite"/>
+                      </p:stCondLst>
+                      <p:childTnLst>
+                        <p:par>
+                          <p:cTn id="16" fill="hold">
+                            <p:stCondLst>
+                              <p:cond delay="0"/>
+                            </p:stCondLst>
+                            <p:childTnLst>
+                              <p:par>
+                                <p:cTn id="17" presetID="1" presetClass="entr" presetSubtype="0" fill="hold" nodeType="clickEffect">
+                                  <p:stCondLst>
+                                    <p:cond delay="0"/>
+                                  </p:stCondLst>
+                                  <p:childTnLst>
+                                    <p:set>
+                                      <p:cBhvr>
+                                        <p:cTn id="18" dur="1" fill="hold">
+                                          <p:stCondLst>
+                                            <p:cond delay="0"/>
+                                          </p:stCondLst>
+                                        </p:cTn>
+                                        <p:tgtEl>
+                                          <p:spTgt spid="6">
+                                            <p:txEl>
+                                              <p:pRg st="1" end="1"/>
+                                            </p:txEl>
+                                          </p:spTgt>
+                                        </p:tgtEl>
+                                        <p:attrNameLst>
+                                          <p:attrName>style.visibility</p:attrName>
+                                        </p:attrNameLst>
+                                      </p:cBhvr>
+                                      <p:to>
+                                        <p:strVal val="visible"/>
+                                      </p:to>
+                                    </p:set>
+                                  </p:childTnLst>
+                                </p:cTn>
+                              </p:par>
+                            </p:childTnLst>
+                          </p:cTn>
+                        </p:par>
+                      </p:childTnLst>
+                    </p:cTn>
+                  </p:par>
+                  <p:par>
+                    <p:cTn id="19" fill="hold">
+                      <p:stCondLst>
+                        <p:cond delay="indefinite"/>
+                      </p:stCondLst>
+                      <p:childTnLst>
+                        <p:par>
+                          <p:cTn id="20" fill="hold">
+                            <p:stCondLst>
+                              <p:cond delay="0"/>
+                            </p:stCondLst>
+                            <p:childTnLst>
+                              <p:par>
+                                <p:cTn id="21" presetID="1" presetClass="entr" presetSubtype="0" fill="hold" nodeType="clickEffect">
+                                  <p:stCondLst>
+                                    <p:cond delay="0"/>
+                                  </p:stCondLst>
+                                  <p:childTnLst>
+                                    <p:set>
+                                      <p:cBhvr>
+                                        <p:cTn id="22" dur="1" fill="hold">
+                                          <p:stCondLst>
+                                            <p:cond delay="0"/>
+                                          </p:stCondLst>
+                                        </p:cTn>
+                                        <p:tgtEl>
+                                          <p:spTgt spid="6">
+                                            <p:txEl>
+                                              <p:pRg st="2" end="2"/>
+                                            </p:txEl>
+                                          </p:spTgt>
+                                        </p:tgtEl>
+                                        <p:attrNameLst>
+                                          <p:attrName>style.visibility</p:attrName>
+                                        </p:attrNameLst>
+                                      </p:cBhvr>
+                                      <p:to>
+                                        <p:strVal val="visible"/>
+                                      </p:to>
+                                    </p:set>
+                                  </p:childTnLst>
+                                </p:cTn>
+                              </p:par>
+                            </p:childTnLst>
+                          </p:cTn>
+                        </p:par>
+                      </p:childTnLst>
+                    </p:cTn>
+                  </p:par>
+                  <p:par>
+                    <p:cTn id="23" fill="hold">
+                      <p:stCondLst>
+                        <p:cond delay="indefinite"/>
+                      </p:stCondLst>
+                      <p:childTnLst>
+                        <p:par>
+                          <p:cTn id="24" fill="hold">
+                            <p:stCondLst>
+                              <p:cond delay="0"/>
+                            </p:stCondLst>
+                            <p:childTnLst>
+                              <p:par>
+                                <p:cTn id="25" presetID="1" presetClass="entr" presetSubtype="0" fill="hold" nodeType="clickEffect">
+                                  <p:stCondLst>
+                                    <p:cond delay="0"/>
+                                  </p:stCondLst>
+                                  <p:childTnLst>
+                                    <p:set>
+                                      <p:cBhvr>
+                                        <p:cTn id="26" dur="1" fill="hold">
+                                          <p:stCondLst>
+                                            <p:cond delay="0"/>
+                                          </p:stCondLst>
+                                        </p:cTn>
+                                        <p:tgtEl>
+                                          <p:spTgt spid="6">
+                                            <p:txEl>
+                                              <p:pRg st="3" end="3"/>
+                                            </p:txEl>
+                                          </p:spTgt>
+                                        </p:tgtEl>
+                                        <p:attrNameLst>
+                                          <p:attrName>style.visibility</p:attrName>
+                                        </p:attrNameLst>
+                                      </p:cBhvr>
+                                      <p:to>
+                                        <p:strVal val="visible"/>
+                                      </p:to>
+                                    </p:set>
+                                  </p:childTnLst>
+                                </p:cTn>
+                              </p:par>
+                            </p:childTnLst>
+                          </p:cTn>
+                        </p:par>
+                      </p:childTnLst>
+                    </p:cTn>
+                  </p:par>
+                  <p:par>
+                    <p:cTn id="27" fill="hold">
+                      <p:stCondLst>
+                        <p:cond delay="indefinite"/>
+                      </p:stCondLst>
+                      <p:childTnLst>
+                        <p:par>
+                          <p:cTn id="28" fill="hold">
+                            <p:stCondLst>
+                              <p:cond delay="0"/>
+                            </p:stCondLst>
+                            <p:childTnLst>
+                              <p:par>
+                                <p:cTn id="29" presetID="1" presetClass="entr" presetSubtype="0" fill="hold" nodeType="clickEffect">
+                                  <p:stCondLst>
+                                    <p:cond delay="0"/>
+                                  </p:stCondLst>
+                                  <p:childTnLst>
+                                    <p:set>
+                                      <p:cBhvr>
+                                        <p:cTn id="30" dur="1" fill="hold">
+                                          <p:stCondLst>
+                                            <p:cond delay="0"/>
+                                          </p:stCondLst>
+                                        </p:cTn>
+                                        <p:tgtEl>
+                                          <p:spTgt spid="6">
+                                            <p:txEl>
+                                              <p:pRg st="4" end="4"/>
+                                            </p:txEl>
+                                          </p:spTgt>
+                                        </p:tgtEl>
+                                        <p:attrNameLst>
+                                          <p:attrName>style.visibility</p:attrName>
+                                        </p:attrNameLst>
+                                      </p:cBhvr>
+                                      <p:to>
+                                        <p:strVal val="visible"/>
+                                      </p:to>
+                                    </p:set>
+                                  </p:childTnLst>
+                                </p:cTn>
+                              </p:par>
+                            </p:childTnLst>
+                          </p:cTn>
+                        </p:par>
+                      </p:childTnLst>
+                    </p:cTn>
+                  </p:par>
+                </p:childTnLst>
+              </p:cTn>
+              <p:prevCondLst>
+                <p:cond evt="onPrev" delay="0">
+                  <p:tgtEl>
+                    <p:sldTgt/>
+                  </p:tgtEl>
+                </p:cond>
+              </p:prevCondLst>
+              <p:nextCondLst>
+                <p:cond evt="onNext" delay="0">
+                  <p:tgtEl>
+                    <p:sldTgt/>
+                  </p:tgtEl>
+                </p:cond>
+              </p:nextCondLst>
+            </p:seq>
+          </p:childTnLst>
+        </p:cTn>
+      </p:par>
+    </p:tnLst>
+  </p:timing>
 </p:sld>
 </file>
 
@@ -8614,7 +9906,7 @@
                 <a:ext cx="10515600" cy="4667250"/>
               </a:xfrm>
               <a:blipFill>
-                <a:blip r:embed="rId2"/>
+                <a:blip r:embed="rId3"/>
                 <a:stretch>
                   <a:fillRect l="-724" t="-813"/>
                 </a:stretch>
@@ -8645,6 +9937,477 @@
   <p:clrMapOvr>
     <a:masterClrMapping/>
   </p:clrMapOvr>
+  <p:timing>
+    <p:tnLst>
+      <p:par>
+        <p:cTn id="1" dur="indefinite" restart="never" nodeType="tmRoot">
+          <p:childTnLst>
+            <p:seq concurrent="1" nextAc="seek">
+              <p:cTn id="2" dur="indefinite" nodeType="mainSeq">
+                <p:childTnLst>
+                  <p:par>
+                    <p:cTn id="3" fill="hold">
+                      <p:stCondLst>
+                        <p:cond delay="indefinite"/>
+                      </p:stCondLst>
+                      <p:childTnLst>
+                        <p:par>
+                          <p:cTn id="4" fill="hold">
+                            <p:stCondLst>
+                              <p:cond delay="0"/>
+                            </p:stCondLst>
+                            <p:childTnLst>
+                              <p:par>
+                                <p:cTn id="5" presetID="1" presetClass="entr" presetSubtype="0" fill="hold" nodeType="clickEffect">
+                                  <p:stCondLst>
+                                    <p:cond delay="0"/>
+                                  </p:stCondLst>
+                                  <p:childTnLst>
+                                    <p:set>
+                                      <p:cBhvr>
+                                        <p:cTn id="6" dur="1" fill="hold">
+                                          <p:stCondLst>
+                                            <p:cond delay="0"/>
+                                          </p:stCondLst>
+                                        </p:cTn>
+                                        <p:tgtEl>
+                                          <p:spTgt spid="3">
+                                            <p:txEl>
+                                              <p:pRg st="0" end="0"/>
+                                            </p:txEl>
+                                          </p:spTgt>
+                                        </p:tgtEl>
+                                        <p:attrNameLst>
+                                          <p:attrName>style.visibility</p:attrName>
+                                        </p:attrNameLst>
+                                      </p:cBhvr>
+                                      <p:to>
+                                        <p:strVal val="visible"/>
+                                      </p:to>
+                                    </p:set>
+                                  </p:childTnLst>
+                                </p:cTn>
+                              </p:par>
+                            </p:childTnLst>
+                          </p:cTn>
+                        </p:par>
+                      </p:childTnLst>
+                    </p:cTn>
+                  </p:par>
+                  <p:par>
+                    <p:cTn id="7" fill="hold">
+                      <p:stCondLst>
+                        <p:cond delay="indefinite"/>
+                      </p:stCondLst>
+                      <p:childTnLst>
+                        <p:par>
+                          <p:cTn id="8" fill="hold">
+                            <p:stCondLst>
+                              <p:cond delay="0"/>
+                            </p:stCondLst>
+                            <p:childTnLst>
+                              <p:par>
+                                <p:cTn id="9" presetID="1" presetClass="entr" presetSubtype="0" fill="hold" nodeType="clickEffect">
+                                  <p:stCondLst>
+                                    <p:cond delay="0"/>
+                                  </p:stCondLst>
+                                  <p:childTnLst>
+                                    <p:set>
+                                      <p:cBhvr>
+                                        <p:cTn id="10" dur="1" fill="hold">
+                                          <p:stCondLst>
+                                            <p:cond delay="0"/>
+                                          </p:stCondLst>
+                                        </p:cTn>
+                                        <p:tgtEl>
+                                          <p:spTgt spid="3">
+                                            <p:txEl>
+                                              <p:pRg st="1" end="1"/>
+                                            </p:txEl>
+                                          </p:spTgt>
+                                        </p:tgtEl>
+                                        <p:attrNameLst>
+                                          <p:attrName>style.visibility</p:attrName>
+                                        </p:attrNameLst>
+                                      </p:cBhvr>
+                                      <p:to>
+                                        <p:strVal val="visible"/>
+                                      </p:to>
+                                    </p:set>
+                                  </p:childTnLst>
+                                </p:cTn>
+                              </p:par>
+                            </p:childTnLst>
+                          </p:cTn>
+                        </p:par>
+                      </p:childTnLst>
+                    </p:cTn>
+                  </p:par>
+                  <p:par>
+                    <p:cTn id="11" fill="hold">
+                      <p:stCondLst>
+                        <p:cond delay="indefinite"/>
+                      </p:stCondLst>
+                      <p:childTnLst>
+                        <p:par>
+                          <p:cTn id="12" fill="hold">
+                            <p:stCondLst>
+                              <p:cond delay="0"/>
+                            </p:stCondLst>
+                            <p:childTnLst>
+                              <p:par>
+                                <p:cTn id="13" presetID="1" presetClass="entr" presetSubtype="0" fill="hold" nodeType="clickEffect">
+                                  <p:stCondLst>
+                                    <p:cond delay="0"/>
+                                  </p:stCondLst>
+                                  <p:childTnLst>
+                                    <p:set>
+                                      <p:cBhvr>
+                                        <p:cTn id="14" dur="1" fill="hold">
+                                          <p:stCondLst>
+                                            <p:cond delay="0"/>
+                                          </p:stCondLst>
+                                        </p:cTn>
+                                        <p:tgtEl>
+                                          <p:spTgt spid="3">
+                                            <p:txEl>
+                                              <p:pRg st="2" end="2"/>
+                                            </p:txEl>
+                                          </p:spTgt>
+                                        </p:tgtEl>
+                                        <p:attrNameLst>
+                                          <p:attrName>style.visibility</p:attrName>
+                                        </p:attrNameLst>
+                                      </p:cBhvr>
+                                      <p:to>
+                                        <p:strVal val="visible"/>
+                                      </p:to>
+                                    </p:set>
+                                  </p:childTnLst>
+                                </p:cTn>
+                              </p:par>
+                            </p:childTnLst>
+                          </p:cTn>
+                        </p:par>
+                      </p:childTnLst>
+                    </p:cTn>
+                  </p:par>
+                  <p:par>
+                    <p:cTn id="15" fill="hold">
+                      <p:stCondLst>
+                        <p:cond delay="indefinite"/>
+                      </p:stCondLst>
+                      <p:childTnLst>
+                        <p:par>
+                          <p:cTn id="16" fill="hold">
+                            <p:stCondLst>
+                              <p:cond delay="0"/>
+                            </p:stCondLst>
+                            <p:childTnLst>
+                              <p:par>
+                                <p:cTn id="17" presetID="1" presetClass="entr" presetSubtype="0" fill="hold" nodeType="clickEffect">
+                                  <p:stCondLst>
+                                    <p:cond delay="0"/>
+                                  </p:stCondLst>
+                                  <p:childTnLst>
+                                    <p:set>
+                                      <p:cBhvr>
+                                        <p:cTn id="18" dur="1" fill="hold">
+                                          <p:stCondLst>
+                                            <p:cond delay="0"/>
+                                          </p:stCondLst>
+                                        </p:cTn>
+                                        <p:tgtEl>
+                                          <p:spTgt spid="3">
+                                            <p:txEl>
+                                              <p:pRg st="3" end="3"/>
+                                            </p:txEl>
+                                          </p:spTgt>
+                                        </p:tgtEl>
+                                        <p:attrNameLst>
+                                          <p:attrName>style.visibility</p:attrName>
+                                        </p:attrNameLst>
+                                      </p:cBhvr>
+                                      <p:to>
+                                        <p:strVal val="visible"/>
+                                      </p:to>
+                                    </p:set>
+                                  </p:childTnLst>
+                                </p:cTn>
+                              </p:par>
+                            </p:childTnLst>
+                          </p:cTn>
+                        </p:par>
+                      </p:childTnLst>
+                    </p:cTn>
+                  </p:par>
+                  <p:par>
+                    <p:cTn id="19" fill="hold">
+                      <p:stCondLst>
+                        <p:cond delay="indefinite"/>
+                      </p:stCondLst>
+                      <p:childTnLst>
+                        <p:par>
+                          <p:cTn id="20" fill="hold">
+                            <p:stCondLst>
+                              <p:cond delay="0"/>
+                            </p:stCondLst>
+                            <p:childTnLst>
+                              <p:par>
+                                <p:cTn id="21" presetID="1" presetClass="entr" presetSubtype="0" fill="hold" nodeType="clickEffect">
+                                  <p:stCondLst>
+                                    <p:cond delay="0"/>
+                                  </p:stCondLst>
+                                  <p:childTnLst>
+                                    <p:set>
+                                      <p:cBhvr>
+                                        <p:cTn id="22" dur="1" fill="hold">
+                                          <p:stCondLst>
+                                            <p:cond delay="0"/>
+                                          </p:stCondLst>
+                                        </p:cTn>
+                                        <p:tgtEl>
+                                          <p:spTgt spid="3">
+                                            <p:txEl>
+                                              <p:pRg st="4" end="4"/>
+                                            </p:txEl>
+                                          </p:spTgt>
+                                        </p:tgtEl>
+                                        <p:attrNameLst>
+                                          <p:attrName>style.visibility</p:attrName>
+                                        </p:attrNameLst>
+                                      </p:cBhvr>
+                                      <p:to>
+                                        <p:strVal val="visible"/>
+                                      </p:to>
+                                    </p:set>
+                                  </p:childTnLst>
+                                </p:cTn>
+                              </p:par>
+                            </p:childTnLst>
+                          </p:cTn>
+                        </p:par>
+                      </p:childTnLst>
+                    </p:cTn>
+                  </p:par>
+                  <p:par>
+                    <p:cTn id="23" fill="hold">
+                      <p:stCondLst>
+                        <p:cond delay="indefinite"/>
+                      </p:stCondLst>
+                      <p:childTnLst>
+                        <p:par>
+                          <p:cTn id="24" fill="hold">
+                            <p:stCondLst>
+                              <p:cond delay="0"/>
+                            </p:stCondLst>
+                            <p:childTnLst>
+                              <p:par>
+                                <p:cTn id="25" presetID="1" presetClass="entr" presetSubtype="0" fill="hold" nodeType="clickEffect">
+                                  <p:stCondLst>
+                                    <p:cond delay="0"/>
+                                  </p:stCondLst>
+                                  <p:childTnLst>
+                                    <p:set>
+                                      <p:cBhvr>
+                                        <p:cTn id="26" dur="1" fill="hold">
+                                          <p:stCondLst>
+                                            <p:cond delay="0"/>
+                                          </p:stCondLst>
+                                        </p:cTn>
+                                        <p:tgtEl>
+                                          <p:spTgt spid="3">
+                                            <p:txEl>
+                                              <p:pRg st="5" end="5"/>
+                                            </p:txEl>
+                                          </p:spTgt>
+                                        </p:tgtEl>
+                                        <p:attrNameLst>
+                                          <p:attrName>style.visibility</p:attrName>
+                                        </p:attrNameLst>
+                                      </p:cBhvr>
+                                      <p:to>
+                                        <p:strVal val="visible"/>
+                                      </p:to>
+                                    </p:set>
+                                  </p:childTnLst>
+                                </p:cTn>
+                              </p:par>
+                            </p:childTnLst>
+                          </p:cTn>
+                        </p:par>
+                      </p:childTnLst>
+                    </p:cTn>
+                  </p:par>
+                  <p:par>
+                    <p:cTn id="27" fill="hold">
+                      <p:stCondLst>
+                        <p:cond delay="indefinite"/>
+                      </p:stCondLst>
+                      <p:childTnLst>
+                        <p:par>
+                          <p:cTn id="28" fill="hold">
+                            <p:stCondLst>
+                              <p:cond delay="0"/>
+                            </p:stCondLst>
+                            <p:childTnLst>
+                              <p:par>
+                                <p:cTn id="29" presetID="1" presetClass="entr" presetSubtype="0" fill="hold" nodeType="clickEffect">
+                                  <p:stCondLst>
+                                    <p:cond delay="0"/>
+                                  </p:stCondLst>
+                                  <p:childTnLst>
+                                    <p:set>
+                                      <p:cBhvr>
+                                        <p:cTn id="30" dur="1" fill="hold">
+                                          <p:stCondLst>
+                                            <p:cond delay="0"/>
+                                          </p:stCondLst>
+                                        </p:cTn>
+                                        <p:tgtEl>
+                                          <p:spTgt spid="3">
+                                            <p:txEl>
+                                              <p:pRg st="6" end="6"/>
+                                            </p:txEl>
+                                          </p:spTgt>
+                                        </p:tgtEl>
+                                        <p:attrNameLst>
+                                          <p:attrName>style.visibility</p:attrName>
+                                        </p:attrNameLst>
+                                      </p:cBhvr>
+                                      <p:to>
+                                        <p:strVal val="visible"/>
+                                      </p:to>
+                                    </p:set>
+                                  </p:childTnLst>
+                                </p:cTn>
+                              </p:par>
+                            </p:childTnLst>
+                          </p:cTn>
+                        </p:par>
+                      </p:childTnLst>
+                    </p:cTn>
+                  </p:par>
+                  <p:par>
+                    <p:cTn id="31" fill="hold">
+                      <p:stCondLst>
+                        <p:cond delay="indefinite"/>
+                      </p:stCondLst>
+                      <p:childTnLst>
+                        <p:par>
+                          <p:cTn id="32" fill="hold">
+                            <p:stCondLst>
+                              <p:cond delay="0"/>
+                            </p:stCondLst>
+                            <p:childTnLst>
+                              <p:par>
+                                <p:cTn id="33" presetID="1" presetClass="entr" presetSubtype="0" fill="hold" nodeType="clickEffect">
+                                  <p:stCondLst>
+                                    <p:cond delay="0"/>
+                                  </p:stCondLst>
+                                  <p:childTnLst>
+                                    <p:set>
+                                      <p:cBhvr>
+                                        <p:cTn id="34" dur="1" fill="hold">
+                                          <p:stCondLst>
+                                            <p:cond delay="0"/>
+                                          </p:stCondLst>
+                                        </p:cTn>
+                                        <p:tgtEl>
+                                          <p:spTgt spid="3">
+                                            <p:txEl>
+                                              <p:pRg st="7" end="7"/>
+                                            </p:txEl>
+                                          </p:spTgt>
+                                        </p:tgtEl>
+                                        <p:attrNameLst>
+                                          <p:attrName>style.visibility</p:attrName>
+                                        </p:attrNameLst>
+                                      </p:cBhvr>
+                                      <p:to>
+                                        <p:strVal val="visible"/>
+                                      </p:to>
+                                    </p:set>
+                                  </p:childTnLst>
+                                </p:cTn>
+                              </p:par>
+                            </p:childTnLst>
+                          </p:cTn>
+                        </p:par>
+                      </p:childTnLst>
+                    </p:cTn>
+                  </p:par>
+                  <p:par>
+                    <p:cTn id="35" fill="hold">
+                      <p:stCondLst>
+                        <p:cond delay="indefinite"/>
+                      </p:stCondLst>
+                      <p:childTnLst>
+                        <p:par>
+                          <p:cTn id="36" fill="hold">
+                            <p:stCondLst>
+                              <p:cond delay="0"/>
+                            </p:stCondLst>
+                            <p:childTnLst>
+                              <p:par>
+                                <p:cTn id="37" presetID="1" presetClass="entr" presetSubtype="0" fill="hold" nodeType="clickEffect">
+                                  <p:stCondLst>
+                                    <p:cond delay="0"/>
+                                  </p:stCondLst>
+                                  <p:childTnLst>
+                                    <p:set>
+                                      <p:cBhvr>
+                                        <p:cTn id="38" dur="1" fill="hold">
+                                          <p:stCondLst>
+                                            <p:cond delay="0"/>
+                                          </p:stCondLst>
+                                        </p:cTn>
+                                        <p:tgtEl>
+                                          <p:spTgt spid="3">
+                                            <p:txEl>
+                                              <p:pRg st="8" end="8"/>
+                                            </p:txEl>
+                                          </p:spTgt>
+                                        </p:tgtEl>
+                                        <p:attrNameLst>
+                                          <p:attrName>style.visibility</p:attrName>
+                                        </p:attrNameLst>
+                                      </p:cBhvr>
+                                      <p:to>
+                                        <p:strVal val="visible"/>
+                                      </p:to>
+                                    </p:set>
+                                  </p:childTnLst>
+                                </p:cTn>
+                              </p:par>
+                            </p:childTnLst>
+                          </p:cTn>
+                        </p:par>
+                      </p:childTnLst>
+                    </p:cTn>
+                  </p:par>
+                </p:childTnLst>
+              </p:cTn>
+              <p:prevCondLst>
+                <p:cond evt="onPrev" delay="0">
+                  <p:tgtEl>
+                    <p:sldTgt/>
+                  </p:tgtEl>
+                </p:cond>
+              </p:prevCondLst>
+              <p:nextCondLst>
+                <p:cond evt="onNext" delay="0">
+                  <p:tgtEl>
+                    <p:sldTgt/>
+                  </p:tgtEl>
+                </p:cond>
+              </p:nextCondLst>
+            </p:seq>
+          </p:childTnLst>
+        </p:cTn>
+      </p:par>
+    </p:tnLst>
+  </p:timing>
 </p:sld>
 </file>
 
@@ -8837,6 +10600,232 @@
   <p:clrMapOvr>
     <a:masterClrMapping/>
   </p:clrMapOvr>
+  <p:timing>
+    <p:tnLst>
+      <p:par>
+        <p:cTn id="1" dur="indefinite" restart="never" nodeType="tmRoot">
+          <p:childTnLst>
+            <p:seq concurrent="1" nextAc="seek">
+              <p:cTn id="2" dur="indefinite" nodeType="mainSeq">
+                <p:childTnLst>
+                  <p:par>
+                    <p:cTn id="3" fill="hold">
+                      <p:stCondLst>
+                        <p:cond delay="indefinite"/>
+                      </p:stCondLst>
+                      <p:childTnLst>
+                        <p:par>
+                          <p:cTn id="4" fill="hold">
+                            <p:stCondLst>
+                              <p:cond delay="0"/>
+                            </p:stCondLst>
+                            <p:childTnLst>
+                              <p:par>
+                                <p:cTn id="5" presetID="1" presetClass="entr" presetSubtype="0" fill="hold" nodeType="clickEffect">
+                                  <p:stCondLst>
+                                    <p:cond delay="0"/>
+                                  </p:stCondLst>
+                                  <p:childTnLst>
+                                    <p:set>
+                                      <p:cBhvr>
+                                        <p:cTn id="6" dur="1" fill="hold">
+                                          <p:stCondLst>
+                                            <p:cond delay="0"/>
+                                          </p:stCondLst>
+                                        </p:cTn>
+                                        <p:tgtEl>
+                                          <p:spTgt spid="3">
+                                            <p:txEl>
+                                              <p:pRg st="1" end="1"/>
+                                            </p:txEl>
+                                          </p:spTgt>
+                                        </p:tgtEl>
+                                        <p:attrNameLst>
+                                          <p:attrName>style.visibility</p:attrName>
+                                        </p:attrNameLst>
+                                      </p:cBhvr>
+                                      <p:to>
+                                        <p:strVal val="visible"/>
+                                      </p:to>
+                                    </p:set>
+                                  </p:childTnLst>
+                                </p:cTn>
+                              </p:par>
+                            </p:childTnLst>
+                          </p:cTn>
+                        </p:par>
+                      </p:childTnLst>
+                    </p:cTn>
+                  </p:par>
+                  <p:par>
+                    <p:cTn id="7" fill="hold">
+                      <p:stCondLst>
+                        <p:cond delay="indefinite"/>
+                      </p:stCondLst>
+                      <p:childTnLst>
+                        <p:par>
+                          <p:cTn id="8" fill="hold">
+                            <p:stCondLst>
+                              <p:cond delay="0"/>
+                            </p:stCondLst>
+                            <p:childTnLst>
+                              <p:par>
+                                <p:cTn id="9" presetID="1" presetClass="entr" presetSubtype="0" fill="hold" nodeType="clickEffect">
+                                  <p:stCondLst>
+                                    <p:cond delay="0"/>
+                                  </p:stCondLst>
+                                  <p:childTnLst>
+                                    <p:set>
+                                      <p:cBhvr>
+                                        <p:cTn id="10" dur="1" fill="hold">
+                                          <p:stCondLst>
+                                            <p:cond delay="0"/>
+                                          </p:stCondLst>
+                                        </p:cTn>
+                                        <p:tgtEl>
+                                          <p:spTgt spid="3">
+                                            <p:txEl>
+                                              <p:pRg st="2" end="2"/>
+                                            </p:txEl>
+                                          </p:spTgt>
+                                        </p:tgtEl>
+                                        <p:attrNameLst>
+                                          <p:attrName>style.visibility</p:attrName>
+                                        </p:attrNameLst>
+                                      </p:cBhvr>
+                                      <p:to>
+                                        <p:strVal val="visible"/>
+                                      </p:to>
+                                    </p:set>
+                                  </p:childTnLst>
+                                </p:cTn>
+                              </p:par>
+                            </p:childTnLst>
+                          </p:cTn>
+                        </p:par>
+                      </p:childTnLst>
+                    </p:cTn>
+                  </p:par>
+                  <p:par>
+                    <p:cTn id="11" fill="hold">
+                      <p:stCondLst>
+                        <p:cond delay="indefinite"/>
+                      </p:stCondLst>
+                      <p:childTnLst>
+                        <p:par>
+                          <p:cTn id="12" fill="hold">
+                            <p:stCondLst>
+                              <p:cond delay="0"/>
+                            </p:stCondLst>
+                            <p:childTnLst>
+                              <p:par>
+                                <p:cTn id="13" presetID="1" presetClass="entr" presetSubtype="0" fill="hold" nodeType="clickEffect">
+                                  <p:stCondLst>
+                                    <p:cond delay="0"/>
+                                  </p:stCondLst>
+                                  <p:childTnLst>
+                                    <p:set>
+                                      <p:cBhvr>
+                                        <p:cTn id="14" dur="1" fill="hold">
+                                          <p:stCondLst>
+                                            <p:cond delay="0"/>
+                                          </p:stCondLst>
+                                        </p:cTn>
+                                        <p:tgtEl>
+                                          <p:spTgt spid="3">
+                                            <p:txEl>
+                                              <p:pRg st="3" end="3"/>
+                                            </p:txEl>
+                                          </p:spTgt>
+                                        </p:tgtEl>
+                                        <p:attrNameLst>
+                                          <p:attrName>style.visibility</p:attrName>
+                                        </p:attrNameLst>
+                                      </p:cBhvr>
+                                      <p:to>
+                                        <p:strVal val="visible"/>
+                                      </p:to>
+                                    </p:set>
+                                  </p:childTnLst>
+                                </p:cTn>
+                              </p:par>
+                            </p:childTnLst>
+                          </p:cTn>
+                        </p:par>
+                      </p:childTnLst>
+                    </p:cTn>
+                  </p:par>
+                  <p:par>
+                    <p:cTn id="15" fill="hold">
+                      <p:stCondLst>
+                        <p:cond delay="indefinite"/>
+                      </p:stCondLst>
+                      <p:childTnLst>
+                        <p:par>
+                          <p:cTn id="16" fill="hold">
+                            <p:stCondLst>
+                              <p:cond delay="0"/>
+                            </p:stCondLst>
+                            <p:childTnLst>
+                              <p:par>
+                                <p:cTn id="17" presetID="1" presetClass="entr" presetSubtype="0" fill="hold" nodeType="clickEffect">
+                                  <p:stCondLst>
+                                    <p:cond delay="0"/>
+                                  </p:stCondLst>
+                                  <p:childTnLst>
+                                    <p:set>
+                                      <p:cBhvr>
+                                        <p:cTn id="18" dur="1" fill="hold">
+                                          <p:stCondLst>
+                                            <p:cond delay="0"/>
+                                          </p:stCondLst>
+                                        </p:cTn>
+                                        <p:tgtEl>
+                                          <p:spTgt spid="3">
+                                            <p:txEl>
+                                              <p:pRg st="4" end="4"/>
+                                            </p:txEl>
+                                          </p:spTgt>
+                                        </p:tgtEl>
+                                        <p:attrNameLst>
+                                          <p:attrName>style.visibility</p:attrName>
+                                        </p:attrNameLst>
+                                      </p:cBhvr>
+                                      <p:to>
+                                        <p:strVal val="visible"/>
+                                      </p:to>
+                                    </p:set>
+                                  </p:childTnLst>
+                                </p:cTn>
+                              </p:par>
+                            </p:childTnLst>
+                          </p:cTn>
+                        </p:par>
+                      </p:childTnLst>
+                    </p:cTn>
+                  </p:par>
+                </p:childTnLst>
+              </p:cTn>
+              <p:prevCondLst>
+                <p:cond evt="onPrev" delay="0">
+                  <p:tgtEl>
+                    <p:sldTgt/>
+                  </p:tgtEl>
+                </p:cond>
+              </p:prevCondLst>
+              <p:nextCondLst>
+                <p:cond evt="onNext" delay="0">
+                  <p:tgtEl>
+                    <p:sldTgt/>
+                  </p:tgtEl>
+                </p:cond>
+              </p:nextCondLst>
+            </p:seq>
+          </p:childTnLst>
+        </p:cTn>
+      </p:par>
+    </p:tnLst>
+  </p:timing>
 </p:sld>
 </file>
 
@@ -9558,7 +11547,7 @@
                 <a:r>
                   <a:rPr lang="en-US" dirty="0">
                     <a:solidFill>
-                      <a:schemeClr val="tx1"/>
+                      <a:schemeClr val="bg1"/>
                     </a:solidFill>
                   </a:rPr>
                   <a:t>Let </a:t>
@@ -9570,7 +11559,7 @@
                         <m:ctrlPr>
                           <a:rPr lang="en-US" b="0" i="1" smtClean="0">
                             <a:solidFill>
-                              <a:schemeClr val="tx1"/>
+                              <a:schemeClr val="bg1"/>
                             </a:solidFill>
                             <a:latin typeface="Cambria Math" panose="02040503050406030204" pitchFamily="18" charset="0"/>
                           </a:rPr>
@@ -9580,7 +11569,7 @@
                         <m:r>
                           <a:rPr lang="en-US" b="0" i="1" smtClean="0">
                             <a:solidFill>
-                              <a:schemeClr val="tx1"/>
+                              <a:schemeClr val="bg1"/>
                             </a:solidFill>
                             <a:latin typeface="Cambria Math" panose="02040503050406030204" pitchFamily="18" charset="0"/>
                           </a:rPr>
@@ -9591,7 +11580,7 @@
                         <m:r>
                           <a:rPr lang="en-US" b="0" i="1" smtClean="0">
                             <a:solidFill>
-                              <a:schemeClr val="tx1"/>
+                              <a:schemeClr val="bg1"/>
                             </a:solidFill>
                             <a:latin typeface="Cambria Math" panose="02040503050406030204" pitchFamily="18" charset="0"/>
                           </a:rPr>
@@ -9604,7 +11593,7 @@
                 <a:r>
                   <a:rPr lang="en-US" dirty="0">
                     <a:solidFill>
-                      <a:schemeClr val="tx1"/>
+                      <a:schemeClr val="bg1"/>
                     </a:solidFill>
                   </a:rPr>
                   <a:t> be the first non-basic variable </a:t>
@@ -9612,14 +11601,14 @@
                 <a:r>
                   <a:rPr lang="en-US" dirty="0" err="1">
                     <a:solidFill>
-                      <a:schemeClr val="tx1"/>
+                      <a:schemeClr val="bg1"/>
                     </a:solidFill>
                   </a:rPr>
                   <a:t>s.t.</a:t>
                 </a:r>
                 <a:endParaRPr lang="en-US" dirty="0">
                   <a:solidFill>
-                    <a:schemeClr val="tx1"/>
+                    <a:schemeClr val="bg1"/>
                   </a:solidFill>
                 </a:endParaRPr>
               </a:p>
@@ -9634,7 +11623,11 @@
                   <a:buNone/>
                 </a:pPr>
                 <a:r>
-                  <a:rPr lang="en-US" dirty="0"/>
+                  <a:rPr lang="en-US" dirty="0">
+                    <a:solidFill>
+                      <a:schemeClr val="bg1"/>
+                    </a:solidFill>
+                  </a:rPr>
                   <a:t>     </a:t>
                 </a:r>
                 <a14:m>
@@ -9642,7 +11635,7 @@
                     <m:r>
                       <a:rPr lang="en-US" b="0" i="0" dirty="0" smtClean="0">
                         <a:solidFill>
-                          <a:srgbClr val="0070C0"/>
+                          <a:schemeClr val="bg1"/>
                         </a:solidFill>
                         <a:latin typeface="Cambria Math" panose="02040503050406030204" pitchFamily="18" charset="0"/>
                       </a:rPr>
@@ -9651,7 +11644,7 @@
                     <m:r>
                       <a:rPr lang="en-US" b="1" i="1" dirty="0" smtClean="0">
                         <a:solidFill>
-                          <a:srgbClr val="0070C0"/>
+                          <a:schemeClr val="bg1"/>
                         </a:solidFill>
                         <a:latin typeface="Cambria Math" panose="02040503050406030204" pitchFamily="18" charset="0"/>
                       </a:rPr>
@@ -9663,7 +11656,7 @@
                         <m:ctrlPr>
                           <a:rPr lang="en-US" b="0" i="1" dirty="0" smtClean="0">
                             <a:solidFill>
-                              <a:srgbClr val="0070C0"/>
+                              <a:schemeClr val="bg1"/>
                             </a:solidFill>
                             <a:latin typeface="Cambria Math" panose="02040503050406030204" pitchFamily="18" charset="0"/>
                           </a:rPr>
@@ -9675,7 +11668,7 @@
                             <m:ctrlPr>
                               <a:rPr lang="en-US" b="0" i="1" dirty="0" smtClean="0">
                                 <a:solidFill>
-                                  <a:srgbClr val="0070C0"/>
+                                  <a:schemeClr val="bg1"/>
                                 </a:solidFill>
                                 <a:latin typeface="Cambria Math" panose="02040503050406030204" pitchFamily="18" charset="0"/>
                               </a:rPr>
@@ -9685,7 +11678,7 @@
                             <m:r>
                               <a:rPr lang="en-US" i="1" dirty="0" err="1">
                                 <a:solidFill>
-                                  <a:srgbClr val="0070C0"/>
+                                  <a:schemeClr val="bg1"/>
                                 </a:solidFill>
                                 <a:latin typeface="Cambria Math" panose="02040503050406030204" pitchFamily="18" charset="0"/>
                               </a:rPr>
@@ -9696,7 +11689,7 @@
                             <m:r>
                               <a:rPr lang="en-US" i="1" dirty="0" err="1">
                                 <a:solidFill>
-                                  <a:srgbClr val="0070C0"/>
+                                  <a:schemeClr val="bg1"/>
                                 </a:solidFill>
                                 <a:latin typeface="Cambria Math" panose="02040503050406030204" pitchFamily="18" charset="0"/>
                               </a:rPr>
@@ -9707,7 +11700,7 @@
                         <m:r>
                           <a:rPr lang="en-US" i="1" dirty="0">
                             <a:solidFill>
-                              <a:srgbClr val="0070C0"/>
+                              <a:schemeClr val="bg1"/>
                             </a:solidFill>
                             <a:latin typeface="Cambria Math" panose="02040503050406030204" pitchFamily="18" charset="0"/>
                           </a:rPr>
@@ -9718,7 +11711,7 @@
                             <m:ctrlPr>
                               <a:rPr lang="en-US" b="0" i="1" dirty="0" smtClean="0">
                                 <a:solidFill>
-                                  <a:srgbClr val="0070C0"/>
+                                  <a:schemeClr val="bg1"/>
                                 </a:solidFill>
                                 <a:latin typeface="Cambria Math" panose="02040503050406030204" pitchFamily="18" charset="0"/>
                               </a:rPr>
@@ -9728,7 +11721,7 @@
                             <m:r>
                               <a:rPr lang="en-US" i="1" dirty="0" err="1">
                                 <a:solidFill>
-                                  <a:srgbClr val="0070C0"/>
+                                  <a:schemeClr val="bg1"/>
                                 </a:solidFill>
                                 <a:latin typeface="Cambria Math" panose="02040503050406030204" pitchFamily="18" charset="0"/>
                               </a:rPr>
@@ -9739,7 +11732,7 @@
                             <m:r>
                               <a:rPr lang="en-US" i="1" dirty="0" err="1">
                                 <a:solidFill>
-                                  <a:srgbClr val="0070C0"/>
+                                  <a:schemeClr val="bg1"/>
                                 </a:solidFill>
                                 <a:latin typeface="Cambria Math" panose="02040503050406030204" pitchFamily="18" charset="0"/>
                               </a:rPr>
@@ -9750,7 +11743,7 @@
                         <m:r>
                           <a:rPr lang="en-US" b="0" i="1" dirty="0" smtClean="0">
                             <a:solidFill>
-                              <a:srgbClr val="0070C0"/>
+                              <a:schemeClr val="bg1"/>
                             </a:solidFill>
                             <a:latin typeface="Cambria Math" panose="02040503050406030204" pitchFamily="18" charset="0"/>
                           </a:rPr>
@@ -9759,7 +11752,7 @@
                         <m:r>
                           <a:rPr lang="en-US" i="1" dirty="0">
                             <a:solidFill>
-                              <a:srgbClr val="0070C0"/>
+                              <a:schemeClr val="bg1"/>
                             </a:solidFill>
                             <a:latin typeface="Cambria Math" panose="02040503050406030204" pitchFamily="18" charset="0"/>
                           </a:rPr>
@@ -9770,7 +11763,7 @@
                             <m:ctrlPr>
                               <a:rPr lang="en-US" b="0" i="1" dirty="0" smtClean="0">
                                 <a:solidFill>
-                                  <a:srgbClr val="0070C0"/>
+                                  <a:schemeClr val="bg1"/>
                                 </a:solidFill>
                                 <a:latin typeface="Cambria Math" panose="02040503050406030204" pitchFamily="18" charset="0"/>
                               </a:rPr>
@@ -9780,7 +11773,7 @@
                             <m:r>
                               <a:rPr lang="en-US" i="1" dirty="0" err="1">
                                 <a:solidFill>
-                                  <a:srgbClr val="0070C0"/>
+                                  <a:schemeClr val="bg1"/>
                                 </a:solidFill>
                                 <a:latin typeface="Cambria Math" panose="02040503050406030204" pitchFamily="18" charset="0"/>
                               </a:rPr>
@@ -9791,7 +11784,7 @@
                             <m:r>
                               <a:rPr lang="en-US" b="0" i="1" dirty="0" smtClean="0">
                                 <a:solidFill>
-                                  <a:srgbClr val="0070C0"/>
+                                  <a:schemeClr val="bg1"/>
                                 </a:solidFill>
                                 <a:latin typeface="Cambria Math" panose="02040503050406030204" pitchFamily="18" charset="0"/>
                               </a:rPr>
@@ -9802,7 +11795,7 @@
                         <m:r>
                           <a:rPr lang="en-US" i="1" dirty="0">
                             <a:solidFill>
-                              <a:srgbClr val="0070C0"/>
+                              <a:schemeClr val="bg1"/>
                             </a:solidFill>
                             <a:latin typeface="Cambria Math" panose="02040503050406030204" pitchFamily="18" charset="0"/>
                           </a:rPr>
@@ -9813,7 +11806,7 @@
                     <m:r>
                       <a:rPr lang="en-US" b="0" i="1" dirty="0" smtClean="0">
                         <a:solidFill>
-                          <a:srgbClr val="0070C0"/>
+                          <a:schemeClr val="bg1"/>
                         </a:solidFill>
                         <a:latin typeface="Cambria Math" panose="02040503050406030204" pitchFamily="18" charset="0"/>
                       </a:rPr>
@@ -9822,7 +11815,7 @@
                     <m:r>
                       <a:rPr lang="en-US" b="1" i="1" dirty="0" smtClean="0">
                         <a:solidFill>
-                          <a:srgbClr val="0070C0"/>
+                          <a:schemeClr val="bg1"/>
                         </a:solidFill>
                         <a:latin typeface="Cambria Math" panose="02040503050406030204" pitchFamily="18" charset="0"/>
                       </a:rPr>
@@ -9831,7 +11824,7 @@
                     <m:r>
                       <a:rPr lang="en-US" b="0" i="1" dirty="0" smtClean="0">
                         <a:solidFill>
-                          <a:srgbClr val="0070C0"/>
+                          <a:schemeClr val="bg1"/>
                         </a:solidFill>
                         <a:latin typeface="Cambria Math" panose="02040503050406030204" pitchFamily="18" charset="0"/>
                       </a:rPr>
@@ -9842,7 +11835,7 @@
                         <m:ctrlPr>
                           <a:rPr lang="en-US" b="0" i="1" dirty="0" smtClean="0">
                             <a:solidFill>
-                              <a:srgbClr val="0070C0"/>
+                              <a:schemeClr val="bg1"/>
                             </a:solidFill>
                             <a:latin typeface="Cambria Math" panose="02040503050406030204" pitchFamily="18" charset="0"/>
                           </a:rPr>
@@ -9852,7 +11845,7 @@
                         <m:r>
                           <a:rPr lang="en-US" i="1" dirty="0" err="1">
                             <a:solidFill>
-                              <a:srgbClr val="0070C0"/>
+                              <a:schemeClr val="bg1"/>
                             </a:solidFill>
                             <a:latin typeface="Cambria Math" panose="02040503050406030204" pitchFamily="18" charset="0"/>
                           </a:rPr>
@@ -9863,7 +11856,7 @@
                         <m:r>
                           <a:rPr lang="en-US" i="1" dirty="0" err="1">
                             <a:solidFill>
-                              <a:srgbClr val="0070C0"/>
+                              <a:schemeClr val="bg1"/>
                             </a:solidFill>
                             <a:latin typeface="Cambria Math" panose="02040503050406030204" pitchFamily="18" charset="0"/>
                           </a:rPr>
@@ -9874,7 +11867,7 @@
                     <m:r>
                       <a:rPr lang="en-US" i="1" dirty="0">
                         <a:solidFill>
-                          <a:srgbClr val="0070C0"/>
+                          <a:schemeClr val="bg1"/>
                         </a:solidFill>
                         <a:latin typeface="Cambria Math" panose="02040503050406030204" pitchFamily="18" charset="0"/>
                       </a:rPr>
@@ -9885,7 +11878,7 @@
                         <m:ctrlPr>
                           <a:rPr lang="en-US" b="0" i="1" dirty="0" smtClean="0">
                             <a:solidFill>
-                              <a:srgbClr val="0070C0"/>
+                              <a:schemeClr val="bg1"/>
                             </a:solidFill>
                             <a:latin typeface="Cambria Math" panose="02040503050406030204" pitchFamily="18" charset="0"/>
                           </a:rPr>
@@ -9895,7 +11888,7 @@
                         <m:r>
                           <a:rPr lang="en-US" i="1" dirty="0" err="1">
                             <a:solidFill>
-                              <a:srgbClr val="0070C0"/>
+                              <a:schemeClr val="bg1"/>
                             </a:solidFill>
                             <a:latin typeface="Cambria Math" panose="02040503050406030204" pitchFamily="18" charset="0"/>
                           </a:rPr>
@@ -9906,7 +11899,7 @@
                         <m:r>
                           <a:rPr lang="en-US" i="1" dirty="0" err="1">
                             <a:solidFill>
-                              <a:srgbClr val="0070C0"/>
+                              <a:schemeClr val="bg1"/>
                             </a:solidFill>
                             <a:latin typeface="Cambria Math" panose="02040503050406030204" pitchFamily="18" charset="0"/>
                           </a:rPr>
@@ -9917,7 +11910,7 @@
                     <m:r>
                       <a:rPr lang="en-US" b="0" i="1" dirty="0" smtClean="0">
                         <a:solidFill>
-                          <a:srgbClr val="0070C0"/>
+                          <a:schemeClr val="bg1"/>
                         </a:solidFill>
                         <a:latin typeface="Cambria Math" panose="02040503050406030204" pitchFamily="18" charset="0"/>
                       </a:rPr>
@@ -9926,7 +11919,7 @@
                     <m:r>
                       <a:rPr lang="en-US" i="1" dirty="0">
                         <a:solidFill>
-                          <a:srgbClr val="0070C0"/>
+                          <a:schemeClr val="bg1"/>
                         </a:solidFill>
                         <a:latin typeface="Cambria Math" panose="02040503050406030204" pitchFamily="18" charset="0"/>
                       </a:rPr>
@@ -9937,7 +11930,7 @@
                         <m:ctrlPr>
                           <a:rPr lang="en-US" b="0" i="1" dirty="0" smtClean="0">
                             <a:solidFill>
-                              <a:srgbClr val="0070C0"/>
+                              <a:schemeClr val="bg1"/>
                             </a:solidFill>
                             <a:latin typeface="Cambria Math" panose="02040503050406030204" pitchFamily="18" charset="0"/>
                           </a:rPr>
@@ -9947,7 +11940,7 @@
                         <m:r>
                           <a:rPr lang="en-US" i="1" dirty="0" err="1">
                             <a:solidFill>
-                              <a:srgbClr val="0070C0"/>
+                              <a:schemeClr val="bg1"/>
                             </a:solidFill>
                             <a:latin typeface="Cambria Math" panose="02040503050406030204" pitchFamily="18" charset="0"/>
                           </a:rPr>
@@ -9958,7 +11951,7 @@
                         <m:r>
                           <a:rPr lang="en-US" i="1" dirty="0" err="1">
                             <a:solidFill>
-                              <a:srgbClr val="0070C0"/>
+                              <a:schemeClr val="bg1"/>
                             </a:solidFill>
                             <a:latin typeface="Cambria Math" panose="02040503050406030204" pitchFamily="18" charset="0"/>
                           </a:rPr>
@@ -9969,7 +11962,7 @@
                     <m:r>
                       <a:rPr lang="en-US" i="1" dirty="0">
                         <a:solidFill>
-                          <a:srgbClr val="0070C0"/>
+                          <a:schemeClr val="bg1"/>
                         </a:solidFill>
                         <a:latin typeface="Cambria Math" panose="02040503050406030204" pitchFamily="18" charset="0"/>
                       </a:rPr>
@@ -9979,7 +11972,7 @@
                 </a14:m>
                 <a:endParaRPr lang="en-US" dirty="0">
                   <a:solidFill>
-                    <a:srgbClr val="0070C0"/>
+                    <a:schemeClr val="bg1"/>
                   </a:solidFill>
                 </a:endParaRPr>
               </a:p>
@@ -9994,15 +11987,27 @@
                   <a:buNone/>
                 </a:pPr>
                 <a:r>
-                  <a:rPr lang="en-US" dirty="0"/>
+                  <a:rPr lang="en-US" dirty="0">
+                    <a:solidFill>
+                      <a:schemeClr val="bg1"/>
+                    </a:solidFill>
+                  </a:rPr>
                   <a:t>     </a:t>
                 </a:r>
                 <a:r>
-                  <a:rPr lang="en-US" b="1" dirty="0"/>
+                  <a:rPr lang="en-US" b="1" dirty="0">
+                    <a:solidFill>
+                      <a:schemeClr val="bg1"/>
+                    </a:solidFill>
+                  </a:rPr>
                   <a:t>If</a:t>
                 </a:r>
                 <a:r>
-                  <a:rPr lang="en-US" dirty="0"/>
+                  <a:rPr lang="en-US" dirty="0">
+                    <a:solidFill>
+                      <a:schemeClr val="bg1"/>
+                    </a:solidFill>
+                  </a:rPr>
                   <a:t> no such </a:t>
                 </a:r>
                 <a14:m>
@@ -10011,6 +12016,9 @@
                       <m:sSubPr>
                         <m:ctrlPr>
                           <a:rPr lang="en-US" b="0" i="1" smtClean="0">
+                            <a:solidFill>
+                              <a:schemeClr val="bg1"/>
+                            </a:solidFill>
                             <a:latin typeface="Cambria Math" panose="02040503050406030204" pitchFamily="18" charset="0"/>
                           </a:rPr>
                         </m:ctrlPr>
@@ -10018,6 +12026,9 @@
                       <m:e>
                         <m:r>
                           <a:rPr lang="en-US" b="0" i="1" smtClean="0">
+                            <a:solidFill>
+                              <a:schemeClr val="bg1"/>
+                            </a:solidFill>
                             <a:latin typeface="Cambria Math" panose="02040503050406030204" pitchFamily="18" charset="0"/>
                           </a:rPr>
                           <m:t>𝑥</m:t>
@@ -10026,6 +12037,9 @@
                       <m:sub>
                         <m:r>
                           <a:rPr lang="en-US" b="0" i="1" smtClean="0">
+                            <a:solidFill>
+                              <a:schemeClr val="bg1"/>
+                            </a:solidFill>
                             <a:latin typeface="Cambria Math" panose="02040503050406030204" pitchFamily="18" charset="0"/>
                           </a:rPr>
                           <m:t>𝑗</m:t>
@@ -10035,23 +12049,43 @@
                   </m:oMath>
                 </a14:m>
                 <a:r>
-                  <a:rPr lang="en-US" dirty="0"/>
+                  <a:rPr lang="en-US" dirty="0">
+                    <a:solidFill>
+                      <a:schemeClr val="bg1"/>
+                    </a:solidFill>
+                  </a:rPr>
                   <a:t> exists </a:t>
                 </a:r>
                 <a:r>
-                  <a:rPr lang="en-US" b="1" dirty="0"/>
+                  <a:rPr lang="en-US" b="1" dirty="0">
+                    <a:solidFill>
+                      <a:schemeClr val="bg1"/>
+                    </a:solidFill>
+                  </a:rPr>
                   <a:t>then</a:t>
                 </a:r>
                 <a:r>
-                  <a:rPr lang="en-US" dirty="0"/>
+                  <a:rPr lang="en-US" dirty="0">
+                    <a:solidFill>
+                      <a:schemeClr val="bg1"/>
+                    </a:solidFill>
+                  </a:rPr>
                   <a:t> </a:t>
                 </a:r>
                 <a:r>
-                  <a:rPr lang="en-US" b="1" dirty="0"/>
+                  <a:rPr lang="en-US" b="1" dirty="0">
+                    <a:solidFill>
+                      <a:schemeClr val="bg1"/>
+                    </a:solidFill>
+                  </a:rPr>
                   <a:t>return</a:t>
                 </a:r>
                 <a:r>
-                  <a:rPr lang="en-US" dirty="0"/>
+                  <a:rPr lang="en-US" dirty="0">
+                    <a:solidFill>
+                      <a:schemeClr val="bg1"/>
+                    </a:solidFill>
+                  </a:rPr>
                   <a:t> UNSAT</a:t>
                 </a:r>
               </a:p>
@@ -10295,7 +12329,7 @@
                 <a:r>
                   <a:rPr lang="en-US" dirty="0">
                     <a:solidFill>
-                      <a:schemeClr val="tx1"/>
+                      <a:schemeClr val="bg1"/>
                     </a:solidFill>
                   </a:rPr>
                   <a:t>Let </a:t>
@@ -10307,7 +12341,7 @@
                         <m:ctrlPr>
                           <a:rPr lang="en-US" b="0" i="1" smtClean="0">
                             <a:solidFill>
-                              <a:schemeClr val="tx1"/>
+                              <a:schemeClr val="bg1"/>
                             </a:solidFill>
                             <a:latin typeface="Cambria Math" panose="02040503050406030204" pitchFamily="18" charset="0"/>
                           </a:rPr>
@@ -10317,7 +12351,7 @@
                         <m:r>
                           <a:rPr lang="en-US" b="0" i="1" smtClean="0">
                             <a:solidFill>
-                              <a:schemeClr val="tx1"/>
+                              <a:schemeClr val="bg1"/>
                             </a:solidFill>
                             <a:latin typeface="Cambria Math" panose="02040503050406030204" pitchFamily="18" charset="0"/>
                           </a:rPr>
@@ -10328,7 +12362,7 @@
                         <m:r>
                           <a:rPr lang="en-US" b="0" i="1" smtClean="0">
                             <a:solidFill>
-                              <a:schemeClr val="tx1"/>
+                              <a:schemeClr val="bg1"/>
                             </a:solidFill>
                             <a:latin typeface="Cambria Math" panose="02040503050406030204" pitchFamily="18" charset="0"/>
                           </a:rPr>
@@ -10341,7 +12375,7 @@
                 <a:r>
                   <a:rPr lang="en-US" dirty="0">
                     <a:solidFill>
-                      <a:schemeClr val="tx1"/>
+                      <a:schemeClr val="bg1"/>
                     </a:solidFill>
                   </a:rPr>
                   <a:t> be the first non-basic variable </a:t>
@@ -10349,14 +12383,14 @@
                 <a:r>
                   <a:rPr lang="en-US" dirty="0" err="1">
                     <a:solidFill>
-                      <a:schemeClr val="tx1"/>
+                      <a:schemeClr val="bg1"/>
                     </a:solidFill>
                   </a:rPr>
                   <a:t>s.t.</a:t>
                 </a:r>
                 <a:endParaRPr lang="en-US" dirty="0">
                   <a:solidFill>
-                    <a:schemeClr val="tx1"/>
+                    <a:schemeClr val="bg1"/>
                   </a:solidFill>
                 </a:endParaRPr>
               </a:p>
@@ -10371,7 +12405,11 @@
                   <a:buNone/>
                 </a:pPr>
                 <a:r>
-                  <a:rPr lang="en-US" dirty="0"/>
+                  <a:rPr lang="en-US" dirty="0">
+                    <a:solidFill>
+                      <a:schemeClr val="bg1"/>
+                    </a:solidFill>
+                  </a:rPr>
                   <a:t>     </a:t>
                 </a:r>
                 <a14:m>
@@ -10379,7 +12417,7 @@
                     <m:r>
                       <a:rPr lang="en-US" b="0" i="0" dirty="0" smtClean="0">
                         <a:solidFill>
-                          <a:srgbClr val="0070C0"/>
+                          <a:schemeClr val="bg1"/>
                         </a:solidFill>
                         <a:latin typeface="Cambria Math" panose="02040503050406030204" pitchFamily="18" charset="0"/>
                       </a:rPr>
@@ -10388,7 +12426,7 @@
                     <m:r>
                       <a:rPr lang="en-US" b="1" i="1" dirty="0" smtClean="0">
                         <a:solidFill>
-                          <a:srgbClr val="0070C0"/>
+                          <a:schemeClr val="bg1"/>
                         </a:solidFill>
                         <a:latin typeface="Cambria Math" panose="02040503050406030204" pitchFamily="18" charset="0"/>
                       </a:rPr>
@@ -10400,7 +12438,7 @@
                         <m:ctrlPr>
                           <a:rPr lang="en-US" b="0" i="1" dirty="0" smtClean="0">
                             <a:solidFill>
-                              <a:srgbClr val="0070C0"/>
+                              <a:schemeClr val="bg1"/>
                             </a:solidFill>
                             <a:latin typeface="Cambria Math" panose="02040503050406030204" pitchFamily="18" charset="0"/>
                           </a:rPr>
@@ -10412,7 +12450,7 @@
                             <m:ctrlPr>
                               <a:rPr lang="en-US" b="0" i="1" dirty="0" smtClean="0">
                                 <a:solidFill>
-                                  <a:srgbClr val="0070C0"/>
+                                  <a:schemeClr val="bg1"/>
                                 </a:solidFill>
                                 <a:latin typeface="Cambria Math" panose="02040503050406030204" pitchFamily="18" charset="0"/>
                               </a:rPr>
@@ -10422,7 +12460,7 @@
                             <m:r>
                               <a:rPr lang="en-US" i="1" dirty="0" err="1">
                                 <a:solidFill>
-                                  <a:srgbClr val="0070C0"/>
+                                  <a:schemeClr val="bg1"/>
                                 </a:solidFill>
                                 <a:latin typeface="Cambria Math" panose="02040503050406030204" pitchFamily="18" charset="0"/>
                               </a:rPr>
@@ -10433,7 +12471,7 @@
                             <m:r>
                               <a:rPr lang="en-US" i="1" dirty="0" err="1">
                                 <a:solidFill>
-                                  <a:srgbClr val="0070C0"/>
+                                  <a:schemeClr val="bg1"/>
                                 </a:solidFill>
                                 <a:latin typeface="Cambria Math" panose="02040503050406030204" pitchFamily="18" charset="0"/>
                               </a:rPr>
@@ -10444,7 +12482,7 @@
                         <m:r>
                           <a:rPr lang="en-US" b="0" i="1" dirty="0" smtClean="0">
                             <a:solidFill>
-                              <a:srgbClr val="0070C0"/>
+                              <a:schemeClr val="bg1"/>
                             </a:solidFill>
                             <a:latin typeface="Cambria Math" panose="02040503050406030204" pitchFamily="18" charset="0"/>
                           </a:rPr>
@@ -10453,7 +12491,7 @@
                         <m:r>
                           <a:rPr lang="en-US" i="1" dirty="0">
                             <a:solidFill>
-                              <a:srgbClr val="0070C0"/>
+                              <a:schemeClr val="bg1"/>
                             </a:solidFill>
                             <a:latin typeface="Cambria Math" panose="02040503050406030204" pitchFamily="18" charset="0"/>
                           </a:rPr>
@@ -10464,7 +12502,7 @@
                             <m:ctrlPr>
                               <a:rPr lang="en-US" b="0" i="1" dirty="0" smtClean="0">
                                 <a:solidFill>
-                                  <a:srgbClr val="0070C0"/>
+                                  <a:schemeClr val="bg1"/>
                                 </a:solidFill>
                                 <a:latin typeface="Cambria Math" panose="02040503050406030204" pitchFamily="18" charset="0"/>
                               </a:rPr>
@@ -10474,7 +12512,7 @@
                             <m:r>
                               <a:rPr lang="en-US" b="0" i="1" dirty="0" smtClean="0">
                                 <a:solidFill>
-                                  <a:srgbClr val="0070C0"/>
+                                  <a:schemeClr val="bg1"/>
                                 </a:solidFill>
                                 <a:latin typeface="Cambria Math" panose="02040503050406030204" pitchFamily="18" charset="0"/>
                               </a:rPr>
@@ -10485,7 +12523,7 @@
                             <m:r>
                               <a:rPr lang="en-US" i="1" dirty="0" err="1">
                                 <a:solidFill>
-                                  <a:srgbClr val="0070C0"/>
+                                  <a:schemeClr val="bg1"/>
                                 </a:solidFill>
                                 <a:latin typeface="Cambria Math" panose="02040503050406030204" pitchFamily="18" charset="0"/>
                               </a:rPr>
@@ -10496,7 +12534,7 @@
                         <m:r>
                           <a:rPr lang="en-US" b="0" i="1" dirty="0" smtClean="0">
                             <a:solidFill>
-                              <a:srgbClr val="0070C0"/>
+                              <a:schemeClr val="bg1"/>
                             </a:solidFill>
                             <a:latin typeface="Cambria Math" panose="02040503050406030204" pitchFamily="18" charset="0"/>
                           </a:rPr>
@@ -10505,7 +12543,7 @@
                         <m:r>
                           <a:rPr lang="en-US" i="1" dirty="0">
                             <a:solidFill>
-                              <a:srgbClr val="0070C0"/>
+                              <a:schemeClr val="bg1"/>
                             </a:solidFill>
                             <a:latin typeface="Cambria Math" panose="02040503050406030204" pitchFamily="18" charset="0"/>
                           </a:rPr>
@@ -10516,7 +12554,7 @@
                             <m:ctrlPr>
                               <a:rPr lang="en-US" b="0" i="1" dirty="0" smtClean="0">
                                 <a:solidFill>
-                                  <a:srgbClr val="0070C0"/>
+                                  <a:schemeClr val="bg1"/>
                                 </a:solidFill>
                                 <a:latin typeface="Cambria Math" panose="02040503050406030204" pitchFamily="18" charset="0"/>
                               </a:rPr>
@@ -10526,7 +12564,7 @@
                             <m:r>
                               <a:rPr lang="en-US" i="1" dirty="0" err="1">
                                 <a:solidFill>
-                                  <a:srgbClr val="0070C0"/>
+                                  <a:schemeClr val="bg1"/>
                                 </a:solidFill>
                                 <a:latin typeface="Cambria Math" panose="02040503050406030204" pitchFamily="18" charset="0"/>
                               </a:rPr>
@@ -10537,7 +12575,7 @@
                             <m:r>
                               <a:rPr lang="en-US" b="0" i="1" dirty="0" smtClean="0">
                                 <a:solidFill>
-                                  <a:srgbClr val="0070C0"/>
+                                  <a:schemeClr val="bg1"/>
                                 </a:solidFill>
                                 <a:latin typeface="Cambria Math" panose="02040503050406030204" pitchFamily="18" charset="0"/>
                               </a:rPr>
@@ -10548,7 +12586,7 @@
                         <m:r>
                           <a:rPr lang="en-US" i="1" dirty="0">
                             <a:solidFill>
-                              <a:srgbClr val="0070C0"/>
+                              <a:schemeClr val="bg1"/>
                             </a:solidFill>
                             <a:latin typeface="Cambria Math" panose="02040503050406030204" pitchFamily="18" charset="0"/>
                           </a:rPr>
@@ -10559,7 +12597,7 @@
                     <m:r>
                       <a:rPr lang="en-US" b="0" i="1" dirty="0" smtClean="0">
                         <a:solidFill>
-                          <a:srgbClr val="0070C0"/>
+                          <a:schemeClr val="bg1"/>
                         </a:solidFill>
                         <a:latin typeface="Cambria Math" panose="02040503050406030204" pitchFamily="18" charset="0"/>
                       </a:rPr>
@@ -10568,7 +12606,7 @@
                     <m:r>
                       <a:rPr lang="en-US" b="1" i="1" dirty="0" smtClean="0">
                         <a:solidFill>
-                          <a:srgbClr val="0070C0"/>
+                          <a:schemeClr val="bg1"/>
                         </a:solidFill>
                         <a:latin typeface="Cambria Math" panose="02040503050406030204" pitchFamily="18" charset="0"/>
                       </a:rPr>
@@ -10577,7 +12615,7 @@
                     <m:r>
                       <a:rPr lang="en-US" b="0" i="1" dirty="0" smtClean="0">
                         <a:solidFill>
-                          <a:srgbClr val="0070C0"/>
+                          <a:schemeClr val="bg1"/>
                         </a:solidFill>
                         <a:latin typeface="Cambria Math" panose="02040503050406030204" pitchFamily="18" charset="0"/>
                       </a:rPr>
@@ -10588,7 +12626,7 @@
                         <m:ctrlPr>
                           <a:rPr lang="en-US" b="0" i="1" dirty="0" smtClean="0">
                             <a:solidFill>
-                              <a:srgbClr val="0070C0"/>
+                              <a:schemeClr val="bg1"/>
                             </a:solidFill>
                             <a:latin typeface="Cambria Math" panose="02040503050406030204" pitchFamily="18" charset="0"/>
                           </a:rPr>
@@ -10598,7 +12636,7 @@
                         <m:r>
                           <a:rPr lang="en-US" i="1" dirty="0" err="1">
                             <a:solidFill>
-                              <a:srgbClr val="0070C0"/>
+                              <a:schemeClr val="bg1"/>
                             </a:solidFill>
                             <a:latin typeface="Cambria Math" panose="02040503050406030204" pitchFamily="18" charset="0"/>
                           </a:rPr>
@@ -10609,7 +12647,7 @@
                         <m:r>
                           <a:rPr lang="en-US" i="1" dirty="0" err="1">
                             <a:solidFill>
-                              <a:srgbClr val="0070C0"/>
+                              <a:schemeClr val="bg1"/>
                             </a:solidFill>
                             <a:latin typeface="Cambria Math" panose="02040503050406030204" pitchFamily="18" charset="0"/>
                           </a:rPr>
@@ -10620,7 +12658,7 @@
                     <m:r>
                       <a:rPr lang="en-US" b="0" i="1" dirty="0" smtClean="0">
                         <a:solidFill>
-                          <a:srgbClr val="0070C0"/>
+                          <a:schemeClr val="bg1"/>
                         </a:solidFill>
                         <a:latin typeface="Cambria Math" panose="02040503050406030204" pitchFamily="18" charset="0"/>
                       </a:rPr>
@@ -10629,7 +12667,7 @@
                     <m:r>
                       <a:rPr lang="en-US" i="1" dirty="0">
                         <a:solidFill>
-                          <a:srgbClr val="0070C0"/>
+                          <a:schemeClr val="bg1"/>
                         </a:solidFill>
                         <a:latin typeface="Cambria Math" panose="02040503050406030204" pitchFamily="18" charset="0"/>
                       </a:rPr>
@@ -10640,7 +12678,7 @@
                         <m:ctrlPr>
                           <a:rPr lang="en-US" b="0" i="1" dirty="0" smtClean="0">
                             <a:solidFill>
-                              <a:srgbClr val="0070C0"/>
+                              <a:schemeClr val="bg1"/>
                             </a:solidFill>
                             <a:latin typeface="Cambria Math" panose="02040503050406030204" pitchFamily="18" charset="0"/>
                           </a:rPr>
@@ -10650,7 +12688,7 @@
                         <m:r>
                           <a:rPr lang="en-US" b="0" i="1" dirty="0" smtClean="0">
                             <a:solidFill>
-                              <a:srgbClr val="0070C0"/>
+                              <a:schemeClr val="bg1"/>
                             </a:solidFill>
                             <a:latin typeface="Cambria Math" panose="02040503050406030204" pitchFamily="18" charset="0"/>
                           </a:rPr>
@@ -10661,7 +12699,7 @@
                         <m:r>
                           <a:rPr lang="en-US" i="1" dirty="0" err="1">
                             <a:solidFill>
-                              <a:srgbClr val="0070C0"/>
+                              <a:schemeClr val="bg1"/>
                             </a:solidFill>
                             <a:latin typeface="Cambria Math" panose="02040503050406030204" pitchFamily="18" charset="0"/>
                           </a:rPr>
@@ -10672,7 +12710,7 @@
                     <m:r>
                       <a:rPr lang="en-US" b="0" i="1" dirty="0" smtClean="0">
                         <a:solidFill>
-                          <a:srgbClr val="0070C0"/>
+                          <a:schemeClr val="bg1"/>
                         </a:solidFill>
                         <a:latin typeface="Cambria Math" panose="02040503050406030204" pitchFamily="18" charset="0"/>
                       </a:rPr>
@@ -10681,7 +12719,7 @@
                     <m:r>
                       <a:rPr lang="en-US" i="1" dirty="0">
                         <a:solidFill>
-                          <a:srgbClr val="0070C0"/>
+                          <a:schemeClr val="bg1"/>
                         </a:solidFill>
                         <a:latin typeface="Cambria Math" panose="02040503050406030204" pitchFamily="18" charset="0"/>
                       </a:rPr>
@@ -10692,7 +12730,7 @@
                         <m:ctrlPr>
                           <a:rPr lang="en-US" b="0" i="1" dirty="0" smtClean="0">
                             <a:solidFill>
-                              <a:srgbClr val="0070C0"/>
+                              <a:schemeClr val="bg1"/>
                             </a:solidFill>
                             <a:latin typeface="Cambria Math" panose="02040503050406030204" pitchFamily="18" charset="0"/>
                           </a:rPr>
@@ -10702,7 +12740,7 @@
                         <m:r>
                           <a:rPr lang="en-US" i="1" dirty="0" err="1">
                             <a:solidFill>
-                              <a:srgbClr val="0070C0"/>
+                              <a:schemeClr val="bg1"/>
                             </a:solidFill>
                             <a:latin typeface="Cambria Math" panose="02040503050406030204" pitchFamily="18" charset="0"/>
                           </a:rPr>
@@ -10713,7 +12751,7 @@
                         <m:r>
                           <a:rPr lang="en-US" i="1" dirty="0" err="1">
                             <a:solidFill>
-                              <a:srgbClr val="0070C0"/>
+                              <a:schemeClr val="bg1"/>
                             </a:solidFill>
                             <a:latin typeface="Cambria Math" panose="02040503050406030204" pitchFamily="18" charset="0"/>
                           </a:rPr>
@@ -10724,7 +12762,7 @@
                     <m:r>
                       <a:rPr lang="en-US" i="1" dirty="0">
                         <a:solidFill>
-                          <a:srgbClr val="0070C0"/>
+                          <a:schemeClr val="bg1"/>
                         </a:solidFill>
                         <a:latin typeface="Cambria Math" panose="02040503050406030204" pitchFamily="18" charset="0"/>
                       </a:rPr>
@@ -10734,7 +12772,7 @@
                 </a14:m>
                 <a:endParaRPr lang="en-US" dirty="0">
                   <a:solidFill>
-                    <a:srgbClr val="0070C0"/>
+                    <a:schemeClr val="bg1"/>
                   </a:solidFill>
                 </a:endParaRPr>
               </a:p>
@@ -10749,15 +12787,27 @@
                   <a:buNone/>
                 </a:pPr>
                 <a:r>
-                  <a:rPr lang="en-US" dirty="0"/>
+                  <a:rPr lang="en-US" dirty="0">
+                    <a:solidFill>
+                      <a:schemeClr val="bg1"/>
+                    </a:solidFill>
+                  </a:rPr>
                   <a:t>     </a:t>
                 </a:r>
                 <a:r>
-                  <a:rPr lang="en-US" b="1" dirty="0"/>
+                  <a:rPr lang="en-US" b="1" dirty="0">
+                    <a:solidFill>
+                      <a:schemeClr val="bg1"/>
+                    </a:solidFill>
+                  </a:rPr>
                   <a:t>If</a:t>
                 </a:r>
                 <a:r>
-                  <a:rPr lang="en-US" dirty="0"/>
+                  <a:rPr lang="en-US" dirty="0">
+                    <a:solidFill>
+                      <a:schemeClr val="bg1"/>
+                    </a:solidFill>
+                  </a:rPr>
                   <a:t> no such </a:t>
                 </a:r>
                 <a14:m>
@@ -10766,6 +12816,9 @@
                       <m:sSubPr>
                         <m:ctrlPr>
                           <a:rPr lang="en-US" b="0" i="1" dirty="0" smtClean="0">
+                            <a:solidFill>
+                              <a:schemeClr val="bg1"/>
+                            </a:solidFill>
                             <a:latin typeface="Cambria Math" panose="02040503050406030204" pitchFamily="18" charset="0"/>
                           </a:rPr>
                         </m:ctrlPr>
@@ -10773,6 +12826,9 @@
                       <m:e>
                         <m:r>
                           <a:rPr lang="en-US" i="1" dirty="0" smtClean="0">
+                            <a:solidFill>
+                              <a:schemeClr val="bg1"/>
+                            </a:solidFill>
                             <a:latin typeface="Cambria Math" panose="02040503050406030204" pitchFamily="18" charset="0"/>
                           </a:rPr>
                           <m:t>𝑥</m:t>
@@ -10781,6 +12837,9 @@
                       <m:sub>
                         <m:r>
                           <a:rPr lang="en-US" i="1" dirty="0" smtClean="0">
+                            <a:solidFill>
+                              <a:schemeClr val="bg1"/>
+                            </a:solidFill>
                             <a:latin typeface="Cambria Math" panose="02040503050406030204" pitchFamily="18" charset="0"/>
                           </a:rPr>
                           <m:t>𝑗</m:t>
@@ -10790,15 +12849,27 @@
                   </m:oMath>
                 </a14:m>
                 <a:r>
-                  <a:rPr lang="en-US" dirty="0"/>
+                  <a:rPr lang="en-US" dirty="0">
+                    <a:solidFill>
+                      <a:schemeClr val="bg1"/>
+                    </a:solidFill>
+                  </a:rPr>
                   <a:t> exists </a:t>
                 </a:r>
                 <a:r>
-                  <a:rPr lang="en-US" b="1" dirty="0"/>
+                  <a:rPr lang="en-US" b="1" dirty="0">
+                    <a:solidFill>
+                      <a:schemeClr val="bg1"/>
+                    </a:solidFill>
+                  </a:rPr>
                   <a:t>then return </a:t>
                 </a:r>
                 <a:r>
-                  <a:rPr lang="en-US" dirty="0"/>
+                  <a:rPr lang="en-US" dirty="0">
+                    <a:solidFill>
+                      <a:schemeClr val="bg1"/>
+                    </a:solidFill>
+                  </a:rPr>
                   <a:t>UNSAT</a:t>
                 </a:r>
               </a:p>
@@ -12018,6 +14089,3890 @@
     </p:spTree>
     <p:extLst>
       <p:ext uri="{BB962C8B-B14F-4D97-AF65-F5344CB8AC3E}">
+        <p14:creationId xmlns:p14="http://schemas.microsoft.com/office/powerpoint/2010/main" val="656167211"/>
+      </p:ext>
+    </p:extLst>
+  </p:cSld>
+  <p:clrMapOvr>
+    <a:masterClrMapping/>
+  </p:clrMapOvr>
+  <p:timing>
+    <p:tnLst>
+      <p:par>
+        <p:cTn id="1" dur="indefinite" restart="never" nodeType="tmRoot">
+          <p:childTnLst>
+            <p:seq concurrent="1" nextAc="seek">
+              <p:cTn id="2" dur="indefinite" nodeType="mainSeq">
+                <p:childTnLst>
+                  <p:par>
+                    <p:cTn id="3" fill="hold">
+                      <p:stCondLst>
+                        <p:cond delay="indefinite"/>
+                      </p:stCondLst>
+                      <p:childTnLst>
+                        <p:par>
+                          <p:cTn id="4" fill="hold">
+                            <p:stCondLst>
+                              <p:cond delay="0"/>
+                            </p:stCondLst>
+                            <p:childTnLst>
+                              <p:par>
+                                <p:cTn id="5" presetID="1" presetClass="entr" presetSubtype="0" fill="hold" nodeType="clickEffect">
+                                  <p:stCondLst>
+                                    <p:cond delay="0"/>
+                                  </p:stCondLst>
+                                  <p:childTnLst>
+                                    <p:set>
+                                      <p:cBhvr>
+                                        <p:cTn id="6" dur="1" fill="hold">
+                                          <p:stCondLst>
+                                            <p:cond delay="0"/>
+                                          </p:stCondLst>
+                                        </p:cTn>
+                                        <p:tgtEl>
+                                          <p:spTgt spid="3">
+                                            <p:txEl>
+                                              <p:pRg st="2" end="2"/>
+                                            </p:txEl>
+                                          </p:spTgt>
+                                        </p:tgtEl>
+                                        <p:attrNameLst>
+                                          <p:attrName>style.visibility</p:attrName>
+                                        </p:attrNameLst>
+                                      </p:cBhvr>
+                                      <p:to>
+                                        <p:strVal val="visible"/>
+                                      </p:to>
+                                    </p:set>
+                                  </p:childTnLst>
+                                </p:cTn>
+                              </p:par>
+                            </p:childTnLst>
+                          </p:cTn>
+                        </p:par>
+                      </p:childTnLst>
+                    </p:cTn>
+                  </p:par>
+                  <p:par>
+                    <p:cTn id="7" fill="hold">
+                      <p:stCondLst>
+                        <p:cond delay="indefinite"/>
+                      </p:stCondLst>
+                      <p:childTnLst>
+                        <p:par>
+                          <p:cTn id="8" fill="hold">
+                            <p:stCondLst>
+                              <p:cond delay="0"/>
+                            </p:stCondLst>
+                            <p:childTnLst>
+                              <p:par>
+                                <p:cTn id="9" presetID="1" presetClass="entr" presetSubtype="0" fill="hold" nodeType="clickEffect">
+                                  <p:stCondLst>
+                                    <p:cond delay="0"/>
+                                  </p:stCondLst>
+                                  <p:childTnLst>
+                                    <p:set>
+                                      <p:cBhvr>
+                                        <p:cTn id="10" dur="1" fill="hold">
+                                          <p:stCondLst>
+                                            <p:cond delay="0"/>
+                                          </p:stCondLst>
+                                        </p:cTn>
+                                        <p:tgtEl>
+                                          <p:spTgt spid="3">
+                                            <p:txEl>
+                                              <p:pRg st="3" end="3"/>
+                                            </p:txEl>
+                                          </p:spTgt>
+                                        </p:tgtEl>
+                                        <p:attrNameLst>
+                                          <p:attrName>style.visibility</p:attrName>
+                                        </p:attrNameLst>
+                                      </p:cBhvr>
+                                      <p:to>
+                                        <p:strVal val="visible"/>
+                                      </p:to>
+                                    </p:set>
+                                  </p:childTnLst>
+                                </p:cTn>
+                              </p:par>
+                              <p:par>
+                                <p:cTn id="11" presetID="1" presetClass="entr" presetSubtype="0" fill="hold" nodeType="withEffect">
+                                  <p:stCondLst>
+                                    <p:cond delay="0"/>
+                                  </p:stCondLst>
+                                  <p:childTnLst>
+                                    <p:set>
+                                      <p:cBhvr>
+                                        <p:cTn id="12" dur="1" fill="hold">
+                                          <p:stCondLst>
+                                            <p:cond delay="0"/>
+                                          </p:stCondLst>
+                                        </p:cTn>
+                                        <p:tgtEl>
+                                          <p:spTgt spid="3">
+                                            <p:txEl>
+                                              <p:pRg st="4" end="4"/>
+                                            </p:txEl>
+                                          </p:spTgt>
+                                        </p:tgtEl>
+                                        <p:attrNameLst>
+                                          <p:attrName>style.visibility</p:attrName>
+                                        </p:attrNameLst>
+                                      </p:cBhvr>
+                                      <p:to>
+                                        <p:strVal val="visible"/>
+                                      </p:to>
+                                    </p:set>
+                                  </p:childTnLst>
+                                </p:cTn>
+                              </p:par>
+                              <p:par>
+                                <p:cTn id="13" presetID="1" presetClass="entr" presetSubtype="0" fill="hold" nodeType="withEffect">
+                                  <p:stCondLst>
+                                    <p:cond delay="0"/>
+                                  </p:stCondLst>
+                                  <p:childTnLst>
+                                    <p:set>
+                                      <p:cBhvr>
+                                        <p:cTn id="14" dur="1" fill="hold">
+                                          <p:stCondLst>
+                                            <p:cond delay="0"/>
+                                          </p:stCondLst>
+                                        </p:cTn>
+                                        <p:tgtEl>
+                                          <p:spTgt spid="3">
+                                            <p:txEl>
+                                              <p:pRg st="5" end="5"/>
+                                            </p:txEl>
+                                          </p:spTgt>
+                                        </p:tgtEl>
+                                        <p:attrNameLst>
+                                          <p:attrName>style.visibility</p:attrName>
+                                        </p:attrNameLst>
+                                      </p:cBhvr>
+                                      <p:to>
+                                        <p:strVal val="visible"/>
+                                      </p:to>
+                                    </p:set>
+                                  </p:childTnLst>
+                                </p:cTn>
+                              </p:par>
+                              <p:par>
+                                <p:cTn id="15" presetID="1" presetClass="entr" presetSubtype="0" fill="hold" nodeType="withEffect">
+                                  <p:stCondLst>
+                                    <p:cond delay="0"/>
+                                  </p:stCondLst>
+                                  <p:childTnLst>
+                                    <p:set>
+                                      <p:cBhvr>
+                                        <p:cTn id="16" dur="1" fill="hold">
+                                          <p:stCondLst>
+                                            <p:cond delay="0"/>
+                                          </p:stCondLst>
+                                        </p:cTn>
+                                        <p:tgtEl>
+                                          <p:spTgt spid="3">
+                                            <p:txEl>
+                                              <p:pRg st="6" end="6"/>
+                                            </p:txEl>
+                                          </p:spTgt>
+                                        </p:tgtEl>
+                                        <p:attrNameLst>
+                                          <p:attrName>style.visibility</p:attrName>
+                                        </p:attrNameLst>
+                                      </p:cBhvr>
+                                      <p:to>
+                                        <p:strVal val="visible"/>
+                                      </p:to>
+                                    </p:set>
+                                  </p:childTnLst>
+                                </p:cTn>
+                              </p:par>
+                              <p:par>
+                                <p:cTn id="17" presetID="1" presetClass="entr" presetSubtype="0" fill="hold" nodeType="withEffect">
+                                  <p:stCondLst>
+                                    <p:cond delay="0"/>
+                                  </p:stCondLst>
+                                  <p:childTnLst>
+                                    <p:set>
+                                      <p:cBhvr>
+                                        <p:cTn id="18" dur="1" fill="hold">
+                                          <p:stCondLst>
+                                            <p:cond delay="0"/>
+                                          </p:stCondLst>
+                                        </p:cTn>
+                                        <p:tgtEl>
+                                          <p:spTgt spid="3">
+                                            <p:txEl>
+                                              <p:pRg st="7" end="7"/>
+                                            </p:txEl>
+                                          </p:spTgt>
+                                        </p:tgtEl>
+                                        <p:attrNameLst>
+                                          <p:attrName>style.visibility</p:attrName>
+                                        </p:attrNameLst>
+                                      </p:cBhvr>
+                                      <p:to>
+                                        <p:strVal val="visible"/>
+                                      </p:to>
+                                    </p:set>
+                                  </p:childTnLst>
+                                </p:cTn>
+                              </p:par>
+                              <p:par>
+                                <p:cTn id="19" presetID="1" presetClass="entr" presetSubtype="0" fill="hold" nodeType="withEffect">
+                                  <p:stCondLst>
+                                    <p:cond delay="0"/>
+                                  </p:stCondLst>
+                                  <p:childTnLst>
+                                    <p:set>
+                                      <p:cBhvr>
+                                        <p:cTn id="20" dur="1" fill="hold">
+                                          <p:stCondLst>
+                                            <p:cond delay="0"/>
+                                          </p:stCondLst>
+                                        </p:cTn>
+                                        <p:tgtEl>
+                                          <p:spTgt spid="3">
+                                            <p:txEl>
+                                              <p:pRg st="8" end="8"/>
+                                            </p:txEl>
+                                          </p:spTgt>
+                                        </p:tgtEl>
+                                        <p:attrNameLst>
+                                          <p:attrName>style.visibility</p:attrName>
+                                        </p:attrNameLst>
+                                      </p:cBhvr>
+                                      <p:to>
+                                        <p:strVal val="visible"/>
+                                      </p:to>
+                                    </p:set>
+                                  </p:childTnLst>
+                                </p:cTn>
+                              </p:par>
+                              <p:par>
+                                <p:cTn id="21" presetID="1" presetClass="entr" presetSubtype="0" fill="hold" nodeType="withEffect">
+                                  <p:stCondLst>
+                                    <p:cond delay="0"/>
+                                  </p:stCondLst>
+                                  <p:childTnLst>
+                                    <p:set>
+                                      <p:cBhvr>
+                                        <p:cTn id="22" dur="1" fill="hold">
+                                          <p:stCondLst>
+                                            <p:cond delay="0"/>
+                                          </p:stCondLst>
+                                        </p:cTn>
+                                        <p:tgtEl>
+                                          <p:spTgt spid="3">
+                                            <p:txEl>
+                                              <p:pRg st="9" end="9"/>
+                                            </p:txEl>
+                                          </p:spTgt>
+                                        </p:tgtEl>
+                                        <p:attrNameLst>
+                                          <p:attrName>style.visibility</p:attrName>
+                                        </p:attrNameLst>
+                                      </p:cBhvr>
+                                      <p:to>
+                                        <p:strVal val="visible"/>
+                                      </p:to>
+                                    </p:set>
+                                  </p:childTnLst>
+                                </p:cTn>
+                              </p:par>
+                              <p:par>
+                                <p:cTn id="23" presetID="1" presetClass="entr" presetSubtype="0" fill="hold" nodeType="withEffect">
+                                  <p:stCondLst>
+                                    <p:cond delay="0"/>
+                                  </p:stCondLst>
+                                  <p:childTnLst>
+                                    <p:set>
+                                      <p:cBhvr>
+                                        <p:cTn id="24" dur="1" fill="hold">
+                                          <p:stCondLst>
+                                            <p:cond delay="0"/>
+                                          </p:stCondLst>
+                                        </p:cTn>
+                                        <p:tgtEl>
+                                          <p:spTgt spid="3">
+                                            <p:txEl>
+                                              <p:pRg st="10" end="10"/>
+                                            </p:txEl>
+                                          </p:spTgt>
+                                        </p:tgtEl>
+                                        <p:attrNameLst>
+                                          <p:attrName>style.visibility</p:attrName>
+                                        </p:attrNameLst>
+                                      </p:cBhvr>
+                                      <p:to>
+                                        <p:strVal val="visible"/>
+                                      </p:to>
+                                    </p:set>
+                                  </p:childTnLst>
+                                </p:cTn>
+                              </p:par>
+                              <p:par>
+                                <p:cTn id="25" presetID="1" presetClass="entr" presetSubtype="0" fill="hold" nodeType="withEffect">
+                                  <p:stCondLst>
+                                    <p:cond delay="0"/>
+                                  </p:stCondLst>
+                                  <p:childTnLst>
+                                    <p:set>
+                                      <p:cBhvr>
+                                        <p:cTn id="26" dur="1" fill="hold">
+                                          <p:stCondLst>
+                                            <p:cond delay="0"/>
+                                          </p:stCondLst>
+                                        </p:cTn>
+                                        <p:tgtEl>
+                                          <p:spTgt spid="3">
+                                            <p:txEl>
+                                              <p:pRg st="11" end="11"/>
+                                            </p:txEl>
+                                          </p:spTgt>
+                                        </p:tgtEl>
+                                        <p:attrNameLst>
+                                          <p:attrName>style.visibility</p:attrName>
+                                        </p:attrNameLst>
+                                      </p:cBhvr>
+                                      <p:to>
+                                        <p:strVal val="visible"/>
+                                      </p:to>
+                                    </p:set>
+                                  </p:childTnLst>
+                                </p:cTn>
+                              </p:par>
+                              <p:par>
+                                <p:cTn id="27" presetID="1" presetClass="entr" presetSubtype="0" fill="hold" nodeType="withEffect">
+                                  <p:stCondLst>
+                                    <p:cond delay="0"/>
+                                  </p:stCondLst>
+                                  <p:childTnLst>
+                                    <p:set>
+                                      <p:cBhvr>
+                                        <p:cTn id="28" dur="1" fill="hold">
+                                          <p:stCondLst>
+                                            <p:cond delay="0"/>
+                                          </p:stCondLst>
+                                        </p:cTn>
+                                        <p:tgtEl>
+                                          <p:spTgt spid="3">
+                                            <p:txEl>
+                                              <p:pRg st="12" end="12"/>
+                                            </p:txEl>
+                                          </p:spTgt>
+                                        </p:tgtEl>
+                                        <p:attrNameLst>
+                                          <p:attrName>style.visibility</p:attrName>
+                                        </p:attrNameLst>
+                                      </p:cBhvr>
+                                      <p:to>
+                                        <p:strVal val="visible"/>
+                                      </p:to>
+                                    </p:set>
+                                  </p:childTnLst>
+                                </p:cTn>
+                              </p:par>
+                              <p:par>
+                                <p:cTn id="29" presetID="1" presetClass="entr" presetSubtype="0" fill="hold" nodeType="withEffect">
+                                  <p:stCondLst>
+                                    <p:cond delay="0"/>
+                                  </p:stCondLst>
+                                  <p:childTnLst>
+                                    <p:set>
+                                      <p:cBhvr>
+                                        <p:cTn id="30" dur="1" fill="hold">
+                                          <p:stCondLst>
+                                            <p:cond delay="0"/>
+                                          </p:stCondLst>
+                                        </p:cTn>
+                                        <p:tgtEl>
+                                          <p:spTgt spid="3">
+                                            <p:txEl>
+                                              <p:pRg st="13" end="13"/>
+                                            </p:txEl>
+                                          </p:spTgt>
+                                        </p:tgtEl>
+                                        <p:attrNameLst>
+                                          <p:attrName>style.visibility</p:attrName>
+                                        </p:attrNameLst>
+                                      </p:cBhvr>
+                                      <p:to>
+                                        <p:strVal val="visible"/>
+                                      </p:to>
+                                    </p:set>
+                                  </p:childTnLst>
+                                </p:cTn>
+                              </p:par>
+                              <p:par>
+                                <p:cTn id="31" presetID="1" presetClass="entr" presetSubtype="0" fill="hold" nodeType="withEffect">
+                                  <p:stCondLst>
+                                    <p:cond delay="0"/>
+                                  </p:stCondLst>
+                                  <p:childTnLst>
+                                    <p:set>
+                                      <p:cBhvr>
+                                        <p:cTn id="32" dur="1" fill="hold">
+                                          <p:stCondLst>
+                                            <p:cond delay="0"/>
+                                          </p:stCondLst>
+                                        </p:cTn>
+                                        <p:tgtEl>
+                                          <p:spTgt spid="3">
+                                            <p:txEl>
+                                              <p:pRg st="14" end="14"/>
+                                            </p:txEl>
+                                          </p:spTgt>
+                                        </p:tgtEl>
+                                        <p:attrNameLst>
+                                          <p:attrName>style.visibility</p:attrName>
+                                        </p:attrNameLst>
+                                      </p:cBhvr>
+                                      <p:to>
+                                        <p:strVal val="visible"/>
+                                      </p:to>
+                                    </p:set>
+                                  </p:childTnLst>
+                                </p:cTn>
+                              </p:par>
+                              <p:par>
+                                <p:cTn id="33" presetID="1" presetClass="entr" presetSubtype="0" fill="hold" nodeType="withEffect">
+                                  <p:stCondLst>
+                                    <p:cond delay="0"/>
+                                  </p:stCondLst>
+                                  <p:childTnLst>
+                                    <p:set>
+                                      <p:cBhvr>
+                                        <p:cTn id="34" dur="1" fill="hold">
+                                          <p:stCondLst>
+                                            <p:cond delay="0"/>
+                                          </p:stCondLst>
+                                        </p:cTn>
+                                        <p:tgtEl>
+                                          <p:spTgt spid="3">
+                                            <p:txEl>
+                                              <p:pRg st="15" end="15"/>
+                                            </p:txEl>
+                                          </p:spTgt>
+                                        </p:tgtEl>
+                                        <p:attrNameLst>
+                                          <p:attrName>style.visibility</p:attrName>
+                                        </p:attrNameLst>
+                                      </p:cBhvr>
+                                      <p:to>
+                                        <p:strVal val="visible"/>
+                                      </p:to>
+                                    </p:set>
+                                  </p:childTnLst>
+                                </p:cTn>
+                              </p:par>
+                            </p:childTnLst>
+                          </p:cTn>
+                        </p:par>
+                      </p:childTnLst>
+                    </p:cTn>
+                  </p:par>
+                  <p:par>
+                    <p:cTn id="35" fill="hold">
+                      <p:stCondLst>
+                        <p:cond delay="indefinite"/>
+                      </p:stCondLst>
+                      <p:childTnLst>
+                        <p:par>
+                          <p:cTn id="36" fill="hold">
+                            <p:stCondLst>
+                              <p:cond delay="0"/>
+                            </p:stCondLst>
+                            <p:childTnLst>
+                              <p:par>
+                                <p:cTn id="37" presetID="1" presetClass="entr" presetSubtype="0" fill="hold" nodeType="clickEffect">
+                                  <p:stCondLst>
+                                    <p:cond delay="0"/>
+                                  </p:stCondLst>
+                                  <p:childTnLst>
+                                    <p:set>
+                                      <p:cBhvr>
+                                        <p:cTn id="38" dur="1" fill="hold">
+                                          <p:stCondLst>
+                                            <p:cond delay="0"/>
+                                          </p:stCondLst>
+                                        </p:cTn>
+                                        <p:tgtEl>
+                                          <p:spTgt spid="4">
+                                            <p:txEl>
+                                              <p:pRg st="0" end="0"/>
+                                            </p:txEl>
+                                          </p:spTgt>
+                                        </p:tgtEl>
+                                        <p:attrNameLst>
+                                          <p:attrName>style.visibility</p:attrName>
+                                        </p:attrNameLst>
+                                      </p:cBhvr>
+                                      <p:to>
+                                        <p:strVal val="visible"/>
+                                      </p:to>
+                                    </p:set>
+                                  </p:childTnLst>
+                                </p:cTn>
+                              </p:par>
+                            </p:childTnLst>
+                          </p:cTn>
+                        </p:par>
+                      </p:childTnLst>
+                    </p:cTn>
+                  </p:par>
+                  <p:par>
+                    <p:cTn id="39" fill="hold">
+                      <p:stCondLst>
+                        <p:cond delay="indefinite"/>
+                      </p:stCondLst>
+                      <p:childTnLst>
+                        <p:par>
+                          <p:cTn id="40" fill="hold">
+                            <p:stCondLst>
+                              <p:cond delay="0"/>
+                            </p:stCondLst>
+                            <p:childTnLst>
+                              <p:par>
+                                <p:cTn id="41" presetID="1" presetClass="entr" presetSubtype="0" fill="hold" nodeType="clickEffect">
+                                  <p:stCondLst>
+                                    <p:cond delay="0"/>
+                                  </p:stCondLst>
+                                  <p:childTnLst>
+                                    <p:set>
+                                      <p:cBhvr>
+                                        <p:cTn id="42" dur="1" fill="hold">
+                                          <p:stCondLst>
+                                            <p:cond delay="0"/>
+                                          </p:stCondLst>
+                                        </p:cTn>
+                                        <p:tgtEl>
+                                          <p:spTgt spid="4">
+                                            <p:txEl>
+                                              <p:pRg st="1" end="1"/>
+                                            </p:txEl>
+                                          </p:spTgt>
+                                        </p:tgtEl>
+                                        <p:attrNameLst>
+                                          <p:attrName>style.visibility</p:attrName>
+                                        </p:attrNameLst>
+                                      </p:cBhvr>
+                                      <p:to>
+                                        <p:strVal val="visible"/>
+                                      </p:to>
+                                    </p:set>
+                                  </p:childTnLst>
+                                </p:cTn>
+                              </p:par>
+                            </p:childTnLst>
+                          </p:cTn>
+                        </p:par>
+                      </p:childTnLst>
+                    </p:cTn>
+                  </p:par>
+                  <p:par>
+                    <p:cTn id="43" fill="hold">
+                      <p:stCondLst>
+                        <p:cond delay="indefinite"/>
+                      </p:stCondLst>
+                      <p:childTnLst>
+                        <p:par>
+                          <p:cTn id="44" fill="hold">
+                            <p:stCondLst>
+                              <p:cond delay="0"/>
+                            </p:stCondLst>
+                            <p:childTnLst>
+                              <p:par>
+                                <p:cTn id="45" presetID="1" presetClass="entr" presetSubtype="0" fill="hold" nodeType="clickEffect">
+                                  <p:stCondLst>
+                                    <p:cond delay="0"/>
+                                  </p:stCondLst>
+                                  <p:childTnLst>
+                                    <p:set>
+                                      <p:cBhvr>
+                                        <p:cTn id="46" dur="1" fill="hold">
+                                          <p:stCondLst>
+                                            <p:cond delay="0"/>
+                                          </p:stCondLst>
+                                        </p:cTn>
+                                        <p:tgtEl>
+                                          <p:spTgt spid="4">
+                                            <p:txEl>
+                                              <p:pRg st="2" end="2"/>
+                                            </p:txEl>
+                                          </p:spTgt>
+                                        </p:tgtEl>
+                                        <p:attrNameLst>
+                                          <p:attrName>style.visibility</p:attrName>
+                                        </p:attrNameLst>
+                                      </p:cBhvr>
+                                      <p:to>
+                                        <p:strVal val="visible"/>
+                                      </p:to>
+                                    </p:set>
+                                  </p:childTnLst>
+                                </p:cTn>
+                              </p:par>
+                            </p:childTnLst>
+                          </p:cTn>
+                        </p:par>
+                      </p:childTnLst>
+                    </p:cTn>
+                  </p:par>
+                  <p:par>
+                    <p:cTn id="47" fill="hold">
+                      <p:stCondLst>
+                        <p:cond delay="indefinite"/>
+                      </p:stCondLst>
+                      <p:childTnLst>
+                        <p:par>
+                          <p:cTn id="48" fill="hold">
+                            <p:stCondLst>
+                              <p:cond delay="0"/>
+                            </p:stCondLst>
+                            <p:childTnLst>
+                              <p:par>
+                                <p:cTn id="49" presetID="1" presetClass="entr" presetSubtype="0" fill="hold" nodeType="clickEffect">
+                                  <p:stCondLst>
+                                    <p:cond delay="0"/>
+                                  </p:stCondLst>
+                                  <p:childTnLst>
+                                    <p:set>
+                                      <p:cBhvr>
+                                        <p:cTn id="50" dur="1" fill="hold">
+                                          <p:stCondLst>
+                                            <p:cond delay="0"/>
+                                          </p:stCondLst>
+                                        </p:cTn>
+                                        <p:tgtEl>
+                                          <p:spTgt spid="4">
+                                            <p:txEl>
+                                              <p:pRg st="3" end="3"/>
+                                            </p:txEl>
+                                          </p:spTgt>
+                                        </p:tgtEl>
+                                        <p:attrNameLst>
+                                          <p:attrName>style.visibility</p:attrName>
+                                        </p:attrNameLst>
+                                      </p:cBhvr>
+                                      <p:to>
+                                        <p:strVal val="visible"/>
+                                      </p:to>
+                                    </p:set>
+                                  </p:childTnLst>
+                                </p:cTn>
+                              </p:par>
+                            </p:childTnLst>
+                          </p:cTn>
+                        </p:par>
+                      </p:childTnLst>
+                    </p:cTn>
+                  </p:par>
+                </p:childTnLst>
+              </p:cTn>
+              <p:prevCondLst>
+                <p:cond evt="onPrev" delay="0">
+                  <p:tgtEl>
+                    <p:sldTgt/>
+                  </p:tgtEl>
+                </p:cond>
+              </p:prevCondLst>
+              <p:nextCondLst>
+                <p:cond evt="onNext" delay="0">
+                  <p:tgtEl>
+                    <p:sldTgt/>
+                  </p:tgtEl>
+                </p:cond>
+              </p:nextCondLst>
+            </p:seq>
+          </p:childTnLst>
+        </p:cTn>
+      </p:par>
+    </p:tnLst>
+  </p:timing>
+</p:sld>
+</file>
+
+<file path=ppt/slides/slide17.xml><?xml version="1.0" encoding="utf-8"?>
+<p:sld xmlns:a="http://schemas.openxmlformats.org/drawingml/2006/main" xmlns:r="http://schemas.openxmlformats.org/officeDocument/2006/relationships" xmlns:p="http://schemas.openxmlformats.org/presentationml/2006/main">
+  <p:cSld>
+    <p:spTree>
+      <p:nvGrpSpPr>
+        <p:cNvPr id="1" name=""/>
+        <p:cNvGrpSpPr/>
+        <p:nvPr/>
+      </p:nvGrpSpPr>
+      <p:grpSpPr>
+        <a:xfrm>
+          <a:off x="0" y="0"/>
+          <a:ext cx="0" cy="0"/>
+          <a:chOff x="0" y="0"/>
+          <a:chExt cx="0" cy="0"/>
+        </a:xfrm>
+      </p:grpSpPr>
+      <p:sp>
+        <p:nvSpPr>
+          <p:cNvPr id="2" name="Title 1">
+            <a:extLst>
+              <a:ext uri="{FF2B5EF4-FFF2-40B4-BE49-F238E27FC236}">
+                <a16:creationId xmlns:a16="http://schemas.microsoft.com/office/drawing/2014/main" id="{3962C024-1E07-F845-8C87-89CB1E508E58}"/>
+              </a:ext>
+            </a:extLst>
+          </p:cNvPr>
+          <p:cNvSpPr>
+            <a:spLocks noGrp="1"/>
+          </p:cNvSpPr>
+          <p:nvPr>
+            <p:ph type="title"/>
+          </p:nvPr>
+        </p:nvSpPr>
+        <p:spPr>
+          <a:xfrm>
+            <a:off x="838200" y="228601"/>
+            <a:ext cx="10515600" cy="562722"/>
+          </a:xfrm>
+        </p:spPr>
+        <p:txBody>
+          <a:bodyPr>
+            <a:normAutofit fontScale="90000"/>
+          </a:bodyPr>
+          <a:lstStyle/>
+          <a:p>
+            <a:r>
+              <a:rPr lang="en-US" dirty="0"/>
+              <a:t>Simplex Algorithm: DP for LRA</a:t>
+            </a:r>
+          </a:p>
+        </p:txBody>
+      </p:sp>
+      <mc:AlternateContent xmlns:mc="http://schemas.openxmlformats.org/markup-compatibility/2006">
+        <mc:Choice xmlns:a14="http://schemas.microsoft.com/office/drawing/2010/main" Requires="a14">
+          <p:sp>
+            <p:nvSpPr>
+              <p:cNvPr id="3" name="Content Placeholder 2">
+                <a:extLst>
+                  <a:ext uri="{FF2B5EF4-FFF2-40B4-BE49-F238E27FC236}">
+                    <a16:creationId xmlns:a16="http://schemas.microsoft.com/office/drawing/2014/main" id="{FB3165BE-1E6F-0E47-ABA8-70180ECE286F}"/>
+                  </a:ext>
+                </a:extLst>
+              </p:cNvPr>
+              <p:cNvSpPr>
+                <a:spLocks noGrp="1"/>
+              </p:cNvSpPr>
+              <p:nvPr>
+                <p:ph idx="1"/>
+              </p:nvPr>
+            </p:nvSpPr>
+            <p:spPr>
+              <a:xfrm>
+                <a:off x="838200" y="968188"/>
+                <a:ext cx="6396318" cy="5889812"/>
+              </a:xfrm>
+            </p:spPr>
+            <p:txBody>
+              <a:bodyPr>
+                <a:normAutofit fontScale="70000" lnSpcReduction="20000"/>
+              </a:bodyPr>
+              <a:lstStyle/>
+              <a:p>
+                <a:pPr marL="0" indent="0">
+                  <a:lnSpc>
+                    <a:spcPct val="120000"/>
+                  </a:lnSpc>
+                  <a:spcBef>
+                    <a:spcPts val="0"/>
+                  </a:spcBef>
+                  <a:buNone/>
+                </a:pPr>
+                <a:r>
+                  <a:rPr lang="en-US" b="1" dirty="0"/>
+                  <a:t>Input</a:t>
+                </a:r>
+                <a:r>
+                  <a:rPr lang="en-US" dirty="0"/>
+                  <a:t>: A formula </a:t>
+                </a:r>
+                <a14:m>
+                  <m:oMath xmlns:m="http://schemas.openxmlformats.org/officeDocument/2006/math">
+                    <m:sSub>
+                      <m:sSubPr>
+                        <m:ctrlPr>
+                          <a:rPr lang="en-US" b="0" i="1" smtClean="0">
+                            <a:latin typeface="Cambria Math" panose="02040503050406030204" pitchFamily="18" charset="0"/>
+                          </a:rPr>
+                        </m:ctrlPr>
+                      </m:sSubPr>
+                      <m:e>
+                        <m:r>
+                          <a:rPr lang="en-US" b="0" i="1" smtClean="0">
+                            <a:latin typeface="Cambria Math" panose="02040503050406030204" pitchFamily="18" charset="0"/>
+                          </a:rPr>
+                          <m:t>𝐹</m:t>
+                        </m:r>
+                      </m:e>
+                      <m:sub>
+                        <m:r>
+                          <a:rPr lang="en-US" b="0" i="1" smtClean="0">
+                            <a:latin typeface="Cambria Math" panose="02040503050406030204" pitchFamily="18" charset="0"/>
+                          </a:rPr>
+                          <m:t>𝑆</m:t>
+                        </m:r>
+                      </m:sub>
+                    </m:sSub>
+                  </m:oMath>
+                </a14:m>
+                <a:r>
+                  <a:rPr lang="en-US" dirty="0"/>
+                  <a:t> in Simplex form</a:t>
+                </a:r>
+              </a:p>
+              <a:p>
+                <a:pPr marL="0" indent="0">
+                  <a:lnSpc>
+                    <a:spcPct val="120000"/>
+                  </a:lnSpc>
+                  <a:spcBef>
+                    <a:spcPts val="0"/>
+                  </a:spcBef>
+                  <a:buNone/>
+                </a:pPr>
+                <a:r>
+                  <a:rPr lang="en-US" b="1" dirty="0"/>
+                  <a:t>Output</a:t>
+                </a:r>
+                <a:r>
+                  <a:rPr lang="en-US" dirty="0"/>
+                  <a:t>: </a:t>
+                </a:r>
+                <a14:m>
+                  <m:oMath xmlns:m="http://schemas.openxmlformats.org/officeDocument/2006/math">
+                    <m:r>
+                      <a:rPr lang="en-US" b="1" i="1" smtClean="0">
+                        <a:latin typeface="Cambria Math" panose="02040503050406030204" pitchFamily="18" charset="0"/>
+                      </a:rPr>
+                      <m:t>𝒙</m:t>
+                    </m:r>
+                    <m:r>
+                      <a:rPr lang="en-US" b="0" i="1" smtClean="0">
+                        <a:latin typeface="Cambria Math" panose="02040503050406030204" pitchFamily="18" charset="0"/>
+                      </a:rPr>
+                      <m:t>⊨</m:t>
+                    </m:r>
+                    <m:sSub>
+                      <m:sSubPr>
+                        <m:ctrlPr>
+                          <a:rPr lang="en-US" b="0" i="1" smtClean="0">
+                            <a:latin typeface="Cambria Math" panose="02040503050406030204" pitchFamily="18" charset="0"/>
+                          </a:rPr>
+                        </m:ctrlPr>
+                      </m:sSubPr>
+                      <m:e>
+                        <m:r>
+                          <a:rPr lang="en-US" b="0" i="1" smtClean="0">
+                            <a:latin typeface="Cambria Math" panose="02040503050406030204" pitchFamily="18" charset="0"/>
+                          </a:rPr>
+                          <m:t>𝐹</m:t>
+                        </m:r>
+                      </m:e>
+                      <m:sub>
+                        <m:r>
+                          <a:rPr lang="en-US" b="0" i="1" smtClean="0">
+                            <a:latin typeface="Cambria Math" panose="02040503050406030204" pitchFamily="18" charset="0"/>
+                          </a:rPr>
+                          <m:t>𝑆</m:t>
+                        </m:r>
+                      </m:sub>
+                    </m:sSub>
+                  </m:oMath>
+                </a14:m>
+                <a:r>
+                  <a:rPr lang="en-US" dirty="0"/>
+                  <a:t> or UNSAT</a:t>
+                </a:r>
+              </a:p>
+              <a:p>
+                <a:pPr marL="0" indent="0">
+                  <a:lnSpc>
+                    <a:spcPct val="120000"/>
+                  </a:lnSpc>
+                  <a:spcBef>
+                    <a:spcPts val="0"/>
+                  </a:spcBef>
+                  <a:buNone/>
+                </a:pPr>
+                <a14:m>
+                  <m:oMathPara xmlns:m="http://schemas.openxmlformats.org/officeDocument/2006/math">
+                    <m:oMathParaPr>
+                      <m:jc m:val="left"/>
+                    </m:oMathParaPr>
+                    <m:oMath xmlns:m="http://schemas.openxmlformats.org/officeDocument/2006/math">
+                      <m:r>
+                        <a:rPr lang="en-US" b="1" i="1" smtClean="0">
+                          <a:latin typeface="Cambria Math" panose="02040503050406030204" pitchFamily="18" charset="0"/>
+                        </a:rPr>
+                        <m:t>𝒙</m:t>
+                      </m:r>
+                      <m:r>
+                        <a:rPr lang="en-US" b="1" i="1" smtClean="0">
+                          <a:latin typeface="Cambria Math" panose="02040503050406030204" pitchFamily="18" charset="0"/>
+                        </a:rPr>
+                        <m:t>≔</m:t>
+                      </m:r>
+                      <m:r>
+                        <a:rPr lang="en-US" b="0" i="1" smtClean="0">
+                          <a:latin typeface="Cambria Math" panose="02040503050406030204" pitchFamily="18" charset="0"/>
+                        </a:rPr>
+                        <m:t>⟨</m:t>
+                      </m:r>
+                      <m:sSub>
+                        <m:sSubPr>
+                          <m:ctrlPr>
+                            <a:rPr lang="en-US" b="0" i="1" smtClean="0">
+                              <a:latin typeface="Cambria Math" panose="02040503050406030204" pitchFamily="18" charset="0"/>
+                            </a:rPr>
+                          </m:ctrlPr>
+                        </m:sSubPr>
+                        <m:e>
+                          <m:r>
+                            <a:rPr lang="en-US" b="0" i="1" smtClean="0">
+                              <a:latin typeface="Cambria Math" panose="02040503050406030204" pitchFamily="18" charset="0"/>
+                            </a:rPr>
+                            <m:t>𝑥</m:t>
+                          </m:r>
+                        </m:e>
+                        <m:sub>
+                          <m:r>
+                            <a:rPr lang="en-US" b="0" i="1" smtClean="0">
+                              <a:latin typeface="Cambria Math" panose="02040503050406030204" pitchFamily="18" charset="0"/>
+                            </a:rPr>
+                            <m:t>𝑖</m:t>
+                          </m:r>
+                        </m:sub>
+                      </m:sSub>
+                      <m:r>
+                        <a:rPr lang="en-US" b="0" i="1" smtClean="0">
+                          <a:latin typeface="Cambria Math" panose="02040503050406030204" pitchFamily="18" charset="0"/>
+                        </a:rPr>
+                        <m:t>↦0⟩</m:t>
+                      </m:r>
+                    </m:oMath>
+                  </m:oMathPara>
+                </a14:m>
+                <a:endParaRPr lang="en-US" dirty="0"/>
+              </a:p>
+              <a:p>
+                <a:pPr marL="0" indent="0">
+                  <a:lnSpc>
+                    <a:spcPct val="120000"/>
+                  </a:lnSpc>
+                  <a:spcBef>
+                    <a:spcPts val="0"/>
+                  </a:spcBef>
+                  <a:buNone/>
+                </a:pPr>
+                <a:r>
+                  <a:rPr lang="en-US" b="1" dirty="0"/>
+                  <a:t>while</a:t>
+                </a:r>
+                <a:r>
+                  <a:rPr lang="en-US" dirty="0"/>
+                  <a:t> true </a:t>
+                </a:r>
+                <a:r>
+                  <a:rPr lang="en-US" b="1" dirty="0"/>
+                  <a:t>do</a:t>
+                </a:r>
+              </a:p>
+              <a:p>
+                <a:pPr marL="0" indent="0">
+                  <a:lnSpc>
+                    <a:spcPct val="120000"/>
+                  </a:lnSpc>
+                  <a:spcBef>
+                    <a:spcPts val="0"/>
+                  </a:spcBef>
+                  <a:buNone/>
+                </a:pPr>
+                <a:r>
+                  <a:rPr lang="en-US" b="1" dirty="0"/>
+                  <a:t>if</a:t>
+                </a:r>
+                <a:r>
+                  <a:rPr lang="en-US" dirty="0"/>
+                  <a:t> </a:t>
+                </a:r>
+                <a14:m>
+                  <m:oMath xmlns:m="http://schemas.openxmlformats.org/officeDocument/2006/math">
+                    <m:r>
+                      <a:rPr lang="en-US" b="1" i="1" smtClean="0">
+                        <a:latin typeface="Cambria Math" panose="02040503050406030204" pitchFamily="18" charset="0"/>
+                      </a:rPr>
+                      <m:t>𝒙</m:t>
+                    </m:r>
+                    <m:r>
+                      <a:rPr lang="en-US" b="1" i="1" smtClean="0">
+                        <a:latin typeface="Cambria Math" panose="02040503050406030204" pitchFamily="18" charset="0"/>
+                      </a:rPr>
+                      <m:t>⊨</m:t>
+                    </m:r>
+                    <m:sSub>
+                      <m:sSubPr>
+                        <m:ctrlPr>
+                          <a:rPr lang="en-US" b="0" i="1" smtClean="0">
+                            <a:latin typeface="Cambria Math" panose="02040503050406030204" pitchFamily="18" charset="0"/>
+                          </a:rPr>
+                        </m:ctrlPr>
+                      </m:sSubPr>
+                      <m:e>
+                        <m:r>
+                          <a:rPr lang="en-US" b="0" i="1" smtClean="0">
+                            <a:latin typeface="Cambria Math" panose="02040503050406030204" pitchFamily="18" charset="0"/>
+                          </a:rPr>
+                          <m:t>𝐹</m:t>
+                        </m:r>
+                      </m:e>
+                      <m:sub>
+                        <m:r>
+                          <a:rPr lang="en-US" b="0" i="1" smtClean="0">
+                            <a:latin typeface="Cambria Math" panose="02040503050406030204" pitchFamily="18" charset="0"/>
+                          </a:rPr>
+                          <m:t>𝑆</m:t>
+                        </m:r>
+                      </m:sub>
+                    </m:sSub>
+                  </m:oMath>
+                </a14:m>
+                <a:r>
+                  <a:rPr lang="en-US" dirty="0"/>
+                  <a:t> </a:t>
+                </a:r>
+                <a:r>
+                  <a:rPr lang="en-US" b="1" dirty="0"/>
+                  <a:t>then return</a:t>
+                </a:r>
+                <a:r>
+                  <a:rPr lang="en-US" dirty="0"/>
+                  <a:t> </a:t>
+                </a:r>
+                <a14:m>
+                  <m:oMath xmlns:m="http://schemas.openxmlformats.org/officeDocument/2006/math">
+                    <m:r>
+                      <a:rPr lang="en-US" b="1" i="1" smtClean="0">
+                        <a:latin typeface="Cambria Math" panose="02040503050406030204" pitchFamily="18" charset="0"/>
+                      </a:rPr>
+                      <m:t>𝒙</m:t>
+                    </m:r>
+                  </m:oMath>
+                </a14:m>
+                <a:endParaRPr lang="en-US" dirty="0"/>
+              </a:p>
+              <a:p>
+                <a:pPr marL="0" indent="0">
+                  <a:lnSpc>
+                    <a:spcPct val="120000"/>
+                  </a:lnSpc>
+                  <a:spcBef>
+                    <a:spcPts val="0"/>
+                  </a:spcBef>
+                  <a:buNone/>
+                </a:pPr>
+                <a:r>
+                  <a:rPr lang="en-US" dirty="0"/>
+                  <a:t>Let </a:t>
+                </a:r>
+                <a14:m>
+                  <m:oMath xmlns:m="http://schemas.openxmlformats.org/officeDocument/2006/math">
+                    <m:sSub>
+                      <m:sSubPr>
+                        <m:ctrlPr>
+                          <a:rPr lang="en-US" b="0" i="1" smtClean="0">
+                            <a:latin typeface="Cambria Math" panose="02040503050406030204" pitchFamily="18" charset="0"/>
+                          </a:rPr>
+                        </m:ctrlPr>
+                      </m:sSubPr>
+                      <m:e>
+                        <m:r>
+                          <a:rPr lang="en-US" b="0" i="1" smtClean="0">
+                            <a:latin typeface="Cambria Math" panose="02040503050406030204" pitchFamily="18" charset="0"/>
+                          </a:rPr>
+                          <m:t>𝑥</m:t>
+                        </m:r>
+                      </m:e>
+                      <m:sub>
+                        <m:r>
+                          <a:rPr lang="en-US" b="0" i="1" smtClean="0">
+                            <a:latin typeface="Cambria Math" panose="02040503050406030204" pitchFamily="18" charset="0"/>
+                          </a:rPr>
+                          <m:t>𝑖</m:t>
+                        </m:r>
+                      </m:sub>
+                    </m:sSub>
+                    <m:r>
+                      <a:rPr lang="en-US" b="0" i="1" smtClean="0">
+                        <a:latin typeface="Cambria Math" panose="02040503050406030204" pitchFamily="18" charset="0"/>
+                      </a:rPr>
+                      <m:t> </m:t>
+                    </m:r>
+                  </m:oMath>
+                </a14:m>
+                <a:r>
+                  <a:rPr lang="en-US" dirty="0"/>
+                  <a:t>be the first basic variable </a:t>
+                </a:r>
+                <a:r>
+                  <a:rPr lang="en-US" dirty="0" err="1"/>
+                  <a:t>s.t.</a:t>
+                </a:r>
+                <a:r>
+                  <a:rPr lang="en-US" dirty="0"/>
+                  <a:t> </a:t>
+                </a:r>
+                <a14:m>
+                  <m:oMath xmlns:m="http://schemas.openxmlformats.org/officeDocument/2006/math">
+                    <m:sSub>
+                      <m:sSubPr>
+                        <m:ctrlPr>
+                          <a:rPr lang="en-US" b="0" i="1" smtClean="0">
+                            <a:latin typeface="Cambria Math" panose="02040503050406030204" pitchFamily="18" charset="0"/>
+                          </a:rPr>
+                        </m:ctrlPr>
+                      </m:sSubPr>
+                      <m:e>
+                        <m:r>
+                          <a:rPr lang="en-US" b="1" i="1" smtClean="0">
+                            <a:latin typeface="Cambria Math" panose="02040503050406030204" pitchFamily="18" charset="0"/>
+                          </a:rPr>
+                          <m:t>𝒙</m:t>
+                        </m:r>
+                        <m:r>
+                          <a:rPr lang="en-US" b="0" i="1" smtClean="0">
+                            <a:latin typeface="Cambria Math" panose="02040503050406030204" pitchFamily="18" charset="0"/>
+                          </a:rPr>
+                          <m:t> ⌈</m:t>
+                        </m:r>
+                        <m:r>
+                          <a:rPr lang="en-US" b="0" i="1" smtClean="0">
+                            <a:latin typeface="Cambria Math" panose="02040503050406030204" pitchFamily="18" charset="0"/>
+                          </a:rPr>
+                          <m:t>𝑥</m:t>
+                        </m:r>
+                      </m:e>
+                      <m:sub>
+                        <m:r>
+                          <a:rPr lang="en-US" b="0" i="1" smtClean="0">
+                            <a:latin typeface="Cambria Math" panose="02040503050406030204" pitchFamily="18" charset="0"/>
+                          </a:rPr>
+                          <m:t>𝑖</m:t>
+                        </m:r>
+                      </m:sub>
+                    </m:sSub>
+                    <m:r>
+                      <a:rPr lang="en-US" b="0" i="0" smtClean="0">
+                        <a:latin typeface="Cambria Math" panose="02040503050406030204" pitchFamily="18" charset="0"/>
+                      </a:rPr>
+                      <m:t>&lt;</m:t>
+                    </m:r>
+                    <m:sSub>
+                      <m:sSubPr>
+                        <m:ctrlPr>
+                          <a:rPr lang="en-US" b="0" i="0" smtClean="0">
+                            <a:latin typeface="Cambria Math" panose="02040503050406030204" pitchFamily="18" charset="0"/>
+                          </a:rPr>
+                        </m:ctrlPr>
+                      </m:sSubPr>
+                      <m:e>
+                        <m:r>
+                          <m:rPr>
+                            <m:sty m:val="p"/>
+                          </m:rPr>
+                          <a:rPr lang="en-US" b="0" i="0" smtClean="0">
+                            <a:latin typeface="Cambria Math" panose="02040503050406030204" pitchFamily="18" charset="0"/>
+                          </a:rPr>
+                          <m:t>l</m:t>
+                        </m:r>
+                      </m:e>
+                      <m:sub>
+                        <m:r>
+                          <m:rPr>
+                            <m:sty m:val="p"/>
+                          </m:rPr>
+                          <a:rPr lang="en-US" b="0" i="0" smtClean="0">
+                            <a:latin typeface="Cambria Math" panose="02040503050406030204" pitchFamily="18" charset="0"/>
+                          </a:rPr>
+                          <m:t>i</m:t>
+                        </m:r>
+                      </m:sub>
+                    </m:sSub>
+                  </m:oMath>
+                </a14:m>
+                <a:r>
+                  <a:rPr lang="en-US" dirty="0"/>
+                  <a:t> or </a:t>
+                </a:r>
+                <a14:m>
+                  <m:oMath xmlns:m="http://schemas.openxmlformats.org/officeDocument/2006/math">
+                    <m:sSub>
+                      <m:sSubPr>
+                        <m:ctrlPr>
+                          <a:rPr lang="en-US" b="0" i="1" smtClean="0">
+                            <a:latin typeface="Cambria Math" panose="02040503050406030204" pitchFamily="18" charset="0"/>
+                          </a:rPr>
+                        </m:ctrlPr>
+                      </m:sSubPr>
+                      <m:e>
+                        <m:r>
+                          <a:rPr lang="en-US" b="1" i="1" smtClean="0">
+                            <a:latin typeface="Cambria Math" panose="02040503050406030204" pitchFamily="18" charset="0"/>
+                          </a:rPr>
+                          <m:t>𝒙</m:t>
+                        </m:r>
+                        <m:r>
+                          <a:rPr lang="en-US" b="0" i="1" smtClean="0">
+                            <a:latin typeface="Cambria Math" panose="02040503050406030204" pitchFamily="18" charset="0"/>
+                          </a:rPr>
+                          <m:t> ⌈</m:t>
+                        </m:r>
+                        <m:r>
+                          <a:rPr lang="en-US" b="0" i="1" smtClean="0">
+                            <a:latin typeface="Cambria Math" panose="02040503050406030204" pitchFamily="18" charset="0"/>
+                          </a:rPr>
+                          <m:t>𝑥</m:t>
+                        </m:r>
+                      </m:e>
+                      <m:sub>
+                        <m:r>
+                          <a:rPr lang="en-US" b="0" i="1" smtClean="0">
+                            <a:latin typeface="Cambria Math" panose="02040503050406030204" pitchFamily="18" charset="0"/>
+                          </a:rPr>
+                          <m:t>𝑖</m:t>
+                        </m:r>
+                      </m:sub>
+                    </m:sSub>
+                    <m:r>
+                      <a:rPr lang="en-US" b="0" i="0" smtClean="0">
+                        <a:latin typeface="Cambria Math" panose="02040503050406030204" pitchFamily="18" charset="0"/>
+                      </a:rPr>
+                      <m:t>&gt;</m:t>
+                    </m:r>
+                    <m:sSub>
+                      <m:sSubPr>
+                        <m:ctrlPr>
+                          <a:rPr lang="en-US" b="0" i="1" smtClean="0">
+                            <a:latin typeface="Cambria Math" panose="02040503050406030204" pitchFamily="18" charset="0"/>
+                          </a:rPr>
+                        </m:ctrlPr>
+                      </m:sSubPr>
+                      <m:e>
+                        <m:r>
+                          <m:rPr>
+                            <m:sty m:val="p"/>
+                          </m:rPr>
+                          <a:rPr lang="en-US" b="0" i="0" smtClean="0">
+                            <a:latin typeface="Cambria Math" panose="02040503050406030204" pitchFamily="18" charset="0"/>
+                          </a:rPr>
+                          <m:t>u</m:t>
+                        </m:r>
+                      </m:e>
+                      <m:sub>
+                        <m:r>
+                          <m:rPr>
+                            <m:sty m:val="p"/>
+                          </m:rPr>
+                          <a:rPr lang="en-US" b="0" i="0" smtClean="0">
+                            <a:latin typeface="Cambria Math" panose="02040503050406030204" pitchFamily="18" charset="0"/>
+                          </a:rPr>
+                          <m:t>i</m:t>
+                        </m:r>
+                      </m:sub>
+                    </m:sSub>
+                  </m:oMath>
+                </a14:m>
+                <a:endParaRPr lang="en-US" dirty="0"/>
+              </a:p>
+              <a:p>
+                <a:pPr marL="0" indent="0">
+                  <a:lnSpc>
+                    <a:spcPct val="120000"/>
+                  </a:lnSpc>
+                  <a:spcBef>
+                    <a:spcPts val="0"/>
+                  </a:spcBef>
+                  <a:buNone/>
+                </a:pPr>
+                <a:r>
+                  <a:rPr lang="en-US" b="1" dirty="0"/>
+                  <a:t>if</a:t>
+                </a:r>
+                <a:r>
+                  <a:rPr lang="en-US" dirty="0"/>
+                  <a:t> </a:t>
+                </a:r>
+                <a14:m>
+                  <m:oMath xmlns:m="http://schemas.openxmlformats.org/officeDocument/2006/math">
+                    <m:sSub>
+                      <m:sSubPr>
+                        <m:ctrlPr>
+                          <a:rPr lang="en-US" b="0" i="1" smtClean="0">
+                            <a:latin typeface="Cambria Math" panose="02040503050406030204" pitchFamily="18" charset="0"/>
+                          </a:rPr>
+                        </m:ctrlPr>
+                      </m:sSubPr>
+                      <m:e>
+                        <m:r>
+                          <a:rPr lang="en-US" b="1" i="1" smtClean="0">
+                            <a:latin typeface="Cambria Math" panose="02040503050406030204" pitchFamily="18" charset="0"/>
+                          </a:rPr>
+                          <m:t>𝒙</m:t>
+                        </m:r>
+                        <m:r>
+                          <a:rPr lang="en-US" b="0" i="1" smtClean="0">
+                            <a:latin typeface="Cambria Math" panose="02040503050406030204" pitchFamily="18" charset="0"/>
+                          </a:rPr>
+                          <m:t> ⌈</m:t>
+                        </m:r>
+                        <m:r>
+                          <a:rPr lang="en-US" b="0" i="1" smtClean="0">
+                            <a:latin typeface="Cambria Math" panose="02040503050406030204" pitchFamily="18" charset="0"/>
+                          </a:rPr>
+                          <m:t>𝑥</m:t>
+                        </m:r>
+                      </m:e>
+                      <m:sub>
+                        <m:r>
+                          <a:rPr lang="en-US" b="0" i="1" smtClean="0">
+                            <a:latin typeface="Cambria Math" panose="02040503050406030204" pitchFamily="18" charset="0"/>
+                          </a:rPr>
+                          <m:t>𝑖</m:t>
+                        </m:r>
+                      </m:sub>
+                    </m:sSub>
+                    <m:r>
+                      <a:rPr lang="en-US" b="0" i="0" smtClean="0">
+                        <a:latin typeface="Cambria Math" panose="02040503050406030204" pitchFamily="18" charset="0"/>
+                      </a:rPr>
+                      <m:t>&lt;</m:t>
+                    </m:r>
+                    <m:sSub>
+                      <m:sSubPr>
+                        <m:ctrlPr>
+                          <a:rPr lang="en-US" b="0" i="1" smtClean="0">
+                            <a:latin typeface="Cambria Math" panose="02040503050406030204" pitchFamily="18" charset="0"/>
+                          </a:rPr>
+                        </m:ctrlPr>
+                      </m:sSubPr>
+                      <m:e>
+                        <m:r>
+                          <m:rPr>
+                            <m:sty m:val="p"/>
+                          </m:rPr>
+                          <a:rPr lang="en-US" b="0" i="0" smtClean="0">
+                            <a:latin typeface="Cambria Math" panose="02040503050406030204" pitchFamily="18" charset="0"/>
+                          </a:rPr>
+                          <m:t>l</m:t>
+                        </m:r>
+                      </m:e>
+                      <m:sub>
+                        <m:r>
+                          <m:rPr>
+                            <m:sty m:val="p"/>
+                          </m:rPr>
+                          <a:rPr lang="en-US" b="0" i="0" smtClean="0">
+                            <a:latin typeface="Cambria Math" panose="02040503050406030204" pitchFamily="18" charset="0"/>
+                          </a:rPr>
+                          <m:t>i</m:t>
+                        </m:r>
+                      </m:sub>
+                    </m:sSub>
+                  </m:oMath>
+                </a14:m>
+                <a:r>
+                  <a:rPr lang="en-US" dirty="0"/>
+                  <a:t> </a:t>
+                </a:r>
+                <a:r>
+                  <a:rPr lang="en-US" b="1" dirty="0"/>
+                  <a:t>then</a:t>
+                </a:r>
+              </a:p>
+              <a:p>
+                <a:pPr marL="0" indent="0">
+                  <a:lnSpc>
+                    <a:spcPct val="120000"/>
+                  </a:lnSpc>
+                  <a:spcBef>
+                    <a:spcPts val="0"/>
+                  </a:spcBef>
+                  <a:buNone/>
+                </a:pPr>
+                <a:r>
+                  <a:rPr lang="en-US" dirty="0"/>
+                  <a:t>     </a:t>
+                </a:r>
+                <a:r>
+                  <a:rPr lang="en-US" dirty="0">
+                    <a:solidFill>
+                      <a:schemeClr val="tx1"/>
+                    </a:solidFill>
+                  </a:rPr>
+                  <a:t>Let </a:t>
+                </a:r>
+                <a14:m>
+                  <m:oMath xmlns:m="http://schemas.openxmlformats.org/officeDocument/2006/math">
+                    <m:sSub>
+                      <m:sSubPr>
+                        <m:ctrlPr>
+                          <a:rPr lang="en-US" b="0" i="1" smtClean="0">
+                            <a:solidFill>
+                              <a:schemeClr val="tx1"/>
+                            </a:solidFill>
+                            <a:latin typeface="Cambria Math" panose="02040503050406030204" pitchFamily="18" charset="0"/>
+                          </a:rPr>
+                        </m:ctrlPr>
+                      </m:sSubPr>
+                      <m:e>
+                        <m:r>
+                          <a:rPr lang="en-US" b="0" i="1" smtClean="0">
+                            <a:solidFill>
+                              <a:schemeClr val="tx1"/>
+                            </a:solidFill>
+                            <a:latin typeface="Cambria Math" panose="02040503050406030204" pitchFamily="18" charset="0"/>
+                          </a:rPr>
+                          <m:t>𝑥</m:t>
+                        </m:r>
+                      </m:e>
+                      <m:sub>
+                        <m:r>
+                          <a:rPr lang="en-US" b="0" i="1" smtClean="0">
+                            <a:solidFill>
+                              <a:schemeClr val="tx1"/>
+                            </a:solidFill>
+                            <a:latin typeface="Cambria Math" panose="02040503050406030204" pitchFamily="18" charset="0"/>
+                          </a:rPr>
+                          <m:t>𝑗</m:t>
+                        </m:r>
+                      </m:sub>
+                    </m:sSub>
+                  </m:oMath>
+                </a14:m>
+                <a:r>
+                  <a:rPr lang="en-US" dirty="0">
+                    <a:solidFill>
+                      <a:schemeClr val="tx1"/>
+                    </a:solidFill>
+                  </a:rPr>
+                  <a:t> be the first non-basic variable </a:t>
+                </a:r>
+                <a:r>
+                  <a:rPr lang="en-US" dirty="0" err="1">
+                    <a:solidFill>
+                      <a:schemeClr val="tx1"/>
+                    </a:solidFill>
+                  </a:rPr>
+                  <a:t>s.t.</a:t>
+                </a:r>
+                <a:endParaRPr lang="en-US" dirty="0">
+                  <a:solidFill>
+                    <a:schemeClr val="tx1"/>
+                  </a:solidFill>
+                </a:endParaRPr>
+              </a:p>
+              <a:p>
+                <a:pPr marL="0" indent="0">
+                  <a:lnSpc>
+                    <a:spcPct val="120000"/>
+                  </a:lnSpc>
+                  <a:spcBef>
+                    <a:spcPts val="0"/>
+                  </a:spcBef>
+                  <a:buNone/>
+                </a:pPr>
+                <a:r>
+                  <a:rPr lang="en-US" dirty="0"/>
+                  <a:t>     </a:t>
+                </a:r>
+                <a14:m>
+                  <m:oMath xmlns:m="http://schemas.openxmlformats.org/officeDocument/2006/math">
+                    <m:r>
+                      <a:rPr lang="en-US" b="0" i="0" dirty="0" smtClean="0">
+                        <a:solidFill>
+                          <a:srgbClr val="0070C0"/>
+                        </a:solidFill>
+                        <a:latin typeface="Cambria Math" panose="02040503050406030204" pitchFamily="18" charset="0"/>
+                      </a:rPr>
+                      <m:t>(</m:t>
+                    </m:r>
+                    <m:r>
+                      <a:rPr lang="en-US" b="1" i="1" dirty="0" smtClean="0">
+                        <a:solidFill>
+                          <a:srgbClr val="0070C0"/>
+                        </a:solidFill>
+                        <a:latin typeface="Cambria Math" panose="02040503050406030204" pitchFamily="18" charset="0"/>
+                      </a:rPr>
+                      <m:t>𝒙</m:t>
+                    </m:r>
+                    <m:d>
+                      <m:dPr>
+                        <m:begChr m:val="⌈"/>
+                        <m:ctrlPr>
+                          <a:rPr lang="en-US" b="0" i="1" dirty="0" smtClean="0">
+                            <a:solidFill>
+                              <a:srgbClr val="0070C0"/>
+                            </a:solidFill>
+                            <a:latin typeface="Cambria Math" panose="02040503050406030204" pitchFamily="18" charset="0"/>
+                          </a:rPr>
+                        </m:ctrlPr>
+                      </m:dPr>
+                      <m:e>
+                        <m:sSub>
+                          <m:sSubPr>
+                            <m:ctrlPr>
+                              <a:rPr lang="en-US" b="0" i="1" dirty="0" smtClean="0">
+                                <a:solidFill>
+                                  <a:srgbClr val="0070C0"/>
+                                </a:solidFill>
+                                <a:latin typeface="Cambria Math" panose="02040503050406030204" pitchFamily="18" charset="0"/>
+                              </a:rPr>
+                            </m:ctrlPr>
+                          </m:sSubPr>
+                          <m:e>
+                            <m:r>
+                              <a:rPr lang="en-US" i="1" dirty="0" err="1">
+                                <a:solidFill>
+                                  <a:srgbClr val="0070C0"/>
+                                </a:solidFill>
+                                <a:latin typeface="Cambria Math" panose="02040503050406030204" pitchFamily="18" charset="0"/>
+                              </a:rPr>
+                              <m:t>𝑥</m:t>
+                            </m:r>
+                          </m:e>
+                          <m:sub>
+                            <m:r>
+                              <a:rPr lang="en-US" i="1" dirty="0" err="1">
+                                <a:solidFill>
+                                  <a:srgbClr val="0070C0"/>
+                                </a:solidFill>
+                                <a:latin typeface="Cambria Math" panose="02040503050406030204" pitchFamily="18" charset="0"/>
+                              </a:rPr>
+                              <m:t>𝑗</m:t>
+                            </m:r>
+                          </m:sub>
+                        </m:sSub>
+                        <m:r>
+                          <a:rPr lang="en-US" i="1" dirty="0">
+                            <a:solidFill>
+                              <a:srgbClr val="0070C0"/>
+                            </a:solidFill>
+                            <a:latin typeface="Cambria Math" panose="02040503050406030204" pitchFamily="18" charset="0"/>
+                          </a:rPr>
+                          <m:t> &lt; </m:t>
+                        </m:r>
+                        <m:sSub>
+                          <m:sSubPr>
+                            <m:ctrlPr>
+                              <a:rPr lang="en-US" b="0" i="1" dirty="0" smtClean="0">
+                                <a:solidFill>
+                                  <a:srgbClr val="0070C0"/>
+                                </a:solidFill>
+                                <a:latin typeface="Cambria Math" panose="02040503050406030204" pitchFamily="18" charset="0"/>
+                              </a:rPr>
+                            </m:ctrlPr>
+                          </m:sSubPr>
+                          <m:e>
+                            <m:r>
+                              <a:rPr lang="en-US" i="1" dirty="0" err="1">
+                                <a:solidFill>
+                                  <a:srgbClr val="0070C0"/>
+                                </a:solidFill>
+                                <a:latin typeface="Cambria Math" panose="02040503050406030204" pitchFamily="18" charset="0"/>
+                              </a:rPr>
+                              <m:t>𝑢</m:t>
+                            </m:r>
+                          </m:e>
+                          <m:sub>
+                            <m:r>
+                              <a:rPr lang="en-US" i="1" dirty="0" err="1">
+                                <a:solidFill>
+                                  <a:srgbClr val="0070C0"/>
+                                </a:solidFill>
+                                <a:latin typeface="Cambria Math" panose="02040503050406030204" pitchFamily="18" charset="0"/>
+                              </a:rPr>
+                              <m:t>𝑗</m:t>
+                            </m:r>
+                          </m:sub>
+                        </m:sSub>
+                        <m:r>
+                          <a:rPr lang="en-US" b="0" i="1" dirty="0" smtClean="0">
+                            <a:solidFill>
+                              <a:srgbClr val="0070C0"/>
+                            </a:solidFill>
+                            <a:latin typeface="Cambria Math" panose="02040503050406030204" pitchFamily="18" charset="0"/>
+                          </a:rPr>
+                          <m:t>∧</m:t>
+                        </m:r>
+                        <m:r>
+                          <a:rPr lang="en-US" i="1" dirty="0">
+                            <a:solidFill>
+                              <a:srgbClr val="0070C0"/>
+                            </a:solidFill>
+                            <a:latin typeface="Cambria Math" panose="02040503050406030204" pitchFamily="18" charset="0"/>
+                          </a:rPr>
+                          <m:t> </m:t>
+                        </m:r>
+                        <m:sSub>
+                          <m:sSubPr>
+                            <m:ctrlPr>
+                              <a:rPr lang="en-US" b="0" i="1" dirty="0" smtClean="0">
+                                <a:solidFill>
+                                  <a:srgbClr val="0070C0"/>
+                                </a:solidFill>
+                                <a:latin typeface="Cambria Math" panose="02040503050406030204" pitchFamily="18" charset="0"/>
+                              </a:rPr>
+                            </m:ctrlPr>
+                          </m:sSubPr>
+                          <m:e>
+                            <m:r>
+                              <a:rPr lang="en-US" i="1" dirty="0" err="1">
+                                <a:solidFill>
+                                  <a:srgbClr val="0070C0"/>
+                                </a:solidFill>
+                                <a:latin typeface="Cambria Math" panose="02040503050406030204" pitchFamily="18" charset="0"/>
+                              </a:rPr>
+                              <m:t>𝑐</m:t>
+                            </m:r>
+                          </m:e>
+                          <m:sub>
+                            <m:r>
+                              <a:rPr lang="en-US" b="0" i="1" dirty="0" smtClean="0">
+                                <a:solidFill>
+                                  <a:srgbClr val="0070C0"/>
+                                </a:solidFill>
+                                <a:latin typeface="Cambria Math" panose="02040503050406030204" pitchFamily="18" charset="0"/>
+                              </a:rPr>
+                              <m:t>𝑖𝑗</m:t>
+                            </m:r>
+                          </m:sub>
+                        </m:sSub>
+                        <m:r>
+                          <a:rPr lang="en-US" i="1" dirty="0">
+                            <a:solidFill>
+                              <a:srgbClr val="0070C0"/>
+                            </a:solidFill>
+                            <a:latin typeface="Cambria Math" panose="02040503050406030204" pitchFamily="18" charset="0"/>
+                          </a:rPr>
+                          <m:t> &gt; 0</m:t>
+                        </m:r>
+                      </m:e>
+                    </m:d>
+                    <m:r>
+                      <a:rPr lang="en-US" b="0" i="1" dirty="0" smtClean="0">
+                        <a:solidFill>
+                          <a:srgbClr val="0070C0"/>
+                        </a:solidFill>
+                        <a:latin typeface="Cambria Math" panose="02040503050406030204" pitchFamily="18" charset="0"/>
+                      </a:rPr>
+                      <m:t>∨(</m:t>
+                    </m:r>
+                    <m:r>
+                      <a:rPr lang="en-US" b="1" i="1" dirty="0" smtClean="0">
+                        <a:solidFill>
+                          <a:srgbClr val="0070C0"/>
+                        </a:solidFill>
+                        <a:latin typeface="Cambria Math" panose="02040503050406030204" pitchFamily="18" charset="0"/>
+                      </a:rPr>
+                      <m:t>𝒙</m:t>
+                    </m:r>
+                    <m:r>
+                      <a:rPr lang="en-US" b="0" i="1" dirty="0" smtClean="0">
+                        <a:solidFill>
+                          <a:srgbClr val="0070C0"/>
+                        </a:solidFill>
+                        <a:latin typeface="Cambria Math" panose="02040503050406030204" pitchFamily="18" charset="0"/>
+                      </a:rPr>
+                      <m:t>⌈</m:t>
+                    </m:r>
+                    <m:sSub>
+                      <m:sSubPr>
+                        <m:ctrlPr>
+                          <a:rPr lang="en-US" b="0" i="1" dirty="0" smtClean="0">
+                            <a:solidFill>
+                              <a:srgbClr val="0070C0"/>
+                            </a:solidFill>
+                            <a:latin typeface="Cambria Math" panose="02040503050406030204" pitchFamily="18" charset="0"/>
+                          </a:rPr>
+                        </m:ctrlPr>
+                      </m:sSubPr>
+                      <m:e>
+                        <m:r>
+                          <a:rPr lang="en-US" i="1" dirty="0" err="1">
+                            <a:solidFill>
+                              <a:srgbClr val="0070C0"/>
+                            </a:solidFill>
+                            <a:latin typeface="Cambria Math" panose="02040503050406030204" pitchFamily="18" charset="0"/>
+                          </a:rPr>
+                          <m:t>𝑥</m:t>
+                        </m:r>
+                      </m:e>
+                      <m:sub>
+                        <m:r>
+                          <a:rPr lang="en-US" i="1" dirty="0" err="1">
+                            <a:solidFill>
+                              <a:srgbClr val="0070C0"/>
+                            </a:solidFill>
+                            <a:latin typeface="Cambria Math" panose="02040503050406030204" pitchFamily="18" charset="0"/>
+                          </a:rPr>
+                          <m:t>𝑗</m:t>
+                        </m:r>
+                      </m:sub>
+                    </m:sSub>
+                    <m:r>
+                      <a:rPr lang="en-US" i="1" dirty="0">
+                        <a:solidFill>
+                          <a:srgbClr val="0070C0"/>
+                        </a:solidFill>
+                        <a:latin typeface="Cambria Math" panose="02040503050406030204" pitchFamily="18" charset="0"/>
+                      </a:rPr>
+                      <m:t> &gt; </m:t>
+                    </m:r>
+                    <m:sSub>
+                      <m:sSubPr>
+                        <m:ctrlPr>
+                          <a:rPr lang="en-US" b="0" i="1" dirty="0" smtClean="0">
+                            <a:solidFill>
+                              <a:srgbClr val="0070C0"/>
+                            </a:solidFill>
+                            <a:latin typeface="Cambria Math" panose="02040503050406030204" pitchFamily="18" charset="0"/>
+                          </a:rPr>
+                        </m:ctrlPr>
+                      </m:sSubPr>
+                      <m:e>
+                        <m:r>
+                          <a:rPr lang="en-US" i="1" dirty="0" err="1">
+                            <a:solidFill>
+                              <a:srgbClr val="0070C0"/>
+                            </a:solidFill>
+                            <a:latin typeface="Cambria Math" panose="02040503050406030204" pitchFamily="18" charset="0"/>
+                          </a:rPr>
+                          <m:t>𝑙</m:t>
+                        </m:r>
+                      </m:e>
+                      <m:sub>
+                        <m:r>
+                          <a:rPr lang="en-US" i="1" dirty="0" err="1">
+                            <a:solidFill>
+                              <a:srgbClr val="0070C0"/>
+                            </a:solidFill>
+                            <a:latin typeface="Cambria Math" panose="02040503050406030204" pitchFamily="18" charset="0"/>
+                          </a:rPr>
+                          <m:t>𝑗</m:t>
+                        </m:r>
+                      </m:sub>
+                    </m:sSub>
+                    <m:r>
+                      <a:rPr lang="en-US" b="0" i="1" dirty="0" smtClean="0">
+                        <a:solidFill>
+                          <a:srgbClr val="0070C0"/>
+                        </a:solidFill>
+                        <a:latin typeface="Cambria Math" panose="02040503050406030204" pitchFamily="18" charset="0"/>
+                      </a:rPr>
+                      <m:t>∧</m:t>
+                    </m:r>
+                    <m:r>
+                      <a:rPr lang="en-US" i="1" dirty="0">
+                        <a:solidFill>
+                          <a:srgbClr val="0070C0"/>
+                        </a:solidFill>
+                        <a:latin typeface="Cambria Math" panose="02040503050406030204" pitchFamily="18" charset="0"/>
+                      </a:rPr>
+                      <m:t> </m:t>
+                    </m:r>
+                    <m:sSub>
+                      <m:sSubPr>
+                        <m:ctrlPr>
+                          <a:rPr lang="en-US" b="0" i="1" dirty="0" smtClean="0">
+                            <a:solidFill>
+                              <a:srgbClr val="0070C0"/>
+                            </a:solidFill>
+                            <a:latin typeface="Cambria Math" panose="02040503050406030204" pitchFamily="18" charset="0"/>
+                          </a:rPr>
+                        </m:ctrlPr>
+                      </m:sSubPr>
+                      <m:e>
+                        <m:r>
+                          <a:rPr lang="en-US" i="1" dirty="0" err="1">
+                            <a:solidFill>
+                              <a:srgbClr val="0070C0"/>
+                            </a:solidFill>
+                            <a:latin typeface="Cambria Math" panose="02040503050406030204" pitchFamily="18" charset="0"/>
+                          </a:rPr>
+                          <m:t>𝑐</m:t>
+                        </m:r>
+                      </m:e>
+                      <m:sub>
+                        <m:r>
+                          <a:rPr lang="en-US" i="1" dirty="0" err="1">
+                            <a:solidFill>
+                              <a:srgbClr val="0070C0"/>
+                            </a:solidFill>
+                            <a:latin typeface="Cambria Math" panose="02040503050406030204" pitchFamily="18" charset="0"/>
+                          </a:rPr>
+                          <m:t>𝑖𝑗</m:t>
+                        </m:r>
+                      </m:sub>
+                    </m:sSub>
+                    <m:r>
+                      <a:rPr lang="en-US" i="1" dirty="0">
+                        <a:solidFill>
+                          <a:srgbClr val="0070C0"/>
+                        </a:solidFill>
+                        <a:latin typeface="Cambria Math" panose="02040503050406030204" pitchFamily="18" charset="0"/>
+                      </a:rPr>
+                      <m:t> &lt; 0)</m:t>
+                    </m:r>
+                  </m:oMath>
+                </a14:m>
+                <a:endParaRPr lang="en-US" dirty="0">
+                  <a:solidFill>
+                    <a:srgbClr val="0070C0"/>
+                  </a:solidFill>
+                </a:endParaRPr>
+              </a:p>
+              <a:p>
+                <a:pPr marL="0" indent="0">
+                  <a:lnSpc>
+                    <a:spcPct val="120000"/>
+                  </a:lnSpc>
+                  <a:spcBef>
+                    <a:spcPts val="0"/>
+                  </a:spcBef>
+                  <a:buNone/>
+                </a:pPr>
+                <a:r>
+                  <a:rPr lang="en-US" dirty="0"/>
+                  <a:t>     </a:t>
+                </a:r>
+                <a:r>
+                  <a:rPr lang="en-US" b="1" dirty="0"/>
+                  <a:t>If</a:t>
+                </a:r>
+                <a:r>
+                  <a:rPr lang="en-US" dirty="0"/>
+                  <a:t> no such </a:t>
+                </a:r>
+                <a14:m>
+                  <m:oMath xmlns:m="http://schemas.openxmlformats.org/officeDocument/2006/math">
+                    <m:sSub>
+                      <m:sSubPr>
+                        <m:ctrlPr>
+                          <a:rPr lang="en-US" b="0" i="1" smtClean="0">
+                            <a:latin typeface="Cambria Math" panose="02040503050406030204" pitchFamily="18" charset="0"/>
+                          </a:rPr>
+                        </m:ctrlPr>
+                      </m:sSubPr>
+                      <m:e>
+                        <m:r>
+                          <a:rPr lang="en-US" b="0" i="1" smtClean="0">
+                            <a:latin typeface="Cambria Math" panose="02040503050406030204" pitchFamily="18" charset="0"/>
+                          </a:rPr>
+                          <m:t>𝑥</m:t>
+                        </m:r>
+                      </m:e>
+                      <m:sub>
+                        <m:r>
+                          <a:rPr lang="en-US" b="0" i="1" smtClean="0">
+                            <a:latin typeface="Cambria Math" panose="02040503050406030204" pitchFamily="18" charset="0"/>
+                          </a:rPr>
+                          <m:t>𝑗</m:t>
+                        </m:r>
+                      </m:sub>
+                    </m:sSub>
+                  </m:oMath>
+                </a14:m>
+                <a:r>
+                  <a:rPr lang="en-US" dirty="0"/>
+                  <a:t> exists </a:t>
+                </a:r>
+                <a:r>
+                  <a:rPr lang="en-US" b="1" dirty="0"/>
+                  <a:t>then</a:t>
+                </a:r>
+                <a:r>
+                  <a:rPr lang="en-US" dirty="0"/>
+                  <a:t> </a:t>
+                </a:r>
+                <a:r>
+                  <a:rPr lang="en-US" b="1" dirty="0"/>
+                  <a:t>return</a:t>
+                </a:r>
+                <a:r>
+                  <a:rPr lang="en-US" dirty="0"/>
+                  <a:t> UNSAT</a:t>
+                </a:r>
+              </a:p>
+              <a:p>
+                <a:pPr marL="0" indent="0">
+                  <a:lnSpc>
+                    <a:spcPct val="120000"/>
+                  </a:lnSpc>
+                  <a:spcBef>
+                    <a:spcPts val="0"/>
+                  </a:spcBef>
+                  <a:buNone/>
+                </a:pPr>
+                <a:r>
+                  <a:rPr lang="en-US" dirty="0"/>
+                  <a:t>     </a:t>
+                </a:r>
+                <a14:m>
+                  <m:oMath xmlns:m="http://schemas.openxmlformats.org/officeDocument/2006/math">
+                    <m:sSub>
+                      <m:sSubPr>
+                        <m:ctrlPr>
+                          <a:rPr lang="en-US" b="0" i="1" smtClean="0">
+                            <a:latin typeface="Cambria Math" panose="02040503050406030204" pitchFamily="18" charset="0"/>
+                          </a:rPr>
+                        </m:ctrlPr>
+                      </m:sSubPr>
+                      <m:e>
+                        <m:r>
+                          <a:rPr lang="en-US" b="1" i="1" smtClean="0">
+                            <a:latin typeface="Cambria Math" panose="02040503050406030204" pitchFamily="18" charset="0"/>
+                          </a:rPr>
+                          <m:t>𝒙</m:t>
+                        </m:r>
+                        <m:r>
+                          <a:rPr lang="en-US" b="0" i="1" smtClean="0">
+                            <a:latin typeface="Cambria Math" panose="02040503050406030204" pitchFamily="18" charset="0"/>
+                          </a:rPr>
+                          <m:t> ⌈</m:t>
+                        </m:r>
+                        <m:r>
+                          <a:rPr lang="en-US" b="0" i="1" smtClean="0">
+                            <a:latin typeface="Cambria Math" panose="02040503050406030204" pitchFamily="18" charset="0"/>
+                          </a:rPr>
+                          <m:t>𝑥</m:t>
+                        </m:r>
+                      </m:e>
+                      <m:sub>
+                        <m:r>
+                          <a:rPr lang="en-US" b="0" i="1" smtClean="0">
+                            <a:latin typeface="Cambria Math" panose="02040503050406030204" pitchFamily="18" charset="0"/>
+                          </a:rPr>
+                          <m:t>𝑗</m:t>
+                        </m:r>
+                      </m:sub>
+                    </m:sSub>
+                    <m:r>
+                      <a:rPr lang="en-US" b="0" i="1" smtClean="0">
+                        <a:latin typeface="Cambria Math" panose="02040503050406030204" pitchFamily="18" charset="0"/>
+                      </a:rPr>
+                      <m:t>≔</m:t>
+                    </m:r>
+                  </m:oMath>
+                </a14:m>
+                <a:r>
+                  <a:rPr lang="en-US" dirty="0"/>
+                  <a:t>   </a:t>
+                </a:r>
+                <a14:m>
+                  <m:oMath xmlns:m="http://schemas.openxmlformats.org/officeDocument/2006/math">
+                    <m:sSub>
+                      <m:sSubPr>
+                        <m:ctrlPr>
+                          <a:rPr lang="en-US" b="0" i="1" smtClean="0">
+                            <a:latin typeface="Cambria Math" panose="02040503050406030204" pitchFamily="18" charset="0"/>
+                          </a:rPr>
+                        </m:ctrlPr>
+                      </m:sSubPr>
+                      <m:e>
+                        <m:r>
+                          <a:rPr lang="en-US" b="1" i="1" smtClean="0">
+                            <a:latin typeface="Cambria Math" panose="02040503050406030204" pitchFamily="18" charset="0"/>
+                          </a:rPr>
+                          <m:t>𝒙</m:t>
+                        </m:r>
+                        <m:r>
+                          <a:rPr lang="en-US" b="0" i="1" smtClean="0">
+                            <a:latin typeface="Cambria Math" panose="02040503050406030204" pitchFamily="18" charset="0"/>
+                          </a:rPr>
+                          <m:t> ⌈</m:t>
+                        </m:r>
+                        <m:r>
+                          <a:rPr lang="en-US" b="0" i="1" smtClean="0">
+                            <a:latin typeface="Cambria Math" panose="02040503050406030204" pitchFamily="18" charset="0"/>
+                          </a:rPr>
+                          <m:t>𝑥</m:t>
+                        </m:r>
+                      </m:e>
+                      <m:sub>
+                        <m:r>
+                          <a:rPr lang="en-US" b="0" i="1" smtClean="0">
+                            <a:latin typeface="Cambria Math" panose="02040503050406030204" pitchFamily="18" charset="0"/>
+                          </a:rPr>
+                          <m:t>𝑗</m:t>
+                        </m:r>
+                      </m:sub>
+                    </m:sSub>
+                    <m:r>
+                      <a:rPr lang="en-US" b="0" i="1" smtClean="0">
+                        <a:latin typeface="Cambria Math" panose="02040503050406030204" pitchFamily="18" charset="0"/>
+                      </a:rPr>
+                      <m:t>+</m:t>
+                    </m:r>
+                    <m:f>
+                      <m:fPr>
+                        <m:ctrlPr>
+                          <a:rPr lang="en-US" b="0" i="1" smtClean="0">
+                            <a:latin typeface="Cambria Math" panose="02040503050406030204" pitchFamily="18" charset="0"/>
+                          </a:rPr>
+                        </m:ctrlPr>
+                      </m:fPr>
+                      <m:num>
+                        <m:sSub>
+                          <m:sSubPr>
+                            <m:ctrlPr>
+                              <a:rPr lang="en-US" b="0" i="1" smtClean="0">
+                                <a:latin typeface="Cambria Math" panose="02040503050406030204" pitchFamily="18" charset="0"/>
+                              </a:rPr>
+                            </m:ctrlPr>
+                          </m:sSubPr>
+                          <m:e>
+                            <m:r>
+                              <a:rPr lang="en-US" b="0" i="1" smtClean="0">
+                                <a:latin typeface="Cambria Math" panose="02040503050406030204" pitchFamily="18" charset="0"/>
+                              </a:rPr>
+                              <m:t>𝑙</m:t>
+                            </m:r>
+                          </m:e>
+                          <m:sub>
+                            <m:r>
+                              <a:rPr lang="en-US" b="0" i="1" smtClean="0">
+                                <a:latin typeface="Cambria Math" panose="02040503050406030204" pitchFamily="18" charset="0"/>
+                              </a:rPr>
+                              <m:t>𝑖</m:t>
+                            </m:r>
+                          </m:sub>
+                        </m:sSub>
+                        <m:r>
+                          <a:rPr lang="en-US" b="0" i="1" smtClean="0">
+                            <a:latin typeface="Cambria Math" panose="02040503050406030204" pitchFamily="18" charset="0"/>
+                          </a:rPr>
+                          <m:t>−</m:t>
+                        </m:r>
+                        <m:r>
+                          <a:rPr lang="en-US" b="1" i="1" smtClean="0">
+                            <a:latin typeface="Cambria Math" panose="02040503050406030204" pitchFamily="18" charset="0"/>
+                          </a:rPr>
+                          <m:t>𝒙</m:t>
+                        </m:r>
+                        <m:r>
+                          <a:rPr lang="en-US" b="1" i="1" smtClean="0">
+                            <a:latin typeface="Cambria Math" panose="02040503050406030204" pitchFamily="18" charset="0"/>
+                          </a:rPr>
+                          <m:t>⌈</m:t>
+                        </m:r>
+                        <m:sSub>
+                          <m:sSubPr>
+                            <m:ctrlPr>
+                              <a:rPr lang="en-US" b="0" i="1" smtClean="0">
+                                <a:latin typeface="Cambria Math" panose="02040503050406030204" pitchFamily="18" charset="0"/>
+                              </a:rPr>
+                            </m:ctrlPr>
+                          </m:sSubPr>
+                          <m:e>
+                            <m:r>
+                              <a:rPr lang="en-US" b="0" i="1" smtClean="0">
+                                <a:latin typeface="Cambria Math" panose="02040503050406030204" pitchFamily="18" charset="0"/>
+                              </a:rPr>
+                              <m:t>𝑥</m:t>
+                            </m:r>
+                          </m:e>
+                          <m:sub>
+                            <m:r>
+                              <a:rPr lang="en-US" b="0" i="1" smtClean="0">
+                                <a:latin typeface="Cambria Math" panose="02040503050406030204" pitchFamily="18" charset="0"/>
+                              </a:rPr>
+                              <m:t>𝑖</m:t>
+                            </m:r>
+                          </m:sub>
+                        </m:sSub>
+                      </m:num>
+                      <m:den>
+                        <m:sSub>
+                          <m:sSubPr>
+                            <m:ctrlPr>
+                              <a:rPr lang="en-US" b="0" i="1" smtClean="0">
+                                <a:latin typeface="Cambria Math" panose="02040503050406030204" pitchFamily="18" charset="0"/>
+                              </a:rPr>
+                            </m:ctrlPr>
+                          </m:sSubPr>
+                          <m:e>
+                            <m:r>
+                              <a:rPr lang="en-US" b="0" i="1" smtClean="0">
+                                <a:latin typeface="Cambria Math" panose="02040503050406030204" pitchFamily="18" charset="0"/>
+                              </a:rPr>
+                              <m:t>𝑐</m:t>
+                            </m:r>
+                          </m:e>
+                          <m:sub>
+                            <m:r>
+                              <a:rPr lang="en-US" b="0" i="1" smtClean="0">
+                                <a:latin typeface="Cambria Math" panose="02040503050406030204" pitchFamily="18" charset="0"/>
+                              </a:rPr>
+                              <m:t>𝑖𝑗</m:t>
+                            </m:r>
+                          </m:sub>
+                        </m:sSub>
+                      </m:den>
+                    </m:f>
+                  </m:oMath>
+                </a14:m>
+                <a:r>
+                  <a:rPr lang="en-US" dirty="0"/>
+                  <a:t>  </a:t>
+                </a:r>
+              </a:p>
+              <a:p>
+                <a:pPr marL="0" indent="0">
+                  <a:lnSpc>
+                    <a:spcPct val="120000"/>
+                  </a:lnSpc>
+                  <a:spcBef>
+                    <a:spcPts val="0"/>
+                  </a:spcBef>
+                  <a:buNone/>
+                </a:pPr>
+                <a:r>
+                  <a:rPr lang="en-US" b="1" dirty="0"/>
+                  <a:t>else </a:t>
+                </a:r>
+                <a:r>
+                  <a:rPr lang="en-US" dirty="0">
+                    <a:solidFill>
+                      <a:schemeClr val="tx1"/>
+                    </a:solidFill>
+                  </a:rPr>
+                  <a:t>Let </a:t>
+                </a:r>
+                <a14:m>
+                  <m:oMath xmlns:m="http://schemas.openxmlformats.org/officeDocument/2006/math">
+                    <m:sSub>
+                      <m:sSubPr>
+                        <m:ctrlPr>
+                          <a:rPr lang="en-US" b="0" i="1" smtClean="0">
+                            <a:solidFill>
+                              <a:schemeClr val="tx1"/>
+                            </a:solidFill>
+                            <a:latin typeface="Cambria Math" panose="02040503050406030204" pitchFamily="18" charset="0"/>
+                          </a:rPr>
+                        </m:ctrlPr>
+                      </m:sSubPr>
+                      <m:e>
+                        <m:r>
+                          <a:rPr lang="en-US" b="0" i="1" smtClean="0">
+                            <a:solidFill>
+                              <a:schemeClr val="tx1"/>
+                            </a:solidFill>
+                            <a:latin typeface="Cambria Math" panose="02040503050406030204" pitchFamily="18" charset="0"/>
+                          </a:rPr>
+                          <m:t>𝑥</m:t>
+                        </m:r>
+                      </m:e>
+                      <m:sub>
+                        <m:r>
+                          <a:rPr lang="en-US" b="0" i="1" smtClean="0">
+                            <a:solidFill>
+                              <a:schemeClr val="tx1"/>
+                            </a:solidFill>
+                            <a:latin typeface="Cambria Math" panose="02040503050406030204" pitchFamily="18" charset="0"/>
+                          </a:rPr>
+                          <m:t>𝑗</m:t>
+                        </m:r>
+                      </m:sub>
+                    </m:sSub>
+                  </m:oMath>
+                </a14:m>
+                <a:r>
+                  <a:rPr lang="en-US" dirty="0">
+                    <a:solidFill>
+                      <a:schemeClr val="tx1"/>
+                    </a:solidFill>
+                  </a:rPr>
+                  <a:t> be the first non-basic variable </a:t>
+                </a:r>
+                <a:r>
+                  <a:rPr lang="en-US" dirty="0" err="1">
+                    <a:solidFill>
+                      <a:schemeClr val="tx1"/>
+                    </a:solidFill>
+                  </a:rPr>
+                  <a:t>s.t.</a:t>
+                </a:r>
+                <a:endParaRPr lang="en-US" dirty="0">
+                  <a:solidFill>
+                    <a:schemeClr val="tx1"/>
+                  </a:solidFill>
+                </a:endParaRPr>
+              </a:p>
+              <a:p>
+                <a:pPr marL="0" indent="0">
+                  <a:lnSpc>
+                    <a:spcPct val="120000"/>
+                  </a:lnSpc>
+                  <a:spcBef>
+                    <a:spcPts val="0"/>
+                  </a:spcBef>
+                  <a:buNone/>
+                </a:pPr>
+                <a:r>
+                  <a:rPr lang="en-US" dirty="0"/>
+                  <a:t>     </a:t>
+                </a:r>
+                <a14:m>
+                  <m:oMath xmlns:m="http://schemas.openxmlformats.org/officeDocument/2006/math">
+                    <m:r>
+                      <a:rPr lang="en-US" b="0" i="0" dirty="0" smtClean="0">
+                        <a:solidFill>
+                          <a:srgbClr val="0070C0"/>
+                        </a:solidFill>
+                        <a:latin typeface="Cambria Math" panose="02040503050406030204" pitchFamily="18" charset="0"/>
+                      </a:rPr>
+                      <m:t>(</m:t>
+                    </m:r>
+                    <m:r>
+                      <a:rPr lang="en-US" b="1" i="1" dirty="0" smtClean="0">
+                        <a:solidFill>
+                          <a:srgbClr val="0070C0"/>
+                        </a:solidFill>
+                        <a:latin typeface="Cambria Math" panose="02040503050406030204" pitchFamily="18" charset="0"/>
+                      </a:rPr>
+                      <m:t>𝒙</m:t>
+                    </m:r>
+                    <m:d>
+                      <m:dPr>
+                        <m:begChr m:val="⌈"/>
+                        <m:ctrlPr>
+                          <a:rPr lang="en-US" b="0" i="1" dirty="0" smtClean="0">
+                            <a:solidFill>
+                              <a:srgbClr val="0070C0"/>
+                            </a:solidFill>
+                            <a:latin typeface="Cambria Math" panose="02040503050406030204" pitchFamily="18" charset="0"/>
+                          </a:rPr>
+                        </m:ctrlPr>
+                      </m:dPr>
+                      <m:e>
+                        <m:sSub>
+                          <m:sSubPr>
+                            <m:ctrlPr>
+                              <a:rPr lang="en-US" b="0" i="1" dirty="0" smtClean="0">
+                                <a:solidFill>
+                                  <a:srgbClr val="0070C0"/>
+                                </a:solidFill>
+                                <a:latin typeface="Cambria Math" panose="02040503050406030204" pitchFamily="18" charset="0"/>
+                              </a:rPr>
+                            </m:ctrlPr>
+                          </m:sSubPr>
+                          <m:e>
+                            <m:r>
+                              <a:rPr lang="en-US" i="1" dirty="0" err="1">
+                                <a:solidFill>
+                                  <a:srgbClr val="0070C0"/>
+                                </a:solidFill>
+                                <a:latin typeface="Cambria Math" panose="02040503050406030204" pitchFamily="18" charset="0"/>
+                              </a:rPr>
+                              <m:t>𝑥</m:t>
+                            </m:r>
+                          </m:e>
+                          <m:sub>
+                            <m:r>
+                              <a:rPr lang="en-US" i="1" dirty="0" err="1">
+                                <a:solidFill>
+                                  <a:srgbClr val="0070C0"/>
+                                </a:solidFill>
+                                <a:latin typeface="Cambria Math" panose="02040503050406030204" pitchFamily="18" charset="0"/>
+                              </a:rPr>
+                              <m:t>𝑗</m:t>
+                            </m:r>
+                          </m:sub>
+                        </m:sSub>
+                        <m:r>
+                          <a:rPr lang="en-US" b="0" i="1" dirty="0" smtClean="0">
+                            <a:solidFill>
+                              <a:srgbClr val="0070C0"/>
+                            </a:solidFill>
+                            <a:latin typeface="Cambria Math" panose="02040503050406030204" pitchFamily="18" charset="0"/>
+                          </a:rPr>
+                          <m:t>&gt;</m:t>
+                        </m:r>
+                        <m:r>
+                          <a:rPr lang="en-US" i="1" dirty="0">
+                            <a:solidFill>
+                              <a:srgbClr val="0070C0"/>
+                            </a:solidFill>
+                            <a:latin typeface="Cambria Math" panose="02040503050406030204" pitchFamily="18" charset="0"/>
+                          </a:rPr>
+                          <m:t> </m:t>
+                        </m:r>
+                        <m:sSub>
+                          <m:sSubPr>
+                            <m:ctrlPr>
+                              <a:rPr lang="en-US" b="0" i="1" dirty="0" smtClean="0">
+                                <a:solidFill>
+                                  <a:srgbClr val="0070C0"/>
+                                </a:solidFill>
+                                <a:latin typeface="Cambria Math" panose="02040503050406030204" pitchFamily="18" charset="0"/>
+                              </a:rPr>
+                            </m:ctrlPr>
+                          </m:sSubPr>
+                          <m:e>
+                            <m:r>
+                              <a:rPr lang="en-US" b="0" i="1" dirty="0" smtClean="0">
+                                <a:solidFill>
+                                  <a:srgbClr val="0070C0"/>
+                                </a:solidFill>
+                                <a:latin typeface="Cambria Math" panose="02040503050406030204" pitchFamily="18" charset="0"/>
+                              </a:rPr>
+                              <m:t>𝑙</m:t>
+                            </m:r>
+                          </m:e>
+                          <m:sub>
+                            <m:r>
+                              <a:rPr lang="en-US" i="1" dirty="0" err="1">
+                                <a:solidFill>
+                                  <a:srgbClr val="0070C0"/>
+                                </a:solidFill>
+                                <a:latin typeface="Cambria Math" panose="02040503050406030204" pitchFamily="18" charset="0"/>
+                              </a:rPr>
+                              <m:t>𝑗</m:t>
+                            </m:r>
+                          </m:sub>
+                        </m:sSub>
+                        <m:r>
+                          <a:rPr lang="en-US" b="0" i="1" dirty="0" smtClean="0">
+                            <a:solidFill>
+                              <a:srgbClr val="0070C0"/>
+                            </a:solidFill>
+                            <a:latin typeface="Cambria Math" panose="02040503050406030204" pitchFamily="18" charset="0"/>
+                          </a:rPr>
+                          <m:t>∧</m:t>
+                        </m:r>
+                        <m:r>
+                          <a:rPr lang="en-US" i="1" dirty="0">
+                            <a:solidFill>
+                              <a:srgbClr val="0070C0"/>
+                            </a:solidFill>
+                            <a:latin typeface="Cambria Math" panose="02040503050406030204" pitchFamily="18" charset="0"/>
+                          </a:rPr>
+                          <m:t> </m:t>
+                        </m:r>
+                        <m:sSub>
+                          <m:sSubPr>
+                            <m:ctrlPr>
+                              <a:rPr lang="en-US" b="0" i="1" dirty="0" smtClean="0">
+                                <a:solidFill>
+                                  <a:srgbClr val="0070C0"/>
+                                </a:solidFill>
+                                <a:latin typeface="Cambria Math" panose="02040503050406030204" pitchFamily="18" charset="0"/>
+                              </a:rPr>
+                            </m:ctrlPr>
+                          </m:sSubPr>
+                          <m:e>
+                            <m:r>
+                              <a:rPr lang="en-US" i="1" dirty="0" err="1">
+                                <a:solidFill>
+                                  <a:srgbClr val="0070C0"/>
+                                </a:solidFill>
+                                <a:latin typeface="Cambria Math" panose="02040503050406030204" pitchFamily="18" charset="0"/>
+                              </a:rPr>
+                              <m:t>𝑐</m:t>
+                            </m:r>
+                          </m:e>
+                          <m:sub>
+                            <m:r>
+                              <a:rPr lang="en-US" b="0" i="1" dirty="0" smtClean="0">
+                                <a:solidFill>
+                                  <a:srgbClr val="0070C0"/>
+                                </a:solidFill>
+                                <a:latin typeface="Cambria Math" panose="02040503050406030204" pitchFamily="18" charset="0"/>
+                              </a:rPr>
+                              <m:t>𝑖𝑗</m:t>
+                            </m:r>
+                          </m:sub>
+                        </m:sSub>
+                        <m:r>
+                          <a:rPr lang="en-US" i="1" dirty="0">
+                            <a:solidFill>
+                              <a:srgbClr val="0070C0"/>
+                            </a:solidFill>
+                            <a:latin typeface="Cambria Math" panose="02040503050406030204" pitchFamily="18" charset="0"/>
+                          </a:rPr>
+                          <m:t> &gt; 0</m:t>
+                        </m:r>
+                      </m:e>
+                    </m:d>
+                    <m:r>
+                      <a:rPr lang="en-US" b="0" i="1" dirty="0" smtClean="0">
+                        <a:solidFill>
+                          <a:srgbClr val="0070C0"/>
+                        </a:solidFill>
+                        <a:latin typeface="Cambria Math" panose="02040503050406030204" pitchFamily="18" charset="0"/>
+                      </a:rPr>
+                      <m:t>∨(</m:t>
+                    </m:r>
+                    <m:r>
+                      <a:rPr lang="en-US" b="1" i="1" dirty="0" smtClean="0">
+                        <a:solidFill>
+                          <a:srgbClr val="0070C0"/>
+                        </a:solidFill>
+                        <a:latin typeface="Cambria Math" panose="02040503050406030204" pitchFamily="18" charset="0"/>
+                      </a:rPr>
+                      <m:t>𝒙</m:t>
+                    </m:r>
+                    <m:r>
+                      <a:rPr lang="en-US" b="0" i="1" dirty="0" smtClean="0">
+                        <a:solidFill>
+                          <a:srgbClr val="0070C0"/>
+                        </a:solidFill>
+                        <a:latin typeface="Cambria Math" panose="02040503050406030204" pitchFamily="18" charset="0"/>
+                      </a:rPr>
+                      <m:t>⌈</m:t>
+                    </m:r>
+                    <m:sSub>
+                      <m:sSubPr>
+                        <m:ctrlPr>
+                          <a:rPr lang="en-US" b="0" i="1" dirty="0" smtClean="0">
+                            <a:solidFill>
+                              <a:srgbClr val="0070C0"/>
+                            </a:solidFill>
+                            <a:latin typeface="Cambria Math" panose="02040503050406030204" pitchFamily="18" charset="0"/>
+                          </a:rPr>
+                        </m:ctrlPr>
+                      </m:sSubPr>
+                      <m:e>
+                        <m:r>
+                          <a:rPr lang="en-US" i="1" dirty="0" err="1">
+                            <a:solidFill>
+                              <a:srgbClr val="0070C0"/>
+                            </a:solidFill>
+                            <a:latin typeface="Cambria Math" panose="02040503050406030204" pitchFamily="18" charset="0"/>
+                          </a:rPr>
+                          <m:t>𝑥</m:t>
+                        </m:r>
+                      </m:e>
+                      <m:sub>
+                        <m:r>
+                          <a:rPr lang="en-US" i="1" dirty="0" err="1">
+                            <a:solidFill>
+                              <a:srgbClr val="0070C0"/>
+                            </a:solidFill>
+                            <a:latin typeface="Cambria Math" panose="02040503050406030204" pitchFamily="18" charset="0"/>
+                          </a:rPr>
+                          <m:t>𝑗</m:t>
+                        </m:r>
+                      </m:sub>
+                    </m:sSub>
+                    <m:r>
+                      <a:rPr lang="en-US" b="0" i="1" dirty="0" smtClean="0">
+                        <a:solidFill>
+                          <a:srgbClr val="0070C0"/>
+                        </a:solidFill>
+                        <a:latin typeface="Cambria Math" panose="02040503050406030204" pitchFamily="18" charset="0"/>
+                      </a:rPr>
+                      <m:t>&lt;</m:t>
+                    </m:r>
+                    <m:r>
+                      <a:rPr lang="en-US" i="1" dirty="0">
+                        <a:solidFill>
+                          <a:srgbClr val="0070C0"/>
+                        </a:solidFill>
+                        <a:latin typeface="Cambria Math" panose="02040503050406030204" pitchFamily="18" charset="0"/>
+                      </a:rPr>
+                      <m:t> </m:t>
+                    </m:r>
+                    <m:sSub>
+                      <m:sSubPr>
+                        <m:ctrlPr>
+                          <a:rPr lang="en-US" b="0" i="1" dirty="0" smtClean="0">
+                            <a:solidFill>
+                              <a:srgbClr val="0070C0"/>
+                            </a:solidFill>
+                            <a:latin typeface="Cambria Math" panose="02040503050406030204" pitchFamily="18" charset="0"/>
+                          </a:rPr>
+                        </m:ctrlPr>
+                      </m:sSubPr>
+                      <m:e>
+                        <m:r>
+                          <a:rPr lang="en-US" b="0" i="1" dirty="0" smtClean="0">
+                            <a:solidFill>
+                              <a:srgbClr val="0070C0"/>
+                            </a:solidFill>
+                            <a:latin typeface="Cambria Math" panose="02040503050406030204" pitchFamily="18" charset="0"/>
+                          </a:rPr>
+                          <m:t>𝑢</m:t>
+                        </m:r>
+                      </m:e>
+                      <m:sub>
+                        <m:r>
+                          <a:rPr lang="en-US" i="1" dirty="0" err="1">
+                            <a:solidFill>
+                              <a:srgbClr val="0070C0"/>
+                            </a:solidFill>
+                            <a:latin typeface="Cambria Math" panose="02040503050406030204" pitchFamily="18" charset="0"/>
+                          </a:rPr>
+                          <m:t>𝑗</m:t>
+                        </m:r>
+                      </m:sub>
+                    </m:sSub>
+                    <m:r>
+                      <a:rPr lang="en-US" b="0" i="1" dirty="0" smtClean="0">
+                        <a:solidFill>
+                          <a:srgbClr val="0070C0"/>
+                        </a:solidFill>
+                        <a:latin typeface="Cambria Math" panose="02040503050406030204" pitchFamily="18" charset="0"/>
+                      </a:rPr>
+                      <m:t>∧</m:t>
+                    </m:r>
+                    <m:r>
+                      <a:rPr lang="en-US" i="1" dirty="0">
+                        <a:solidFill>
+                          <a:srgbClr val="0070C0"/>
+                        </a:solidFill>
+                        <a:latin typeface="Cambria Math" panose="02040503050406030204" pitchFamily="18" charset="0"/>
+                      </a:rPr>
+                      <m:t> </m:t>
+                    </m:r>
+                    <m:sSub>
+                      <m:sSubPr>
+                        <m:ctrlPr>
+                          <a:rPr lang="en-US" b="0" i="1" dirty="0" smtClean="0">
+                            <a:solidFill>
+                              <a:srgbClr val="0070C0"/>
+                            </a:solidFill>
+                            <a:latin typeface="Cambria Math" panose="02040503050406030204" pitchFamily="18" charset="0"/>
+                          </a:rPr>
+                        </m:ctrlPr>
+                      </m:sSubPr>
+                      <m:e>
+                        <m:r>
+                          <a:rPr lang="en-US" i="1" dirty="0" err="1">
+                            <a:solidFill>
+                              <a:srgbClr val="0070C0"/>
+                            </a:solidFill>
+                            <a:latin typeface="Cambria Math" panose="02040503050406030204" pitchFamily="18" charset="0"/>
+                          </a:rPr>
+                          <m:t>𝑐</m:t>
+                        </m:r>
+                      </m:e>
+                      <m:sub>
+                        <m:r>
+                          <a:rPr lang="en-US" i="1" dirty="0" err="1">
+                            <a:solidFill>
+                              <a:srgbClr val="0070C0"/>
+                            </a:solidFill>
+                            <a:latin typeface="Cambria Math" panose="02040503050406030204" pitchFamily="18" charset="0"/>
+                          </a:rPr>
+                          <m:t>𝑖𝑗</m:t>
+                        </m:r>
+                      </m:sub>
+                    </m:sSub>
+                    <m:r>
+                      <a:rPr lang="en-US" i="1" dirty="0">
+                        <a:solidFill>
+                          <a:srgbClr val="0070C0"/>
+                        </a:solidFill>
+                        <a:latin typeface="Cambria Math" panose="02040503050406030204" pitchFamily="18" charset="0"/>
+                      </a:rPr>
+                      <m:t> &lt; 0)</m:t>
+                    </m:r>
+                  </m:oMath>
+                </a14:m>
+                <a:endParaRPr lang="en-US" dirty="0">
+                  <a:solidFill>
+                    <a:srgbClr val="0070C0"/>
+                  </a:solidFill>
+                </a:endParaRPr>
+              </a:p>
+              <a:p>
+                <a:pPr marL="0" indent="0">
+                  <a:lnSpc>
+                    <a:spcPct val="120000"/>
+                  </a:lnSpc>
+                  <a:spcBef>
+                    <a:spcPts val="0"/>
+                  </a:spcBef>
+                  <a:buNone/>
+                </a:pPr>
+                <a:r>
+                  <a:rPr lang="en-US" dirty="0"/>
+                  <a:t>     </a:t>
+                </a:r>
+                <a:r>
+                  <a:rPr lang="en-US" b="1" dirty="0"/>
+                  <a:t>If</a:t>
+                </a:r>
+                <a:r>
+                  <a:rPr lang="en-US" dirty="0"/>
+                  <a:t> no such </a:t>
+                </a:r>
+                <a14:m>
+                  <m:oMath xmlns:m="http://schemas.openxmlformats.org/officeDocument/2006/math">
+                    <m:sSub>
+                      <m:sSubPr>
+                        <m:ctrlPr>
+                          <a:rPr lang="en-US" b="0" i="1" dirty="0" smtClean="0">
+                            <a:latin typeface="Cambria Math" panose="02040503050406030204" pitchFamily="18" charset="0"/>
+                          </a:rPr>
+                        </m:ctrlPr>
+                      </m:sSubPr>
+                      <m:e>
+                        <m:r>
+                          <a:rPr lang="en-US" i="1" dirty="0" smtClean="0">
+                            <a:latin typeface="Cambria Math" panose="02040503050406030204" pitchFamily="18" charset="0"/>
+                          </a:rPr>
+                          <m:t>𝑥</m:t>
+                        </m:r>
+                      </m:e>
+                      <m:sub>
+                        <m:r>
+                          <a:rPr lang="en-US" i="1" dirty="0" smtClean="0">
+                            <a:latin typeface="Cambria Math" panose="02040503050406030204" pitchFamily="18" charset="0"/>
+                          </a:rPr>
+                          <m:t>𝑗</m:t>
+                        </m:r>
+                      </m:sub>
+                    </m:sSub>
+                  </m:oMath>
+                </a14:m>
+                <a:r>
+                  <a:rPr lang="en-US" dirty="0"/>
+                  <a:t> exists </a:t>
+                </a:r>
+                <a:r>
+                  <a:rPr lang="en-US" b="1" dirty="0"/>
+                  <a:t>then return </a:t>
+                </a:r>
+                <a:r>
+                  <a:rPr lang="en-US" dirty="0"/>
+                  <a:t>UNSAT</a:t>
+                </a:r>
+              </a:p>
+              <a:p>
+                <a:pPr marL="0" indent="0">
+                  <a:lnSpc>
+                    <a:spcPct val="120000"/>
+                  </a:lnSpc>
+                  <a:spcBef>
+                    <a:spcPts val="0"/>
+                  </a:spcBef>
+                  <a:buNone/>
+                </a:pPr>
+                <a:r>
+                  <a:rPr lang="en-US" dirty="0"/>
+                  <a:t>     </a:t>
+                </a:r>
+                <a14:m>
+                  <m:oMath xmlns:m="http://schemas.openxmlformats.org/officeDocument/2006/math">
+                    <m:sSub>
+                      <m:sSubPr>
+                        <m:ctrlPr>
+                          <a:rPr lang="en-US" b="0" i="1" smtClean="0">
+                            <a:latin typeface="Cambria Math" panose="02040503050406030204" pitchFamily="18" charset="0"/>
+                          </a:rPr>
+                        </m:ctrlPr>
+                      </m:sSubPr>
+                      <m:e>
+                        <m:r>
+                          <a:rPr lang="en-US" b="1" i="1" smtClean="0">
+                            <a:latin typeface="Cambria Math" panose="02040503050406030204" pitchFamily="18" charset="0"/>
+                          </a:rPr>
+                          <m:t>𝒙</m:t>
+                        </m:r>
+                        <m:r>
+                          <a:rPr lang="en-US" b="0" i="1" smtClean="0">
+                            <a:latin typeface="Cambria Math" panose="02040503050406030204" pitchFamily="18" charset="0"/>
+                          </a:rPr>
+                          <m:t> ⌈</m:t>
+                        </m:r>
+                        <m:r>
+                          <a:rPr lang="en-US" b="0" i="1" smtClean="0">
+                            <a:latin typeface="Cambria Math" panose="02040503050406030204" pitchFamily="18" charset="0"/>
+                          </a:rPr>
+                          <m:t>𝑥</m:t>
+                        </m:r>
+                      </m:e>
+                      <m:sub>
+                        <m:r>
+                          <a:rPr lang="en-US" b="0" i="1" smtClean="0">
+                            <a:latin typeface="Cambria Math" panose="02040503050406030204" pitchFamily="18" charset="0"/>
+                          </a:rPr>
+                          <m:t>𝑗</m:t>
+                        </m:r>
+                      </m:sub>
+                    </m:sSub>
+                    <m:r>
+                      <a:rPr lang="en-US" b="0" i="1" smtClean="0">
+                        <a:latin typeface="Cambria Math" panose="02040503050406030204" pitchFamily="18" charset="0"/>
+                      </a:rPr>
+                      <m:t>≔</m:t>
+                    </m:r>
+                  </m:oMath>
+                </a14:m>
+                <a:r>
+                  <a:rPr lang="en-US" dirty="0"/>
+                  <a:t>   </a:t>
+                </a:r>
+                <a14:m>
+                  <m:oMath xmlns:m="http://schemas.openxmlformats.org/officeDocument/2006/math">
+                    <m:sSub>
+                      <m:sSubPr>
+                        <m:ctrlPr>
+                          <a:rPr lang="en-US" b="0" i="1" smtClean="0">
+                            <a:latin typeface="Cambria Math" panose="02040503050406030204" pitchFamily="18" charset="0"/>
+                          </a:rPr>
+                        </m:ctrlPr>
+                      </m:sSubPr>
+                      <m:e>
+                        <m:r>
+                          <a:rPr lang="en-US" b="1" i="1" smtClean="0">
+                            <a:latin typeface="Cambria Math" panose="02040503050406030204" pitchFamily="18" charset="0"/>
+                          </a:rPr>
+                          <m:t>𝒙</m:t>
+                        </m:r>
+                        <m:r>
+                          <a:rPr lang="en-US" b="0" i="1" smtClean="0">
+                            <a:latin typeface="Cambria Math" panose="02040503050406030204" pitchFamily="18" charset="0"/>
+                          </a:rPr>
+                          <m:t> ⌈</m:t>
+                        </m:r>
+                        <m:r>
+                          <a:rPr lang="en-US" b="0" i="1" smtClean="0">
+                            <a:latin typeface="Cambria Math" panose="02040503050406030204" pitchFamily="18" charset="0"/>
+                          </a:rPr>
+                          <m:t>𝑥</m:t>
+                        </m:r>
+                      </m:e>
+                      <m:sub>
+                        <m:r>
+                          <a:rPr lang="en-US" b="0" i="1" smtClean="0">
+                            <a:latin typeface="Cambria Math" panose="02040503050406030204" pitchFamily="18" charset="0"/>
+                          </a:rPr>
+                          <m:t>𝑗</m:t>
+                        </m:r>
+                      </m:sub>
+                    </m:sSub>
+                    <m:r>
+                      <a:rPr lang="en-US" b="0" i="1" smtClean="0">
+                        <a:latin typeface="Cambria Math" panose="02040503050406030204" pitchFamily="18" charset="0"/>
+                      </a:rPr>
+                      <m:t>+</m:t>
+                    </m:r>
+                    <m:f>
+                      <m:fPr>
+                        <m:ctrlPr>
+                          <a:rPr lang="en-US" b="0" i="1" smtClean="0">
+                            <a:latin typeface="Cambria Math" panose="02040503050406030204" pitchFamily="18" charset="0"/>
+                          </a:rPr>
+                        </m:ctrlPr>
+                      </m:fPr>
+                      <m:num>
+                        <m:sSub>
+                          <m:sSubPr>
+                            <m:ctrlPr>
+                              <a:rPr lang="en-US" b="0" i="1" smtClean="0">
+                                <a:latin typeface="Cambria Math" panose="02040503050406030204" pitchFamily="18" charset="0"/>
+                              </a:rPr>
+                            </m:ctrlPr>
+                          </m:sSubPr>
+                          <m:e>
+                            <m:r>
+                              <a:rPr lang="en-US" b="0" i="1" smtClean="0">
+                                <a:latin typeface="Cambria Math" panose="02040503050406030204" pitchFamily="18" charset="0"/>
+                              </a:rPr>
+                              <m:t>𝑢</m:t>
+                            </m:r>
+                          </m:e>
+                          <m:sub>
+                            <m:r>
+                              <a:rPr lang="en-US" b="0" i="1" smtClean="0">
+                                <a:latin typeface="Cambria Math" panose="02040503050406030204" pitchFamily="18" charset="0"/>
+                              </a:rPr>
+                              <m:t>𝑖</m:t>
+                            </m:r>
+                          </m:sub>
+                        </m:sSub>
+                        <m:r>
+                          <a:rPr lang="en-US" b="0" i="1" smtClean="0">
+                            <a:latin typeface="Cambria Math" panose="02040503050406030204" pitchFamily="18" charset="0"/>
+                          </a:rPr>
+                          <m:t>−</m:t>
+                        </m:r>
+                        <m:r>
+                          <a:rPr lang="en-US" b="1" i="1" smtClean="0">
+                            <a:latin typeface="Cambria Math" panose="02040503050406030204" pitchFamily="18" charset="0"/>
+                          </a:rPr>
+                          <m:t>𝒙</m:t>
+                        </m:r>
+                        <m:r>
+                          <a:rPr lang="en-US" b="1" i="1" smtClean="0">
+                            <a:latin typeface="Cambria Math" panose="02040503050406030204" pitchFamily="18" charset="0"/>
+                          </a:rPr>
+                          <m:t>⌈</m:t>
+                        </m:r>
+                        <m:sSub>
+                          <m:sSubPr>
+                            <m:ctrlPr>
+                              <a:rPr lang="en-US" b="0" i="1" smtClean="0">
+                                <a:latin typeface="Cambria Math" panose="02040503050406030204" pitchFamily="18" charset="0"/>
+                              </a:rPr>
+                            </m:ctrlPr>
+                          </m:sSubPr>
+                          <m:e>
+                            <m:r>
+                              <a:rPr lang="en-US" b="0" i="1" smtClean="0">
+                                <a:latin typeface="Cambria Math" panose="02040503050406030204" pitchFamily="18" charset="0"/>
+                              </a:rPr>
+                              <m:t>𝑥</m:t>
+                            </m:r>
+                          </m:e>
+                          <m:sub>
+                            <m:r>
+                              <a:rPr lang="en-US" b="0" i="1" smtClean="0">
+                                <a:latin typeface="Cambria Math" panose="02040503050406030204" pitchFamily="18" charset="0"/>
+                              </a:rPr>
+                              <m:t>𝑖</m:t>
+                            </m:r>
+                          </m:sub>
+                        </m:sSub>
+                      </m:num>
+                      <m:den>
+                        <m:sSub>
+                          <m:sSubPr>
+                            <m:ctrlPr>
+                              <a:rPr lang="en-US" b="0" i="1" smtClean="0">
+                                <a:latin typeface="Cambria Math" panose="02040503050406030204" pitchFamily="18" charset="0"/>
+                              </a:rPr>
+                            </m:ctrlPr>
+                          </m:sSubPr>
+                          <m:e>
+                            <m:r>
+                              <a:rPr lang="en-US" b="0" i="1" smtClean="0">
+                                <a:latin typeface="Cambria Math" panose="02040503050406030204" pitchFamily="18" charset="0"/>
+                              </a:rPr>
+                              <m:t>𝑐</m:t>
+                            </m:r>
+                          </m:e>
+                          <m:sub>
+                            <m:r>
+                              <a:rPr lang="en-US" b="0" i="1" smtClean="0">
+                                <a:latin typeface="Cambria Math" panose="02040503050406030204" pitchFamily="18" charset="0"/>
+                              </a:rPr>
+                              <m:t>𝑖𝑗</m:t>
+                            </m:r>
+                          </m:sub>
+                        </m:sSub>
+                      </m:den>
+                    </m:f>
+                  </m:oMath>
+                </a14:m>
+                <a:r>
+                  <a:rPr lang="en-US" dirty="0"/>
+                  <a:t> </a:t>
+                </a:r>
+              </a:p>
+              <a:p>
+                <a:pPr marL="0" indent="0">
+                  <a:lnSpc>
+                    <a:spcPct val="120000"/>
+                  </a:lnSpc>
+                  <a:spcBef>
+                    <a:spcPts val="0"/>
+                  </a:spcBef>
+                  <a:buNone/>
+                </a:pPr>
+                <a:r>
+                  <a:rPr lang="en-US" dirty="0"/>
+                  <a:t>Pivot</a:t>
+                </a:r>
+                <a14:m>
+                  <m:oMath xmlns:m="http://schemas.openxmlformats.org/officeDocument/2006/math">
+                    <m:r>
+                      <a:rPr lang="en-US" b="0" i="1" smtClean="0">
+                        <a:latin typeface="Cambria Math" panose="02040503050406030204" pitchFamily="18" charset="0"/>
+                      </a:rPr>
+                      <m:t> </m:t>
+                    </m:r>
+                    <m:sSub>
+                      <m:sSubPr>
+                        <m:ctrlPr>
+                          <a:rPr lang="en-US" b="0" i="1" smtClean="0">
+                            <a:latin typeface="Cambria Math" panose="02040503050406030204" pitchFamily="18" charset="0"/>
+                          </a:rPr>
+                        </m:ctrlPr>
+                      </m:sSubPr>
+                      <m:e>
+                        <m:r>
+                          <a:rPr lang="en-US" b="0" i="1" smtClean="0">
+                            <a:latin typeface="Cambria Math" panose="02040503050406030204" pitchFamily="18" charset="0"/>
+                          </a:rPr>
+                          <m:t>𝑥</m:t>
+                        </m:r>
+                      </m:e>
+                      <m:sub>
+                        <m:r>
+                          <a:rPr lang="en-US" b="0" i="1" smtClean="0">
+                            <a:latin typeface="Cambria Math" panose="02040503050406030204" pitchFamily="18" charset="0"/>
+                          </a:rPr>
+                          <m:t>𝑖</m:t>
+                        </m:r>
+                      </m:sub>
+                    </m:sSub>
+                  </m:oMath>
+                </a14:m>
+                <a:r>
+                  <a:rPr lang="en-US" dirty="0"/>
+                  <a:t> and </a:t>
+                </a:r>
+                <a14:m>
+                  <m:oMath xmlns:m="http://schemas.openxmlformats.org/officeDocument/2006/math">
+                    <m:sSub>
+                      <m:sSubPr>
+                        <m:ctrlPr>
+                          <a:rPr lang="en-US" b="0" i="1" smtClean="0">
+                            <a:latin typeface="Cambria Math" panose="02040503050406030204" pitchFamily="18" charset="0"/>
+                          </a:rPr>
+                        </m:ctrlPr>
+                      </m:sSubPr>
+                      <m:e>
+                        <m:r>
+                          <a:rPr lang="en-US" b="0" i="1" smtClean="0">
+                            <a:latin typeface="Cambria Math" panose="02040503050406030204" pitchFamily="18" charset="0"/>
+                          </a:rPr>
+                          <m:t>𝑥</m:t>
+                        </m:r>
+                      </m:e>
+                      <m:sub>
+                        <m:r>
+                          <a:rPr lang="en-US" b="0" i="1" smtClean="0">
+                            <a:latin typeface="Cambria Math" panose="02040503050406030204" pitchFamily="18" charset="0"/>
+                          </a:rPr>
+                          <m:t>𝑗</m:t>
+                        </m:r>
+                      </m:sub>
+                    </m:sSub>
+                  </m:oMath>
+                </a14:m>
+                <a:endParaRPr lang="en-US" dirty="0"/>
+              </a:p>
+            </p:txBody>
+          </p:sp>
+        </mc:Choice>
+        <mc:Fallback>
+          <p:sp>
+            <p:nvSpPr>
+              <p:cNvPr id="3" name="Content Placeholder 2">
+                <a:extLst>
+                  <a:ext uri="{FF2B5EF4-FFF2-40B4-BE49-F238E27FC236}">
+                    <a16:creationId xmlns:a16="http://schemas.microsoft.com/office/drawing/2014/main" id="{FB3165BE-1E6F-0E47-ABA8-70180ECE286F}"/>
+                  </a:ext>
+                </a:extLst>
+              </p:cNvPr>
+              <p:cNvSpPr>
+                <a:spLocks noGrp="1" noRot="1" noChangeAspect="1" noMove="1" noResize="1" noEditPoints="1" noAdjustHandles="1" noChangeArrowheads="1" noChangeShapeType="1" noTextEdit="1"/>
+              </p:cNvSpPr>
+              <p:nvPr>
+                <p:ph idx="1"/>
+              </p:nvPr>
+            </p:nvSpPr>
+            <p:spPr>
+              <a:xfrm>
+                <a:off x="838200" y="968188"/>
+                <a:ext cx="6396318" cy="5889812"/>
+              </a:xfrm>
+              <a:blipFill>
+                <a:blip r:embed="rId2"/>
+                <a:stretch>
+                  <a:fillRect l="-1190" t="-647"/>
+                </a:stretch>
+              </a:blipFill>
+            </p:spPr>
+            <p:txBody>
+              <a:bodyPr/>
+              <a:lstStyle/>
+              <a:p>
+                <a:r>
+                  <a:rPr lang="en-US">
+                    <a:noFill/>
+                  </a:rPr>
+                  <a:t> </a:t>
+                </a:r>
+              </a:p>
+            </p:txBody>
+          </p:sp>
+        </mc:Fallback>
+      </mc:AlternateContent>
+      <mc:AlternateContent xmlns:mc="http://schemas.openxmlformats.org/markup-compatibility/2006">
+        <mc:Choice xmlns:a14="http://schemas.microsoft.com/office/drawing/2010/main" Requires="a14">
+          <p:sp>
+            <p:nvSpPr>
+              <p:cNvPr id="4" name="TextBox 3">
+                <a:extLst>
+                  <a:ext uri="{FF2B5EF4-FFF2-40B4-BE49-F238E27FC236}">
+                    <a16:creationId xmlns:a16="http://schemas.microsoft.com/office/drawing/2014/main" id="{2708E2A1-BFFB-8043-9A2B-70F8988C50E5}"/>
+                  </a:ext>
+                </a:extLst>
+              </p:cNvPr>
+              <p:cNvSpPr txBox="1"/>
+              <p:nvPr/>
+            </p:nvSpPr>
+            <p:spPr>
+              <a:xfrm>
+                <a:off x="7503460" y="509962"/>
+                <a:ext cx="4316505" cy="2417393"/>
+              </a:xfrm>
+              <a:prstGeom prst="rect">
+                <a:avLst/>
+              </a:prstGeom>
+              <a:noFill/>
+            </p:spPr>
+            <p:txBody>
+              <a:bodyPr wrap="square" rtlCol="0">
+                <a:spAutoFit/>
+              </a:bodyPr>
+              <a:lstStyle/>
+              <a:p>
+                <a:pPr/>
+                <a14:m>
+                  <m:oMath xmlns:m="http://schemas.openxmlformats.org/officeDocument/2006/math">
+                    <m:sSub>
+                      <m:sSubPr>
+                        <m:ctrlPr>
+                          <a:rPr lang="en-US" sz="2400" b="0" i="1" smtClean="0">
+                            <a:latin typeface="Cambria Math" panose="02040503050406030204" pitchFamily="18" charset="0"/>
+                          </a:rPr>
+                        </m:ctrlPr>
+                      </m:sSubPr>
+                      <m:e>
+                        <m:r>
+                          <a:rPr lang="en-US" sz="2400" b="0" i="1" smtClean="0">
+                            <a:latin typeface="Cambria Math" panose="02040503050406030204" pitchFamily="18" charset="0"/>
+                          </a:rPr>
+                          <m:t>𝑥</m:t>
+                        </m:r>
+                      </m:e>
+                      <m:sub>
+                        <m:r>
+                          <a:rPr lang="en-US" sz="2400" b="0" i="1" smtClean="0">
+                            <a:latin typeface="Cambria Math" panose="02040503050406030204" pitchFamily="18" charset="0"/>
+                          </a:rPr>
+                          <m:t>𝑖</m:t>
+                        </m:r>
+                      </m:sub>
+                    </m:sSub>
+                    <m:r>
+                      <a:rPr lang="en-US" sz="2400" b="0" i="0" smtClean="0">
+                        <a:latin typeface="Cambria Math" panose="02040503050406030204" pitchFamily="18" charset="0"/>
+                      </a:rPr>
+                      <m:t>=</m:t>
+                    </m:r>
+                    <m:sSubSup>
+                      <m:sSubSupPr>
+                        <m:ctrlPr>
+                          <a:rPr lang="en-US" sz="2400" b="0" i="1" smtClean="0">
+                            <a:latin typeface="Cambria Math" panose="02040503050406030204" pitchFamily="18" charset="0"/>
+                          </a:rPr>
+                        </m:ctrlPr>
+                      </m:sSubSupPr>
+                      <m:e>
+                        <m:r>
+                          <m:rPr>
+                            <m:sty m:val="p"/>
+                          </m:rPr>
+                          <a:rPr lang="en-US" sz="2400" b="0" i="0" smtClean="0">
+                            <a:latin typeface="Cambria Math" panose="02040503050406030204" pitchFamily="18" charset="0"/>
+                          </a:rPr>
+                          <m:t>Σ</m:t>
+                        </m:r>
+                      </m:e>
+                      <m:sub>
+                        <m:r>
+                          <a:rPr lang="en-US" sz="2400" b="0" i="1" smtClean="0">
+                            <a:latin typeface="Cambria Math" panose="02040503050406030204" pitchFamily="18" charset="0"/>
+                          </a:rPr>
+                          <m:t>𝑘</m:t>
+                        </m:r>
+                        <m:r>
+                          <a:rPr lang="en-US" sz="2400" b="0" i="1" smtClean="0">
+                            <a:latin typeface="Cambria Math" panose="02040503050406030204" pitchFamily="18" charset="0"/>
+                          </a:rPr>
+                          <m:t>∈</m:t>
+                        </m:r>
+                        <m:r>
+                          <a:rPr lang="en-US" sz="2400" b="0" i="1" smtClean="0">
+                            <a:latin typeface="Cambria Math" panose="02040503050406030204" pitchFamily="18" charset="0"/>
+                          </a:rPr>
+                          <m:t>𝑁</m:t>
+                        </m:r>
+                      </m:sub>
+                      <m:sup>
+                        <m:r>
+                          <a:rPr lang="en-US" sz="2400" b="0" i="1" smtClean="0">
+                            <a:latin typeface="Cambria Math" panose="02040503050406030204" pitchFamily="18" charset="0"/>
+                          </a:rPr>
+                          <m:t>𝑚</m:t>
+                        </m:r>
+                      </m:sup>
+                    </m:sSubSup>
+                    <m:sSub>
+                      <m:sSubPr>
+                        <m:ctrlPr>
+                          <a:rPr lang="en-US" sz="2400" b="0" i="1" smtClean="0">
+                            <a:latin typeface="Cambria Math" panose="02040503050406030204" pitchFamily="18" charset="0"/>
+                          </a:rPr>
+                        </m:ctrlPr>
+                      </m:sSubPr>
+                      <m:e>
+                        <m:r>
+                          <a:rPr lang="en-US" sz="2400" b="0" i="1" smtClean="0">
+                            <a:latin typeface="Cambria Math" panose="02040503050406030204" pitchFamily="18" charset="0"/>
+                          </a:rPr>
+                          <m:t>𝑐</m:t>
+                        </m:r>
+                      </m:e>
+                      <m:sub>
+                        <m:r>
+                          <a:rPr lang="en-US" sz="2400" b="0" i="1" smtClean="0">
+                            <a:latin typeface="Cambria Math" panose="02040503050406030204" pitchFamily="18" charset="0"/>
+                          </a:rPr>
+                          <m:t>𝑖</m:t>
+                        </m:r>
+                        <m:r>
+                          <a:rPr lang="en-US" sz="2400" b="0" i="1" smtClean="0">
+                            <a:latin typeface="Cambria Math" panose="02040503050406030204" pitchFamily="18" charset="0"/>
+                          </a:rPr>
+                          <m:t>𝑘</m:t>
+                        </m:r>
+                      </m:sub>
+                    </m:sSub>
+                    <m:sSub>
+                      <m:sSubPr>
+                        <m:ctrlPr>
+                          <a:rPr lang="en-US" sz="2400" b="0" i="1" smtClean="0">
+                            <a:latin typeface="Cambria Math" panose="02040503050406030204" pitchFamily="18" charset="0"/>
+                          </a:rPr>
+                        </m:ctrlPr>
+                      </m:sSubPr>
+                      <m:e>
+                        <m:r>
+                          <a:rPr lang="en-US" sz="2400" b="0" i="1" smtClean="0">
+                            <a:latin typeface="Cambria Math" panose="02040503050406030204" pitchFamily="18" charset="0"/>
+                          </a:rPr>
+                          <m:t>𝑥</m:t>
+                        </m:r>
+                      </m:e>
+                      <m:sub>
+                        <m:r>
+                          <a:rPr lang="en-US" sz="2400" b="0" i="1" smtClean="0">
+                            <a:latin typeface="Cambria Math" panose="02040503050406030204" pitchFamily="18" charset="0"/>
+                          </a:rPr>
+                          <m:t>𝑘</m:t>
+                        </m:r>
+                      </m:sub>
+                    </m:sSub>
+                  </m:oMath>
+                </a14:m>
+                <a:r>
+                  <a:rPr lang="en-US" sz="2400" dirty="0"/>
+                  <a:t>, </a:t>
+                </a:r>
+                <a14:m>
+                  <m:oMath xmlns:m="http://schemas.openxmlformats.org/officeDocument/2006/math">
+                    <m:r>
+                      <a:rPr lang="en-US" sz="2400" b="0" i="1" smtClean="0">
+                        <a:latin typeface="Cambria Math" panose="02040503050406030204" pitchFamily="18" charset="0"/>
+                      </a:rPr>
+                      <m:t>𝑗</m:t>
+                    </m:r>
+                    <m:r>
+                      <a:rPr lang="en-US" sz="2400" b="0" i="1" smtClean="0">
+                        <a:latin typeface="Cambria Math" panose="02040503050406030204" pitchFamily="18" charset="0"/>
+                      </a:rPr>
+                      <m:t>∈</m:t>
+                    </m:r>
+                    <m:r>
+                      <a:rPr lang="en-US" sz="2400" b="0" i="1" smtClean="0">
+                        <a:latin typeface="Cambria Math" panose="02040503050406030204" pitchFamily="18" charset="0"/>
+                      </a:rPr>
+                      <m:t>𝑁</m:t>
+                    </m:r>
+                  </m:oMath>
+                </a14:m>
+                <a:endParaRPr lang="en-US" sz="2400" dirty="0"/>
+              </a:p>
+              <a:p>
+                <a:pPr/>
+                <a:r>
+                  <a:rPr lang="en-US" sz="2400" dirty="0"/>
+                  <a:t>Pivoting </a:t>
+                </a:r>
+                <a14:m>
+                  <m:oMath xmlns:m="http://schemas.openxmlformats.org/officeDocument/2006/math">
+                    <m:sSub>
+                      <m:sSubPr>
+                        <m:ctrlPr>
+                          <a:rPr lang="en-US" sz="2400" b="0" i="1" smtClean="0">
+                            <a:latin typeface="Cambria Math" panose="02040503050406030204" pitchFamily="18" charset="0"/>
+                          </a:rPr>
+                        </m:ctrlPr>
+                      </m:sSubPr>
+                      <m:e>
+                        <m:r>
+                          <a:rPr lang="en-US" sz="2400" b="0" i="1" smtClean="0">
+                            <a:latin typeface="Cambria Math" panose="02040503050406030204" pitchFamily="18" charset="0"/>
+                          </a:rPr>
+                          <m:t>𝑥</m:t>
+                        </m:r>
+                      </m:e>
+                      <m:sub>
+                        <m:r>
+                          <a:rPr lang="en-US" sz="2400" b="0" i="1" smtClean="0">
+                            <a:latin typeface="Cambria Math" panose="02040503050406030204" pitchFamily="18" charset="0"/>
+                          </a:rPr>
+                          <m:t>𝑖</m:t>
+                        </m:r>
+                      </m:sub>
+                    </m:sSub>
+                  </m:oMath>
+                </a14:m>
+                <a:r>
+                  <a:rPr lang="en-US" sz="2400" dirty="0"/>
+                  <a:t> and </a:t>
+                </a:r>
+                <a14:m>
+                  <m:oMath xmlns:m="http://schemas.openxmlformats.org/officeDocument/2006/math">
+                    <m:sSub>
+                      <m:sSubPr>
+                        <m:ctrlPr>
+                          <a:rPr lang="en-US" sz="2400" b="0" i="1" smtClean="0">
+                            <a:latin typeface="Cambria Math" panose="02040503050406030204" pitchFamily="18" charset="0"/>
+                          </a:rPr>
+                        </m:ctrlPr>
+                      </m:sSubPr>
+                      <m:e>
+                        <m:r>
+                          <a:rPr lang="en-US" sz="2400" b="0" i="1" smtClean="0">
+                            <a:latin typeface="Cambria Math" panose="02040503050406030204" pitchFamily="18" charset="0"/>
+                          </a:rPr>
+                          <m:t>𝑥</m:t>
+                        </m:r>
+                      </m:e>
+                      <m:sub>
+                        <m:r>
+                          <a:rPr lang="en-US" sz="2400" b="0" i="1" smtClean="0">
+                            <a:latin typeface="Cambria Math" panose="02040503050406030204" pitchFamily="18" charset="0"/>
+                          </a:rPr>
+                          <m:t>𝑗</m:t>
+                        </m:r>
+                      </m:sub>
+                    </m:sSub>
+                  </m:oMath>
+                </a14:m>
+                <a:r>
+                  <a:rPr lang="en-US" sz="2400" dirty="0"/>
+                  <a:t> rewrites </a:t>
+                </a:r>
+                <a14:m>
+                  <m:oMath xmlns:m="http://schemas.openxmlformats.org/officeDocument/2006/math">
+                    <m:sSub>
+                      <m:sSubPr>
+                        <m:ctrlPr>
+                          <a:rPr lang="en-US" sz="2400" b="0" i="1" smtClean="0">
+                            <a:latin typeface="Cambria Math" panose="02040503050406030204" pitchFamily="18" charset="0"/>
+                          </a:rPr>
+                        </m:ctrlPr>
+                      </m:sSubPr>
+                      <m:e>
+                        <m:r>
+                          <a:rPr lang="en-US" sz="2400" b="0" i="1" smtClean="0">
+                            <a:latin typeface="Cambria Math" panose="02040503050406030204" pitchFamily="18" charset="0"/>
+                          </a:rPr>
+                          <m:t>𝑥</m:t>
+                        </m:r>
+                      </m:e>
+                      <m:sub>
+                        <m:r>
+                          <a:rPr lang="en-US" sz="2400" b="0" i="1" smtClean="0">
+                            <a:latin typeface="Cambria Math" panose="02040503050406030204" pitchFamily="18" charset="0"/>
+                          </a:rPr>
+                          <m:t>𝑗</m:t>
+                        </m:r>
+                      </m:sub>
+                    </m:sSub>
+                  </m:oMath>
+                </a14:m>
+                <a:r>
+                  <a:rPr lang="en-US" sz="2400" dirty="0"/>
+                  <a:t> as basic variable</a:t>
+                </a:r>
+              </a:p>
+              <a:p>
+                <a:pPr/>
+                <a14:m>
+                  <m:oMathPara xmlns:m="http://schemas.openxmlformats.org/officeDocument/2006/math">
+                    <m:oMathParaPr>
+                      <m:jc m:val="left"/>
+                    </m:oMathParaPr>
+                    <m:oMath xmlns:m="http://schemas.openxmlformats.org/officeDocument/2006/math">
+                      <m:sSub>
+                        <m:sSubPr>
+                          <m:ctrlPr>
+                            <a:rPr lang="en-US" sz="2400" b="0" i="1" smtClean="0">
+                              <a:latin typeface="Cambria Math" panose="02040503050406030204" pitchFamily="18" charset="0"/>
+                            </a:rPr>
+                          </m:ctrlPr>
+                        </m:sSubPr>
+                        <m:e>
+                          <m:r>
+                            <a:rPr lang="en-US" sz="2400" b="0" i="1" smtClean="0">
+                              <a:latin typeface="Cambria Math" panose="02040503050406030204" pitchFamily="18" charset="0"/>
+                            </a:rPr>
+                            <m:t>𝑥</m:t>
+                          </m:r>
+                        </m:e>
+                        <m:sub>
+                          <m:r>
+                            <a:rPr lang="en-US" sz="2400" b="0" i="1" smtClean="0">
+                              <a:latin typeface="Cambria Math" panose="02040503050406030204" pitchFamily="18" charset="0"/>
+                            </a:rPr>
+                            <m:t>𝑖</m:t>
+                          </m:r>
+                        </m:sub>
+                      </m:sSub>
+                      <m:r>
+                        <a:rPr lang="en-US" sz="2400" b="0" i="0" smtClean="0">
+                          <a:latin typeface="Cambria Math" panose="02040503050406030204" pitchFamily="18" charset="0"/>
+                        </a:rPr>
+                        <m:t>=</m:t>
+                      </m:r>
+                      <m:sSub>
+                        <m:sSubPr>
+                          <m:ctrlPr>
+                            <a:rPr lang="en-US" sz="2400" b="0" i="1" smtClean="0">
+                              <a:latin typeface="Cambria Math" panose="02040503050406030204" pitchFamily="18" charset="0"/>
+                            </a:rPr>
+                          </m:ctrlPr>
+                        </m:sSubPr>
+                        <m:e>
+                          <m:sSub>
+                            <m:sSubPr>
+                              <m:ctrlPr>
+                                <a:rPr lang="en-US" sz="2400" b="0" i="1" smtClean="0">
+                                  <a:latin typeface="Cambria Math" panose="02040503050406030204" pitchFamily="18" charset="0"/>
+                                </a:rPr>
+                              </m:ctrlPr>
+                            </m:sSubPr>
+                            <m:e>
+                              <m:r>
+                                <a:rPr lang="en-US" sz="2400" b="0" i="1" smtClean="0">
+                                  <a:latin typeface="Cambria Math" panose="02040503050406030204" pitchFamily="18" charset="0"/>
+                                </a:rPr>
+                                <m:t>𝑐</m:t>
+                              </m:r>
+                            </m:e>
+                            <m:sub>
+                              <m:r>
+                                <a:rPr lang="en-US" sz="2400" b="0" i="1" smtClean="0">
+                                  <a:latin typeface="Cambria Math" panose="02040503050406030204" pitchFamily="18" charset="0"/>
+                                </a:rPr>
+                                <m:t>𝑖𝑗</m:t>
+                              </m:r>
+                            </m:sub>
+                          </m:sSub>
+                          <m:r>
+                            <a:rPr lang="en-US" sz="2400" b="0" i="1" smtClean="0">
+                              <a:latin typeface="Cambria Math" panose="02040503050406030204" pitchFamily="18" charset="0"/>
+                            </a:rPr>
+                            <m:t>𝑥</m:t>
+                          </m:r>
+                        </m:e>
+                        <m:sub>
+                          <m:r>
+                            <a:rPr lang="en-US" sz="2400" b="0" i="1" smtClean="0">
+                              <a:latin typeface="Cambria Math" panose="02040503050406030204" pitchFamily="18" charset="0"/>
+                            </a:rPr>
+                            <m:t>𝑗</m:t>
+                          </m:r>
+                        </m:sub>
+                      </m:sSub>
+                      <m:r>
+                        <a:rPr lang="en-US" sz="2400" b="0" i="1" smtClean="0">
+                          <a:latin typeface="Cambria Math" panose="02040503050406030204" pitchFamily="18" charset="0"/>
+                        </a:rPr>
+                        <m:t>+</m:t>
+                      </m:r>
+                      <m:sSubSup>
+                        <m:sSubSupPr>
+                          <m:ctrlPr>
+                            <a:rPr lang="en-US" sz="2400" b="0" i="1" smtClean="0">
+                              <a:latin typeface="Cambria Math" panose="02040503050406030204" pitchFamily="18" charset="0"/>
+                            </a:rPr>
+                          </m:ctrlPr>
+                        </m:sSubSupPr>
+                        <m:e>
+                          <m:r>
+                            <m:rPr>
+                              <m:sty m:val="p"/>
+                            </m:rPr>
+                            <a:rPr lang="en-US" sz="2400" b="0" i="0" smtClean="0">
+                              <a:latin typeface="Cambria Math" panose="02040503050406030204" pitchFamily="18" charset="0"/>
+                            </a:rPr>
+                            <m:t>Σ</m:t>
+                          </m:r>
+                        </m:e>
+                        <m:sub>
+                          <m:r>
+                            <a:rPr lang="en-US" sz="2400" b="0" i="1" smtClean="0">
+                              <a:latin typeface="Cambria Math" panose="02040503050406030204" pitchFamily="18" charset="0"/>
+                            </a:rPr>
+                            <m:t>𝑘</m:t>
+                          </m:r>
+                          <m:r>
+                            <a:rPr lang="en-US" sz="2400" b="0" i="1" smtClean="0">
+                              <a:latin typeface="Cambria Math" panose="02040503050406030204" pitchFamily="18" charset="0"/>
+                            </a:rPr>
+                            <m:t>∈</m:t>
+                          </m:r>
+                          <m:r>
+                            <a:rPr lang="en-US" sz="2400" b="0" i="1" smtClean="0">
+                              <a:latin typeface="Cambria Math" panose="02040503050406030204" pitchFamily="18" charset="0"/>
+                            </a:rPr>
+                            <m:t>𝑁</m:t>
+                          </m:r>
+                          <m:r>
+                            <a:rPr lang="en-US" sz="2400" b="0" i="1" smtClean="0">
+                              <a:latin typeface="Cambria Math" panose="02040503050406030204" pitchFamily="18" charset="0"/>
+                            </a:rPr>
+                            <m:t>\</m:t>
+                          </m:r>
+                          <m:r>
+                            <m:rPr>
+                              <m:lit/>
+                            </m:rPr>
+                            <a:rPr lang="en-US" sz="2400" b="0" i="1" smtClean="0">
+                              <a:latin typeface="Cambria Math" panose="02040503050406030204" pitchFamily="18" charset="0"/>
+                            </a:rPr>
+                            <m:t>{</m:t>
+                          </m:r>
+                          <m:r>
+                            <a:rPr lang="en-US" sz="2400" b="0" i="1" smtClean="0">
+                              <a:latin typeface="Cambria Math" panose="02040503050406030204" pitchFamily="18" charset="0"/>
+                            </a:rPr>
+                            <m:t>𝑗</m:t>
+                          </m:r>
+                          <m:r>
+                            <a:rPr lang="en-US" sz="2400" b="0" i="1" smtClean="0">
+                              <a:latin typeface="Cambria Math" panose="02040503050406030204" pitchFamily="18" charset="0"/>
+                            </a:rPr>
+                            <m:t>}</m:t>
+                          </m:r>
+                        </m:sub>
+                        <m:sup>
+                          <m:r>
+                            <a:rPr lang="en-US" sz="2400" b="0" i="1" smtClean="0">
+                              <a:latin typeface="Cambria Math" panose="02040503050406030204" pitchFamily="18" charset="0"/>
+                            </a:rPr>
+                            <m:t>𝑚</m:t>
+                          </m:r>
+                        </m:sup>
+                      </m:sSubSup>
+                      <m:sSub>
+                        <m:sSubPr>
+                          <m:ctrlPr>
+                            <a:rPr lang="en-US" sz="2400" b="0" i="1" smtClean="0">
+                              <a:latin typeface="Cambria Math" panose="02040503050406030204" pitchFamily="18" charset="0"/>
+                            </a:rPr>
+                          </m:ctrlPr>
+                        </m:sSubPr>
+                        <m:e>
+                          <m:r>
+                            <a:rPr lang="en-US" sz="2400" b="0" i="1" smtClean="0">
+                              <a:latin typeface="Cambria Math" panose="02040503050406030204" pitchFamily="18" charset="0"/>
+                            </a:rPr>
+                            <m:t>𝑐</m:t>
+                          </m:r>
+                        </m:e>
+                        <m:sub>
+                          <m:r>
+                            <a:rPr lang="en-US" sz="2400" b="0" i="1" smtClean="0">
+                              <a:latin typeface="Cambria Math" panose="02040503050406030204" pitchFamily="18" charset="0"/>
+                            </a:rPr>
+                            <m:t>𝑖𝑘</m:t>
+                          </m:r>
+                        </m:sub>
+                      </m:sSub>
+                      <m:sSub>
+                        <m:sSubPr>
+                          <m:ctrlPr>
+                            <a:rPr lang="en-US" sz="2400" b="0" i="1" smtClean="0">
+                              <a:latin typeface="Cambria Math" panose="02040503050406030204" pitchFamily="18" charset="0"/>
+                            </a:rPr>
+                          </m:ctrlPr>
+                        </m:sSubPr>
+                        <m:e>
+                          <m:r>
+                            <a:rPr lang="en-US" sz="2400" b="0" i="1" smtClean="0">
+                              <a:latin typeface="Cambria Math" panose="02040503050406030204" pitchFamily="18" charset="0"/>
+                            </a:rPr>
+                            <m:t>𝑥</m:t>
+                          </m:r>
+                        </m:e>
+                        <m:sub>
+                          <m:r>
+                            <a:rPr lang="en-US" sz="2400" b="0" i="1" smtClean="0">
+                              <a:latin typeface="Cambria Math" panose="02040503050406030204" pitchFamily="18" charset="0"/>
+                            </a:rPr>
+                            <m:t>𝑘</m:t>
+                          </m:r>
+                        </m:sub>
+                      </m:sSub>
+                    </m:oMath>
+                  </m:oMathPara>
+                </a14:m>
+                <a:endParaRPr lang="en-US" sz="2400" dirty="0"/>
+              </a:p>
+              <a:p>
+                <a:pPr/>
+                <a14:m>
+                  <m:oMathPara xmlns:m="http://schemas.openxmlformats.org/officeDocument/2006/math">
+                    <m:oMathParaPr>
+                      <m:jc m:val="left"/>
+                    </m:oMathParaPr>
+                    <m:oMath xmlns:m="http://schemas.openxmlformats.org/officeDocument/2006/math">
+                      <m:sSub>
+                        <m:sSubPr>
+                          <m:ctrlPr>
+                            <a:rPr lang="en-US" sz="2400" b="0" i="1" smtClean="0">
+                              <a:latin typeface="Cambria Math" panose="02040503050406030204" pitchFamily="18" charset="0"/>
+                            </a:rPr>
+                          </m:ctrlPr>
+                        </m:sSubPr>
+                        <m:e>
+                          <m:r>
+                            <a:rPr lang="en-US" sz="2400" b="0" i="1" smtClean="0">
+                              <a:latin typeface="Cambria Math" panose="02040503050406030204" pitchFamily="18" charset="0"/>
+                            </a:rPr>
+                            <m:t>𝑥</m:t>
+                          </m:r>
+                        </m:e>
+                        <m:sub>
+                          <m:r>
+                            <a:rPr lang="en-US" sz="2400" b="0" i="1" smtClean="0">
+                              <a:latin typeface="Cambria Math" panose="02040503050406030204" pitchFamily="18" charset="0"/>
+                            </a:rPr>
+                            <m:t>𝑗</m:t>
+                          </m:r>
+                        </m:sub>
+                      </m:sSub>
+                      <m:r>
+                        <a:rPr lang="en-US" sz="2400" b="0" i="0" smtClean="0">
+                          <a:latin typeface="Cambria Math" panose="02040503050406030204" pitchFamily="18" charset="0"/>
+                        </a:rPr>
+                        <m:t>=</m:t>
+                      </m:r>
+                      <m:r>
+                        <a:rPr lang="en-US" sz="2400" b="0" i="1" smtClean="0">
+                          <a:latin typeface="Cambria Math" panose="02040503050406030204" pitchFamily="18" charset="0"/>
+                        </a:rPr>
+                        <m:t>−</m:t>
+                      </m:r>
+                      <m:f>
+                        <m:fPr>
+                          <m:ctrlPr>
+                            <a:rPr lang="en-US" sz="2400" b="0" i="1" smtClean="0">
+                              <a:latin typeface="Cambria Math" panose="02040503050406030204" pitchFamily="18" charset="0"/>
+                            </a:rPr>
+                          </m:ctrlPr>
+                        </m:fPr>
+                        <m:num>
+                          <m:sSub>
+                            <m:sSubPr>
+                              <m:ctrlPr>
+                                <a:rPr lang="en-US" sz="2400" b="0" i="1" smtClean="0">
+                                  <a:latin typeface="Cambria Math" panose="02040503050406030204" pitchFamily="18" charset="0"/>
+                                </a:rPr>
+                              </m:ctrlPr>
+                            </m:sSubPr>
+                            <m:e>
+                              <m:r>
+                                <a:rPr lang="en-US" sz="2400" b="0" i="1" smtClean="0">
+                                  <a:latin typeface="Cambria Math" panose="02040503050406030204" pitchFamily="18" charset="0"/>
+                                </a:rPr>
+                                <m:t>𝑥</m:t>
+                              </m:r>
+                            </m:e>
+                            <m:sub>
+                              <m:r>
+                                <a:rPr lang="en-US" sz="2400" b="0" i="1" smtClean="0">
+                                  <a:latin typeface="Cambria Math" panose="02040503050406030204" pitchFamily="18" charset="0"/>
+                                </a:rPr>
+                                <m:t>𝑖</m:t>
+                              </m:r>
+                            </m:sub>
+                          </m:sSub>
+                        </m:num>
+                        <m:den>
+                          <m:sSub>
+                            <m:sSubPr>
+                              <m:ctrlPr>
+                                <a:rPr lang="en-US" sz="2400" b="0" i="1" smtClean="0">
+                                  <a:latin typeface="Cambria Math" panose="02040503050406030204" pitchFamily="18" charset="0"/>
+                                </a:rPr>
+                              </m:ctrlPr>
+                            </m:sSubPr>
+                            <m:e>
+                              <m:r>
+                                <a:rPr lang="en-US" sz="2400" b="0" i="1" smtClean="0">
+                                  <a:latin typeface="Cambria Math" panose="02040503050406030204" pitchFamily="18" charset="0"/>
+                                </a:rPr>
+                                <m:t>𝑐</m:t>
+                              </m:r>
+                            </m:e>
+                            <m:sub>
+                              <m:r>
+                                <a:rPr lang="en-US" sz="2400" b="0" i="1" smtClean="0">
+                                  <a:latin typeface="Cambria Math" panose="02040503050406030204" pitchFamily="18" charset="0"/>
+                                </a:rPr>
+                                <m:t>𝑖𝑗</m:t>
+                              </m:r>
+                            </m:sub>
+                          </m:sSub>
+                        </m:den>
+                      </m:f>
+                      <m:r>
+                        <a:rPr lang="en-US" sz="2400" b="0" i="1" smtClean="0">
+                          <a:latin typeface="Cambria Math" panose="02040503050406030204" pitchFamily="18" charset="0"/>
+                        </a:rPr>
+                        <m:t>+</m:t>
+                      </m:r>
+                      <m:sSubSup>
+                        <m:sSubSupPr>
+                          <m:ctrlPr>
+                            <a:rPr lang="en-US" sz="2400" b="0" i="1" smtClean="0">
+                              <a:latin typeface="Cambria Math" panose="02040503050406030204" pitchFamily="18" charset="0"/>
+                            </a:rPr>
+                          </m:ctrlPr>
+                        </m:sSubSupPr>
+                        <m:e>
+                          <m:r>
+                            <m:rPr>
+                              <m:sty m:val="p"/>
+                            </m:rPr>
+                            <a:rPr lang="en-US" sz="2400" b="0" i="0" smtClean="0">
+                              <a:latin typeface="Cambria Math" panose="02040503050406030204" pitchFamily="18" charset="0"/>
+                            </a:rPr>
+                            <m:t>Σ</m:t>
+                          </m:r>
+                        </m:e>
+                        <m:sub>
+                          <m:r>
+                            <a:rPr lang="en-US" sz="2400" b="0" i="1" smtClean="0">
+                              <a:latin typeface="Cambria Math" panose="02040503050406030204" pitchFamily="18" charset="0"/>
+                            </a:rPr>
+                            <m:t>𝑘</m:t>
+                          </m:r>
+                          <m:r>
+                            <a:rPr lang="en-US" sz="2400" b="0" i="1" smtClean="0">
+                              <a:latin typeface="Cambria Math" panose="02040503050406030204" pitchFamily="18" charset="0"/>
+                            </a:rPr>
+                            <m:t>∈</m:t>
+                          </m:r>
+                          <m:r>
+                            <a:rPr lang="en-US" sz="2400" b="0" i="1" smtClean="0">
+                              <a:latin typeface="Cambria Math" panose="02040503050406030204" pitchFamily="18" charset="0"/>
+                            </a:rPr>
+                            <m:t>𝑁</m:t>
+                          </m:r>
+                          <m:r>
+                            <a:rPr lang="en-US" sz="2400" b="0" i="1" smtClean="0">
+                              <a:latin typeface="Cambria Math" panose="02040503050406030204" pitchFamily="18" charset="0"/>
+                            </a:rPr>
+                            <m:t>\</m:t>
+                          </m:r>
+                          <m:r>
+                            <m:rPr>
+                              <m:lit/>
+                            </m:rPr>
+                            <a:rPr lang="en-US" sz="2400" b="0" i="1" smtClean="0">
+                              <a:latin typeface="Cambria Math" panose="02040503050406030204" pitchFamily="18" charset="0"/>
+                            </a:rPr>
+                            <m:t>{</m:t>
+                          </m:r>
+                          <m:r>
+                            <a:rPr lang="en-US" sz="2400" b="0" i="1" smtClean="0">
+                              <a:latin typeface="Cambria Math" panose="02040503050406030204" pitchFamily="18" charset="0"/>
+                            </a:rPr>
+                            <m:t>𝑗</m:t>
+                          </m:r>
+                          <m:r>
+                            <a:rPr lang="en-US" sz="2400" b="0" i="1" smtClean="0">
+                              <a:latin typeface="Cambria Math" panose="02040503050406030204" pitchFamily="18" charset="0"/>
+                            </a:rPr>
+                            <m:t>}</m:t>
+                          </m:r>
+                        </m:sub>
+                        <m:sup>
+                          <m:r>
+                            <a:rPr lang="en-US" sz="2400" b="0" i="1" smtClean="0">
+                              <a:latin typeface="Cambria Math" panose="02040503050406030204" pitchFamily="18" charset="0"/>
+                            </a:rPr>
+                            <m:t>𝑚</m:t>
+                          </m:r>
+                        </m:sup>
+                      </m:sSubSup>
+                      <m:f>
+                        <m:fPr>
+                          <m:ctrlPr>
+                            <a:rPr lang="en-US" sz="2400" b="0" i="1" smtClean="0">
+                              <a:latin typeface="Cambria Math" panose="02040503050406030204" pitchFamily="18" charset="0"/>
+                            </a:rPr>
+                          </m:ctrlPr>
+                        </m:fPr>
+                        <m:num>
+                          <m:sSub>
+                            <m:sSubPr>
+                              <m:ctrlPr>
+                                <a:rPr lang="en-US" sz="2400" b="0" i="1" smtClean="0">
+                                  <a:latin typeface="Cambria Math" panose="02040503050406030204" pitchFamily="18" charset="0"/>
+                                </a:rPr>
+                              </m:ctrlPr>
+                            </m:sSubPr>
+                            <m:e>
+                              <m:r>
+                                <a:rPr lang="en-US" sz="2400" b="0" i="1" smtClean="0">
+                                  <a:latin typeface="Cambria Math" panose="02040503050406030204" pitchFamily="18" charset="0"/>
+                                </a:rPr>
+                                <m:t>𝑐</m:t>
+                              </m:r>
+                            </m:e>
+                            <m:sub>
+                              <m:r>
+                                <a:rPr lang="en-US" sz="2400" b="0" i="1" smtClean="0">
+                                  <a:latin typeface="Cambria Math" panose="02040503050406030204" pitchFamily="18" charset="0"/>
+                                </a:rPr>
+                                <m:t>𝑖𝑘</m:t>
+                              </m:r>
+                            </m:sub>
+                          </m:sSub>
+                        </m:num>
+                        <m:den>
+                          <m:sSub>
+                            <m:sSubPr>
+                              <m:ctrlPr>
+                                <a:rPr lang="en-US" sz="2400" b="0" i="1" smtClean="0">
+                                  <a:latin typeface="Cambria Math" panose="02040503050406030204" pitchFamily="18" charset="0"/>
+                                </a:rPr>
+                              </m:ctrlPr>
+                            </m:sSubPr>
+                            <m:e>
+                              <m:r>
+                                <a:rPr lang="en-US" sz="2400" b="0" i="1" smtClean="0">
+                                  <a:latin typeface="Cambria Math" panose="02040503050406030204" pitchFamily="18" charset="0"/>
+                                </a:rPr>
+                                <m:t>𝑐</m:t>
+                              </m:r>
+                            </m:e>
+                            <m:sub>
+                              <m:r>
+                                <a:rPr lang="en-US" sz="2400" b="0" i="1" smtClean="0">
+                                  <a:latin typeface="Cambria Math" panose="02040503050406030204" pitchFamily="18" charset="0"/>
+                                </a:rPr>
+                                <m:t>𝑖𝑗</m:t>
+                              </m:r>
+                            </m:sub>
+                          </m:sSub>
+                        </m:den>
+                      </m:f>
+                      <m:sSub>
+                        <m:sSubPr>
+                          <m:ctrlPr>
+                            <a:rPr lang="en-US" sz="2400" b="0" i="1" smtClean="0">
+                              <a:latin typeface="Cambria Math" panose="02040503050406030204" pitchFamily="18" charset="0"/>
+                            </a:rPr>
+                          </m:ctrlPr>
+                        </m:sSubPr>
+                        <m:e>
+                          <m:r>
+                            <a:rPr lang="en-US" sz="2400" b="0" i="1" smtClean="0">
+                              <a:latin typeface="Cambria Math" panose="02040503050406030204" pitchFamily="18" charset="0"/>
+                            </a:rPr>
+                            <m:t>𝑥</m:t>
+                          </m:r>
+                        </m:e>
+                        <m:sub>
+                          <m:r>
+                            <a:rPr lang="en-US" sz="2400" b="0" i="1" smtClean="0">
+                              <a:latin typeface="Cambria Math" panose="02040503050406030204" pitchFamily="18" charset="0"/>
+                            </a:rPr>
+                            <m:t>𝑘</m:t>
+                          </m:r>
+                        </m:sub>
+                      </m:sSub>
+                    </m:oMath>
+                  </m:oMathPara>
+                </a14:m>
+                <a:endParaRPr lang="en-US" sz="2400" dirty="0"/>
+              </a:p>
+            </p:txBody>
+          </p:sp>
+        </mc:Choice>
+        <mc:Fallback>
+          <p:sp>
+            <p:nvSpPr>
+              <p:cNvPr id="4" name="TextBox 3">
+                <a:extLst>
+                  <a:ext uri="{FF2B5EF4-FFF2-40B4-BE49-F238E27FC236}">
+                    <a16:creationId xmlns:a16="http://schemas.microsoft.com/office/drawing/2014/main" id="{2708E2A1-BFFB-8043-9A2B-70F8988C50E5}"/>
+                  </a:ext>
+                </a:extLst>
+              </p:cNvPr>
+              <p:cNvSpPr txBox="1">
+                <a:spLocks noRot="1" noChangeAspect="1" noMove="1" noResize="1" noEditPoints="1" noAdjustHandles="1" noChangeArrowheads="1" noChangeShapeType="1" noTextEdit="1"/>
+              </p:cNvSpPr>
+              <p:nvPr/>
+            </p:nvSpPr>
+            <p:spPr>
+              <a:xfrm>
+                <a:off x="7503460" y="509962"/>
+                <a:ext cx="4316505" cy="2417393"/>
+              </a:xfrm>
+              <a:prstGeom prst="rect">
+                <a:avLst/>
+              </a:prstGeom>
+              <a:blipFill>
+                <a:blip r:embed="rId3"/>
+                <a:stretch>
+                  <a:fillRect l="-2053" t="-1571"/>
+                </a:stretch>
+              </a:blipFill>
+            </p:spPr>
+            <p:txBody>
+              <a:bodyPr/>
+              <a:lstStyle/>
+              <a:p>
+                <a:r>
+                  <a:rPr lang="en-US">
+                    <a:noFill/>
+                  </a:rPr>
+                  <a:t> </a:t>
+                </a:r>
+              </a:p>
+            </p:txBody>
+          </p:sp>
+        </mc:Fallback>
+      </mc:AlternateContent>
+    </p:spTree>
+    <p:extLst>
+      <p:ext uri="{BB962C8B-B14F-4D97-AF65-F5344CB8AC3E}">
         <p14:creationId xmlns:p14="http://schemas.microsoft.com/office/powerpoint/2010/main" val="2801495827"/>
       </p:ext>
     </p:extLst>
@@ -12028,7 +17983,7 @@
 </p:sld>
 </file>
 
-<file path=ppt/slides/slide17.xml><?xml version="1.0" encoding="utf-8"?>
+<file path=ppt/slides/slide18.xml><?xml version="1.0" encoding="utf-8"?>
 <p:sld xmlns:a="http://schemas.openxmlformats.org/drawingml/2006/main" xmlns:r="http://schemas.openxmlformats.org/officeDocument/2006/relationships" xmlns:p="http://schemas.openxmlformats.org/presentationml/2006/main">
   <p:cSld>
     <p:spTree>
@@ -12652,10 +18607,383 @@
   <p:clrMapOvr>
     <a:masterClrMapping/>
   </p:clrMapOvr>
+  <p:timing>
+    <p:tnLst>
+      <p:par>
+        <p:cTn id="1" dur="indefinite" restart="never" nodeType="tmRoot">
+          <p:childTnLst>
+            <p:seq concurrent="1" nextAc="seek">
+              <p:cTn id="2" dur="indefinite" nodeType="mainSeq">
+                <p:childTnLst>
+                  <p:par>
+                    <p:cTn id="3" fill="hold">
+                      <p:stCondLst>
+                        <p:cond delay="indefinite"/>
+                      </p:stCondLst>
+                      <p:childTnLst>
+                        <p:par>
+                          <p:cTn id="4" fill="hold">
+                            <p:stCondLst>
+                              <p:cond delay="0"/>
+                            </p:stCondLst>
+                            <p:childTnLst>
+                              <p:par>
+                                <p:cTn id="5" presetID="1" presetClass="entr" presetSubtype="0" fill="hold" nodeType="clickEffect">
+                                  <p:stCondLst>
+                                    <p:cond delay="0"/>
+                                  </p:stCondLst>
+                                  <p:childTnLst>
+                                    <p:set>
+                                      <p:cBhvr>
+                                        <p:cTn id="6" dur="1" fill="hold">
+                                          <p:stCondLst>
+                                            <p:cond delay="0"/>
+                                          </p:stCondLst>
+                                        </p:cTn>
+                                        <p:tgtEl>
+                                          <p:spTgt spid="3">
+                                            <p:txEl>
+                                              <p:pRg st="3" end="3"/>
+                                            </p:txEl>
+                                          </p:spTgt>
+                                        </p:tgtEl>
+                                        <p:attrNameLst>
+                                          <p:attrName>style.visibility</p:attrName>
+                                        </p:attrNameLst>
+                                      </p:cBhvr>
+                                      <p:to>
+                                        <p:strVal val="visible"/>
+                                      </p:to>
+                                    </p:set>
+                                  </p:childTnLst>
+                                </p:cTn>
+                              </p:par>
+                            </p:childTnLst>
+                          </p:cTn>
+                        </p:par>
+                      </p:childTnLst>
+                    </p:cTn>
+                  </p:par>
+                  <p:par>
+                    <p:cTn id="7" fill="hold">
+                      <p:stCondLst>
+                        <p:cond delay="indefinite"/>
+                      </p:stCondLst>
+                      <p:childTnLst>
+                        <p:par>
+                          <p:cTn id="8" fill="hold">
+                            <p:stCondLst>
+                              <p:cond delay="0"/>
+                            </p:stCondLst>
+                            <p:childTnLst>
+                              <p:par>
+                                <p:cTn id="9" presetID="1" presetClass="entr" presetSubtype="0" fill="hold" nodeType="clickEffect">
+                                  <p:stCondLst>
+                                    <p:cond delay="0"/>
+                                  </p:stCondLst>
+                                  <p:childTnLst>
+                                    <p:set>
+                                      <p:cBhvr>
+                                        <p:cTn id="10" dur="1" fill="hold">
+                                          <p:stCondLst>
+                                            <p:cond delay="0"/>
+                                          </p:stCondLst>
+                                        </p:cTn>
+                                        <p:tgtEl>
+                                          <p:spTgt spid="3">
+                                            <p:txEl>
+                                              <p:pRg st="4" end="4"/>
+                                            </p:txEl>
+                                          </p:spTgt>
+                                        </p:tgtEl>
+                                        <p:attrNameLst>
+                                          <p:attrName>style.visibility</p:attrName>
+                                        </p:attrNameLst>
+                                      </p:cBhvr>
+                                      <p:to>
+                                        <p:strVal val="visible"/>
+                                      </p:to>
+                                    </p:set>
+                                  </p:childTnLst>
+                                </p:cTn>
+                              </p:par>
+                            </p:childTnLst>
+                          </p:cTn>
+                        </p:par>
+                      </p:childTnLst>
+                    </p:cTn>
+                  </p:par>
+                  <p:par>
+                    <p:cTn id="11" fill="hold">
+                      <p:stCondLst>
+                        <p:cond delay="indefinite"/>
+                      </p:stCondLst>
+                      <p:childTnLst>
+                        <p:par>
+                          <p:cTn id="12" fill="hold">
+                            <p:stCondLst>
+                              <p:cond delay="0"/>
+                            </p:stCondLst>
+                            <p:childTnLst>
+                              <p:par>
+                                <p:cTn id="13" presetID="1" presetClass="entr" presetSubtype="0" fill="hold" nodeType="clickEffect">
+                                  <p:stCondLst>
+                                    <p:cond delay="0"/>
+                                  </p:stCondLst>
+                                  <p:childTnLst>
+                                    <p:set>
+                                      <p:cBhvr>
+                                        <p:cTn id="14" dur="1" fill="hold">
+                                          <p:stCondLst>
+                                            <p:cond delay="0"/>
+                                          </p:stCondLst>
+                                        </p:cTn>
+                                        <p:tgtEl>
+                                          <p:spTgt spid="3">
+                                            <p:txEl>
+                                              <p:pRg st="5" end="5"/>
+                                            </p:txEl>
+                                          </p:spTgt>
+                                        </p:tgtEl>
+                                        <p:attrNameLst>
+                                          <p:attrName>style.visibility</p:attrName>
+                                        </p:attrNameLst>
+                                      </p:cBhvr>
+                                      <p:to>
+                                        <p:strVal val="visible"/>
+                                      </p:to>
+                                    </p:set>
+                                  </p:childTnLst>
+                                </p:cTn>
+                              </p:par>
+                            </p:childTnLst>
+                          </p:cTn>
+                        </p:par>
+                      </p:childTnLst>
+                    </p:cTn>
+                  </p:par>
+                  <p:par>
+                    <p:cTn id="15" fill="hold">
+                      <p:stCondLst>
+                        <p:cond delay="indefinite"/>
+                      </p:stCondLst>
+                      <p:childTnLst>
+                        <p:par>
+                          <p:cTn id="16" fill="hold">
+                            <p:stCondLst>
+                              <p:cond delay="0"/>
+                            </p:stCondLst>
+                            <p:childTnLst>
+                              <p:par>
+                                <p:cTn id="17" presetID="1" presetClass="entr" presetSubtype="0" fill="hold" nodeType="clickEffect">
+                                  <p:stCondLst>
+                                    <p:cond delay="0"/>
+                                  </p:stCondLst>
+                                  <p:childTnLst>
+                                    <p:set>
+                                      <p:cBhvr>
+                                        <p:cTn id="18" dur="1" fill="hold">
+                                          <p:stCondLst>
+                                            <p:cond delay="0"/>
+                                          </p:stCondLst>
+                                        </p:cTn>
+                                        <p:tgtEl>
+                                          <p:spTgt spid="3">
+                                            <p:txEl>
+                                              <p:pRg st="6" end="6"/>
+                                            </p:txEl>
+                                          </p:spTgt>
+                                        </p:tgtEl>
+                                        <p:attrNameLst>
+                                          <p:attrName>style.visibility</p:attrName>
+                                        </p:attrNameLst>
+                                      </p:cBhvr>
+                                      <p:to>
+                                        <p:strVal val="visible"/>
+                                      </p:to>
+                                    </p:set>
+                                  </p:childTnLst>
+                                </p:cTn>
+                              </p:par>
+                            </p:childTnLst>
+                          </p:cTn>
+                        </p:par>
+                      </p:childTnLst>
+                    </p:cTn>
+                  </p:par>
+                  <p:par>
+                    <p:cTn id="19" fill="hold">
+                      <p:stCondLst>
+                        <p:cond delay="indefinite"/>
+                      </p:stCondLst>
+                      <p:childTnLst>
+                        <p:par>
+                          <p:cTn id="20" fill="hold">
+                            <p:stCondLst>
+                              <p:cond delay="0"/>
+                            </p:stCondLst>
+                            <p:childTnLst>
+                              <p:par>
+                                <p:cTn id="21" presetID="1" presetClass="entr" presetSubtype="0" fill="hold" nodeType="clickEffect">
+                                  <p:stCondLst>
+                                    <p:cond delay="0"/>
+                                  </p:stCondLst>
+                                  <p:childTnLst>
+                                    <p:set>
+                                      <p:cBhvr>
+                                        <p:cTn id="22" dur="1" fill="hold">
+                                          <p:stCondLst>
+                                            <p:cond delay="0"/>
+                                          </p:stCondLst>
+                                        </p:cTn>
+                                        <p:tgtEl>
+                                          <p:spTgt spid="3">
+                                            <p:txEl>
+                                              <p:pRg st="7" end="7"/>
+                                            </p:txEl>
+                                          </p:spTgt>
+                                        </p:tgtEl>
+                                        <p:attrNameLst>
+                                          <p:attrName>style.visibility</p:attrName>
+                                        </p:attrNameLst>
+                                      </p:cBhvr>
+                                      <p:to>
+                                        <p:strVal val="visible"/>
+                                      </p:to>
+                                    </p:set>
+                                  </p:childTnLst>
+                                </p:cTn>
+                              </p:par>
+                            </p:childTnLst>
+                          </p:cTn>
+                        </p:par>
+                      </p:childTnLst>
+                    </p:cTn>
+                  </p:par>
+                  <p:par>
+                    <p:cTn id="23" fill="hold">
+                      <p:stCondLst>
+                        <p:cond delay="indefinite"/>
+                      </p:stCondLst>
+                      <p:childTnLst>
+                        <p:par>
+                          <p:cTn id="24" fill="hold">
+                            <p:stCondLst>
+                              <p:cond delay="0"/>
+                            </p:stCondLst>
+                            <p:childTnLst>
+                              <p:par>
+                                <p:cTn id="25" presetID="1" presetClass="entr" presetSubtype="0" fill="hold" nodeType="clickEffect">
+                                  <p:stCondLst>
+                                    <p:cond delay="0"/>
+                                  </p:stCondLst>
+                                  <p:childTnLst>
+                                    <p:set>
+                                      <p:cBhvr>
+                                        <p:cTn id="26" dur="1" fill="hold">
+                                          <p:stCondLst>
+                                            <p:cond delay="0"/>
+                                          </p:stCondLst>
+                                        </p:cTn>
+                                        <p:tgtEl>
+                                          <p:spTgt spid="3">
+                                            <p:txEl>
+                                              <p:pRg st="8" end="8"/>
+                                            </p:txEl>
+                                          </p:spTgt>
+                                        </p:tgtEl>
+                                        <p:attrNameLst>
+                                          <p:attrName>style.visibility</p:attrName>
+                                        </p:attrNameLst>
+                                      </p:cBhvr>
+                                      <p:to>
+                                        <p:strVal val="visible"/>
+                                      </p:to>
+                                    </p:set>
+                                  </p:childTnLst>
+                                </p:cTn>
+                              </p:par>
+                            </p:childTnLst>
+                          </p:cTn>
+                        </p:par>
+                      </p:childTnLst>
+                    </p:cTn>
+                  </p:par>
+                  <p:par>
+                    <p:cTn id="27" fill="hold">
+                      <p:stCondLst>
+                        <p:cond delay="indefinite"/>
+                      </p:stCondLst>
+                      <p:childTnLst>
+                        <p:par>
+                          <p:cTn id="28" fill="hold">
+                            <p:stCondLst>
+                              <p:cond delay="0"/>
+                            </p:stCondLst>
+                            <p:childTnLst>
+                              <p:par>
+                                <p:cTn id="29" presetID="1" presetClass="entr" presetSubtype="0" fill="hold" nodeType="clickEffect">
+                                  <p:stCondLst>
+                                    <p:cond delay="0"/>
+                                  </p:stCondLst>
+                                  <p:childTnLst>
+                                    <p:set>
+                                      <p:cBhvr>
+                                        <p:cTn id="30" dur="1" fill="hold">
+                                          <p:stCondLst>
+                                            <p:cond delay="0"/>
+                                          </p:stCondLst>
+                                        </p:cTn>
+                                        <p:tgtEl>
+                                          <p:spTgt spid="3">
+                                            <p:txEl>
+                                              <p:pRg st="9" end="9"/>
+                                            </p:txEl>
+                                          </p:spTgt>
+                                        </p:tgtEl>
+                                        <p:attrNameLst>
+                                          <p:attrName>style.visibility</p:attrName>
+                                        </p:attrNameLst>
+                                      </p:cBhvr>
+                                      <p:to>
+                                        <p:strVal val="visible"/>
+                                      </p:to>
+                                    </p:set>
+                                  </p:childTnLst>
+                                </p:cTn>
+                              </p:par>
+                            </p:childTnLst>
+                          </p:cTn>
+                        </p:par>
+                      </p:childTnLst>
+                    </p:cTn>
+                  </p:par>
+                </p:childTnLst>
+              </p:cTn>
+              <p:prevCondLst>
+                <p:cond evt="onPrev" delay="0">
+                  <p:tgtEl>
+                    <p:sldTgt/>
+                  </p:tgtEl>
+                </p:cond>
+              </p:prevCondLst>
+              <p:nextCondLst>
+                <p:cond evt="onNext" delay="0">
+                  <p:tgtEl>
+                    <p:sldTgt/>
+                  </p:tgtEl>
+                </p:cond>
+              </p:nextCondLst>
+            </p:seq>
+          </p:childTnLst>
+        </p:cTn>
+      </p:par>
+    </p:tnLst>
+  </p:timing>
 </p:sld>
 </file>
 
-<file path=ppt/slides/slide18.xml><?xml version="1.0" encoding="utf-8"?>
+<file path=ppt/slides/slide19.xml><?xml version="1.0" encoding="utf-8"?>
 <p:sld xmlns:a="http://schemas.openxmlformats.org/drawingml/2006/main" xmlns:r="http://schemas.openxmlformats.org/officeDocument/2006/relationships" xmlns:p="http://schemas.openxmlformats.org/presentationml/2006/main">
   <p:cSld>
     <p:spTree>
@@ -14557,10 +20885,551 @@
   <p:clrMapOvr>
     <a:masterClrMapping/>
   </p:clrMapOvr>
+  <p:timing>
+    <p:tnLst>
+      <p:par>
+        <p:cTn id="1" dur="indefinite" restart="never" nodeType="tmRoot">
+          <p:childTnLst>
+            <p:seq concurrent="1" nextAc="seek">
+              <p:cTn id="2" dur="indefinite" nodeType="mainSeq">
+                <p:childTnLst>
+                  <p:par>
+                    <p:cTn id="3" fill="hold">
+                      <p:stCondLst>
+                        <p:cond delay="indefinite"/>
+                      </p:stCondLst>
+                      <p:childTnLst>
+                        <p:par>
+                          <p:cTn id="4" fill="hold">
+                            <p:stCondLst>
+                              <p:cond delay="0"/>
+                            </p:stCondLst>
+                            <p:childTnLst>
+                              <p:par>
+                                <p:cTn id="5" presetID="1" presetClass="entr" presetSubtype="0" fill="hold" nodeType="clickEffect">
+                                  <p:stCondLst>
+                                    <p:cond delay="0"/>
+                                  </p:stCondLst>
+                                  <p:childTnLst>
+                                    <p:set>
+                                      <p:cBhvr>
+                                        <p:cTn id="6" dur="1" fill="hold">
+                                          <p:stCondLst>
+                                            <p:cond delay="0"/>
+                                          </p:stCondLst>
+                                        </p:cTn>
+                                        <p:tgtEl>
+                                          <p:spTgt spid="3">
+                                            <p:txEl>
+                                              <p:pRg st="2" end="2"/>
+                                            </p:txEl>
+                                          </p:spTgt>
+                                        </p:tgtEl>
+                                        <p:attrNameLst>
+                                          <p:attrName>style.visibility</p:attrName>
+                                        </p:attrNameLst>
+                                      </p:cBhvr>
+                                      <p:to>
+                                        <p:strVal val="visible"/>
+                                      </p:to>
+                                    </p:set>
+                                  </p:childTnLst>
+                                </p:cTn>
+                              </p:par>
+                            </p:childTnLst>
+                          </p:cTn>
+                        </p:par>
+                      </p:childTnLst>
+                    </p:cTn>
+                  </p:par>
+                  <p:par>
+                    <p:cTn id="7" fill="hold">
+                      <p:stCondLst>
+                        <p:cond delay="indefinite"/>
+                      </p:stCondLst>
+                      <p:childTnLst>
+                        <p:par>
+                          <p:cTn id="8" fill="hold">
+                            <p:stCondLst>
+                              <p:cond delay="0"/>
+                            </p:stCondLst>
+                            <p:childTnLst>
+                              <p:par>
+                                <p:cTn id="9" presetID="1" presetClass="entr" presetSubtype="0" fill="hold" nodeType="clickEffect">
+                                  <p:stCondLst>
+                                    <p:cond delay="0"/>
+                                  </p:stCondLst>
+                                  <p:childTnLst>
+                                    <p:set>
+                                      <p:cBhvr>
+                                        <p:cTn id="10" dur="1" fill="hold">
+                                          <p:stCondLst>
+                                            <p:cond delay="0"/>
+                                          </p:stCondLst>
+                                        </p:cTn>
+                                        <p:tgtEl>
+                                          <p:spTgt spid="3">
+                                            <p:txEl>
+                                              <p:pRg st="3" end="3"/>
+                                            </p:txEl>
+                                          </p:spTgt>
+                                        </p:tgtEl>
+                                        <p:attrNameLst>
+                                          <p:attrName>style.visibility</p:attrName>
+                                        </p:attrNameLst>
+                                      </p:cBhvr>
+                                      <p:to>
+                                        <p:strVal val="visible"/>
+                                      </p:to>
+                                    </p:set>
+                                  </p:childTnLst>
+                                </p:cTn>
+                              </p:par>
+                            </p:childTnLst>
+                          </p:cTn>
+                        </p:par>
+                      </p:childTnLst>
+                    </p:cTn>
+                  </p:par>
+                  <p:par>
+                    <p:cTn id="11" fill="hold">
+                      <p:stCondLst>
+                        <p:cond delay="indefinite"/>
+                      </p:stCondLst>
+                      <p:childTnLst>
+                        <p:par>
+                          <p:cTn id="12" fill="hold">
+                            <p:stCondLst>
+                              <p:cond delay="0"/>
+                            </p:stCondLst>
+                            <p:childTnLst>
+                              <p:par>
+                                <p:cTn id="13" presetID="1" presetClass="entr" presetSubtype="0" fill="hold" nodeType="clickEffect">
+                                  <p:stCondLst>
+                                    <p:cond delay="0"/>
+                                  </p:stCondLst>
+                                  <p:childTnLst>
+                                    <p:set>
+                                      <p:cBhvr>
+                                        <p:cTn id="14" dur="1" fill="hold">
+                                          <p:stCondLst>
+                                            <p:cond delay="0"/>
+                                          </p:stCondLst>
+                                        </p:cTn>
+                                        <p:tgtEl>
+                                          <p:spTgt spid="3">
+                                            <p:txEl>
+                                              <p:pRg st="4" end="4"/>
+                                            </p:txEl>
+                                          </p:spTgt>
+                                        </p:tgtEl>
+                                        <p:attrNameLst>
+                                          <p:attrName>style.visibility</p:attrName>
+                                        </p:attrNameLst>
+                                      </p:cBhvr>
+                                      <p:to>
+                                        <p:strVal val="visible"/>
+                                      </p:to>
+                                    </p:set>
+                                  </p:childTnLst>
+                                </p:cTn>
+                              </p:par>
+                            </p:childTnLst>
+                          </p:cTn>
+                        </p:par>
+                      </p:childTnLst>
+                    </p:cTn>
+                  </p:par>
+                  <p:par>
+                    <p:cTn id="15" fill="hold">
+                      <p:stCondLst>
+                        <p:cond delay="indefinite"/>
+                      </p:stCondLst>
+                      <p:childTnLst>
+                        <p:par>
+                          <p:cTn id="16" fill="hold">
+                            <p:stCondLst>
+                              <p:cond delay="0"/>
+                            </p:stCondLst>
+                            <p:childTnLst>
+                              <p:par>
+                                <p:cTn id="17" presetID="1" presetClass="entr" presetSubtype="0" fill="hold" nodeType="clickEffect">
+                                  <p:stCondLst>
+                                    <p:cond delay="0"/>
+                                  </p:stCondLst>
+                                  <p:childTnLst>
+                                    <p:set>
+                                      <p:cBhvr>
+                                        <p:cTn id="18" dur="1" fill="hold">
+                                          <p:stCondLst>
+                                            <p:cond delay="0"/>
+                                          </p:stCondLst>
+                                        </p:cTn>
+                                        <p:tgtEl>
+                                          <p:spTgt spid="3">
+                                            <p:txEl>
+                                              <p:pRg st="5" end="5"/>
+                                            </p:txEl>
+                                          </p:spTgt>
+                                        </p:tgtEl>
+                                        <p:attrNameLst>
+                                          <p:attrName>style.visibility</p:attrName>
+                                        </p:attrNameLst>
+                                      </p:cBhvr>
+                                      <p:to>
+                                        <p:strVal val="visible"/>
+                                      </p:to>
+                                    </p:set>
+                                  </p:childTnLst>
+                                </p:cTn>
+                              </p:par>
+                            </p:childTnLst>
+                          </p:cTn>
+                        </p:par>
+                      </p:childTnLst>
+                    </p:cTn>
+                  </p:par>
+                  <p:par>
+                    <p:cTn id="19" fill="hold">
+                      <p:stCondLst>
+                        <p:cond delay="indefinite"/>
+                      </p:stCondLst>
+                      <p:childTnLst>
+                        <p:par>
+                          <p:cTn id="20" fill="hold">
+                            <p:stCondLst>
+                              <p:cond delay="0"/>
+                            </p:stCondLst>
+                            <p:childTnLst>
+                              <p:par>
+                                <p:cTn id="21" presetID="1" presetClass="entr" presetSubtype="0" fill="hold" nodeType="clickEffect">
+                                  <p:stCondLst>
+                                    <p:cond delay="0"/>
+                                  </p:stCondLst>
+                                  <p:childTnLst>
+                                    <p:set>
+                                      <p:cBhvr>
+                                        <p:cTn id="22" dur="1" fill="hold">
+                                          <p:stCondLst>
+                                            <p:cond delay="0"/>
+                                          </p:stCondLst>
+                                        </p:cTn>
+                                        <p:tgtEl>
+                                          <p:spTgt spid="3">
+                                            <p:txEl>
+                                              <p:pRg st="6" end="6"/>
+                                            </p:txEl>
+                                          </p:spTgt>
+                                        </p:tgtEl>
+                                        <p:attrNameLst>
+                                          <p:attrName>style.visibility</p:attrName>
+                                        </p:attrNameLst>
+                                      </p:cBhvr>
+                                      <p:to>
+                                        <p:strVal val="visible"/>
+                                      </p:to>
+                                    </p:set>
+                                  </p:childTnLst>
+                                </p:cTn>
+                              </p:par>
+                            </p:childTnLst>
+                          </p:cTn>
+                        </p:par>
+                      </p:childTnLst>
+                    </p:cTn>
+                  </p:par>
+                  <p:par>
+                    <p:cTn id="23" fill="hold">
+                      <p:stCondLst>
+                        <p:cond delay="indefinite"/>
+                      </p:stCondLst>
+                      <p:childTnLst>
+                        <p:par>
+                          <p:cTn id="24" fill="hold">
+                            <p:stCondLst>
+                              <p:cond delay="0"/>
+                            </p:stCondLst>
+                            <p:childTnLst>
+                              <p:par>
+                                <p:cTn id="25" presetID="1" presetClass="entr" presetSubtype="0" fill="hold" nodeType="clickEffect">
+                                  <p:stCondLst>
+                                    <p:cond delay="0"/>
+                                  </p:stCondLst>
+                                  <p:childTnLst>
+                                    <p:set>
+                                      <p:cBhvr>
+                                        <p:cTn id="26" dur="1" fill="hold">
+                                          <p:stCondLst>
+                                            <p:cond delay="0"/>
+                                          </p:stCondLst>
+                                        </p:cTn>
+                                        <p:tgtEl>
+                                          <p:spTgt spid="3">
+                                            <p:txEl>
+                                              <p:pRg st="7" end="7"/>
+                                            </p:txEl>
+                                          </p:spTgt>
+                                        </p:tgtEl>
+                                        <p:attrNameLst>
+                                          <p:attrName>style.visibility</p:attrName>
+                                        </p:attrNameLst>
+                                      </p:cBhvr>
+                                      <p:to>
+                                        <p:strVal val="visible"/>
+                                      </p:to>
+                                    </p:set>
+                                  </p:childTnLst>
+                                </p:cTn>
+                              </p:par>
+                            </p:childTnLst>
+                          </p:cTn>
+                        </p:par>
+                      </p:childTnLst>
+                    </p:cTn>
+                  </p:par>
+                  <p:par>
+                    <p:cTn id="27" fill="hold">
+                      <p:stCondLst>
+                        <p:cond delay="indefinite"/>
+                      </p:stCondLst>
+                      <p:childTnLst>
+                        <p:par>
+                          <p:cTn id="28" fill="hold">
+                            <p:stCondLst>
+                              <p:cond delay="0"/>
+                            </p:stCondLst>
+                            <p:childTnLst>
+                              <p:par>
+                                <p:cTn id="29" presetID="1" presetClass="entr" presetSubtype="0" fill="hold" nodeType="clickEffect">
+                                  <p:stCondLst>
+                                    <p:cond delay="0"/>
+                                  </p:stCondLst>
+                                  <p:childTnLst>
+                                    <p:set>
+                                      <p:cBhvr>
+                                        <p:cTn id="30" dur="1" fill="hold">
+                                          <p:stCondLst>
+                                            <p:cond delay="0"/>
+                                          </p:stCondLst>
+                                        </p:cTn>
+                                        <p:tgtEl>
+                                          <p:spTgt spid="3">
+                                            <p:txEl>
+                                              <p:pRg st="8" end="8"/>
+                                            </p:txEl>
+                                          </p:spTgt>
+                                        </p:tgtEl>
+                                        <p:attrNameLst>
+                                          <p:attrName>style.visibility</p:attrName>
+                                        </p:attrNameLst>
+                                      </p:cBhvr>
+                                      <p:to>
+                                        <p:strVal val="visible"/>
+                                      </p:to>
+                                    </p:set>
+                                  </p:childTnLst>
+                                </p:cTn>
+                              </p:par>
+                            </p:childTnLst>
+                          </p:cTn>
+                        </p:par>
+                      </p:childTnLst>
+                    </p:cTn>
+                  </p:par>
+                  <p:par>
+                    <p:cTn id="31" fill="hold">
+                      <p:stCondLst>
+                        <p:cond delay="indefinite"/>
+                      </p:stCondLst>
+                      <p:childTnLst>
+                        <p:par>
+                          <p:cTn id="32" fill="hold">
+                            <p:stCondLst>
+                              <p:cond delay="0"/>
+                            </p:stCondLst>
+                            <p:childTnLst>
+                              <p:par>
+                                <p:cTn id="33" presetID="1" presetClass="entr" presetSubtype="0" fill="hold" grpId="0" nodeType="clickEffect">
+                                  <p:stCondLst>
+                                    <p:cond delay="0"/>
+                                  </p:stCondLst>
+                                  <p:childTnLst>
+                                    <p:set>
+                                      <p:cBhvr>
+                                        <p:cTn id="34" dur="1" fill="hold">
+                                          <p:stCondLst>
+                                            <p:cond delay="0"/>
+                                          </p:stCondLst>
+                                        </p:cTn>
+                                        <p:tgtEl>
+                                          <p:spTgt spid="5"/>
+                                        </p:tgtEl>
+                                        <p:attrNameLst>
+                                          <p:attrName>style.visibility</p:attrName>
+                                        </p:attrNameLst>
+                                      </p:cBhvr>
+                                      <p:to>
+                                        <p:strVal val="visible"/>
+                                      </p:to>
+                                    </p:set>
+                                  </p:childTnLst>
+                                </p:cTn>
+                              </p:par>
+                            </p:childTnLst>
+                          </p:cTn>
+                        </p:par>
+                      </p:childTnLst>
+                    </p:cTn>
+                  </p:par>
+                </p:childTnLst>
+              </p:cTn>
+              <p:prevCondLst>
+                <p:cond evt="onPrev" delay="0">
+                  <p:tgtEl>
+                    <p:sldTgt/>
+                  </p:tgtEl>
+                </p:cond>
+              </p:prevCondLst>
+              <p:nextCondLst>
+                <p:cond evt="onNext" delay="0">
+                  <p:tgtEl>
+                    <p:sldTgt/>
+                  </p:tgtEl>
+                </p:cond>
+              </p:nextCondLst>
+            </p:seq>
+          </p:childTnLst>
+        </p:cTn>
+      </p:par>
+    </p:tnLst>
+    <p:bldLst>
+      <p:bldP spid="5" grpId="0"/>
+    </p:bldLst>
+  </p:timing>
 </p:sld>
 </file>
 
-<file path=ppt/slides/slide19.xml><?xml version="1.0" encoding="utf-8"?>
+<file path=ppt/slides/slide2.xml><?xml version="1.0" encoding="utf-8"?>
+<p:sld xmlns:a="http://schemas.openxmlformats.org/drawingml/2006/main" xmlns:r="http://schemas.openxmlformats.org/officeDocument/2006/relationships" xmlns:p="http://schemas.openxmlformats.org/presentationml/2006/main">
+  <p:cSld>
+    <p:spTree>
+      <p:nvGrpSpPr>
+        <p:cNvPr id="1" name=""/>
+        <p:cNvGrpSpPr/>
+        <p:nvPr/>
+      </p:nvGrpSpPr>
+      <p:grpSpPr>
+        <a:xfrm>
+          <a:off x="0" y="0"/>
+          <a:ext cx="0" cy="0"/>
+          <a:chOff x="0" y="0"/>
+          <a:chExt cx="0" cy="0"/>
+        </a:xfrm>
+      </p:grpSpPr>
+      <p:sp>
+        <p:nvSpPr>
+          <p:cNvPr id="2" name="Title 1">
+            <a:extLst>
+              <a:ext uri="{FF2B5EF4-FFF2-40B4-BE49-F238E27FC236}">
+                <a16:creationId xmlns:a16="http://schemas.microsoft.com/office/drawing/2014/main" id="{F7B5AE51-0BC5-8C4D-91A7-0E5FCFE0B0A9}"/>
+              </a:ext>
+            </a:extLst>
+          </p:cNvPr>
+          <p:cNvSpPr>
+            <a:spLocks noGrp="1"/>
+          </p:cNvSpPr>
+          <p:nvPr>
+            <p:ph type="title"/>
+          </p:nvPr>
+        </p:nvSpPr>
+        <p:spPr/>
+        <p:txBody>
+          <a:bodyPr/>
+          <a:lstStyle/>
+          <a:p>
+            <a:r>
+              <a:rPr lang="en-US" dirty="0"/>
+              <a:t>Today</a:t>
+            </a:r>
+          </a:p>
+        </p:txBody>
+      </p:sp>
+      <p:sp>
+        <p:nvSpPr>
+          <p:cNvPr id="3" name="Content Placeholder 2">
+            <a:extLst>
+              <a:ext uri="{FF2B5EF4-FFF2-40B4-BE49-F238E27FC236}">
+                <a16:creationId xmlns:a16="http://schemas.microsoft.com/office/drawing/2014/main" id="{B97F8834-2BD2-6E4F-8320-34A68D2E96EB}"/>
+              </a:ext>
+            </a:extLst>
+          </p:cNvPr>
+          <p:cNvSpPr>
+            <a:spLocks noGrp="1"/>
+          </p:cNvSpPr>
+          <p:nvPr>
+            <p:ph idx="1"/>
+          </p:nvPr>
+        </p:nvSpPr>
+        <p:spPr/>
+        <p:txBody>
+          <a:bodyPr/>
+          <a:lstStyle/>
+          <a:p>
+            <a:r>
+              <a:rPr lang="en-US" dirty="0"/>
+              <a:t>SMT</a:t>
+            </a:r>
+          </a:p>
+          <a:p>
+            <a:r>
+              <a:rPr lang="en-US" dirty="0"/>
+              <a:t>Decision procedure for Linear Real Arithmetic</a:t>
+            </a:r>
+          </a:p>
+          <a:p>
+            <a:pPr marL="457200" lvl="1" indent="0">
+              <a:buNone/>
+            </a:pPr>
+            <a:r>
+              <a:rPr lang="en-US" dirty="0"/>
+              <a:t>Simplex Algorithm [Dantzig 1947]</a:t>
+            </a:r>
+          </a:p>
+          <a:p>
+            <a:r>
+              <a:rPr lang="en-US" dirty="0"/>
+              <a:t>Next week: Verification of Neural Networks</a:t>
+            </a:r>
+          </a:p>
+          <a:p>
+            <a:pPr marL="457200" lvl="1" indent="0">
+              <a:buNone/>
+            </a:pPr>
+            <a:r>
+              <a:rPr lang="en-US" dirty="0" err="1"/>
+              <a:t>Reluplex</a:t>
+            </a:r>
+            <a:r>
+              <a:rPr lang="en-US" dirty="0"/>
+              <a:t> [Katz et al 2017]</a:t>
+            </a:r>
+          </a:p>
+        </p:txBody>
+      </p:sp>
+    </p:spTree>
+    <p:extLst>
+      <p:ext uri="{BB962C8B-B14F-4D97-AF65-F5344CB8AC3E}">
+        <p14:creationId xmlns:p14="http://schemas.microsoft.com/office/powerpoint/2010/main" val="2120752769"/>
+      </p:ext>
+    </p:extLst>
+  </p:cSld>
+  <p:clrMapOvr>
+    <a:masterClrMapping/>
+  </p:clrMapOvr>
+</p:sld>
+</file>
+
+<file path=ppt/slides/slide20.xml><?xml version="1.0" encoding="utf-8"?>
 <p:sld xmlns:a="http://schemas.openxmlformats.org/drawingml/2006/main" xmlns:r="http://schemas.openxmlformats.org/officeDocument/2006/relationships" xmlns:p="http://schemas.openxmlformats.org/presentationml/2006/main">
   <p:cSld>
     <p:spTree>
@@ -16341,130 +23210,431 @@
   <p:clrMapOvr>
     <a:masterClrMapping/>
   </p:clrMapOvr>
+  <p:timing>
+    <p:tnLst>
+      <p:par>
+        <p:cTn id="1" dur="indefinite" restart="never" nodeType="tmRoot">
+          <p:childTnLst>
+            <p:seq concurrent="1" nextAc="seek">
+              <p:cTn id="2" dur="indefinite" nodeType="mainSeq">
+                <p:childTnLst>
+                  <p:par>
+                    <p:cTn id="3" fill="hold">
+                      <p:stCondLst>
+                        <p:cond delay="indefinite"/>
+                      </p:stCondLst>
+                      <p:childTnLst>
+                        <p:par>
+                          <p:cTn id="4" fill="hold">
+                            <p:stCondLst>
+                              <p:cond delay="0"/>
+                            </p:stCondLst>
+                            <p:childTnLst>
+                              <p:par>
+                                <p:cTn id="5" presetID="1" presetClass="entr" presetSubtype="0" fill="hold" nodeType="clickEffect">
+                                  <p:stCondLst>
+                                    <p:cond delay="0"/>
+                                  </p:stCondLst>
+                                  <p:childTnLst>
+                                    <p:set>
+                                      <p:cBhvr>
+                                        <p:cTn id="6" dur="1" fill="hold">
+                                          <p:stCondLst>
+                                            <p:cond delay="0"/>
+                                          </p:stCondLst>
+                                        </p:cTn>
+                                        <p:tgtEl>
+                                          <p:spTgt spid="3">
+                                            <p:txEl>
+                                              <p:pRg st="1" end="1"/>
+                                            </p:txEl>
+                                          </p:spTgt>
+                                        </p:tgtEl>
+                                        <p:attrNameLst>
+                                          <p:attrName>style.visibility</p:attrName>
+                                        </p:attrNameLst>
+                                      </p:cBhvr>
+                                      <p:to>
+                                        <p:strVal val="visible"/>
+                                      </p:to>
+                                    </p:set>
+                                  </p:childTnLst>
+                                </p:cTn>
+                              </p:par>
+                            </p:childTnLst>
+                          </p:cTn>
+                        </p:par>
+                      </p:childTnLst>
+                    </p:cTn>
+                  </p:par>
+                  <p:par>
+                    <p:cTn id="7" fill="hold">
+                      <p:stCondLst>
+                        <p:cond delay="indefinite"/>
+                      </p:stCondLst>
+                      <p:childTnLst>
+                        <p:par>
+                          <p:cTn id="8" fill="hold">
+                            <p:stCondLst>
+                              <p:cond delay="0"/>
+                            </p:stCondLst>
+                            <p:childTnLst>
+                              <p:par>
+                                <p:cTn id="9" presetID="1" presetClass="entr" presetSubtype="0" fill="hold" nodeType="clickEffect">
+                                  <p:stCondLst>
+                                    <p:cond delay="0"/>
+                                  </p:stCondLst>
+                                  <p:childTnLst>
+                                    <p:set>
+                                      <p:cBhvr>
+                                        <p:cTn id="10" dur="1" fill="hold">
+                                          <p:stCondLst>
+                                            <p:cond delay="0"/>
+                                          </p:stCondLst>
+                                        </p:cTn>
+                                        <p:tgtEl>
+                                          <p:spTgt spid="3">
+                                            <p:txEl>
+                                              <p:pRg st="2" end="2"/>
+                                            </p:txEl>
+                                          </p:spTgt>
+                                        </p:tgtEl>
+                                        <p:attrNameLst>
+                                          <p:attrName>style.visibility</p:attrName>
+                                        </p:attrNameLst>
+                                      </p:cBhvr>
+                                      <p:to>
+                                        <p:strVal val="visible"/>
+                                      </p:to>
+                                    </p:set>
+                                  </p:childTnLst>
+                                </p:cTn>
+                              </p:par>
+                            </p:childTnLst>
+                          </p:cTn>
+                        </p:par>
+                      </p:childTnLst>
+                    </p:cTn>
+                  </p:par>
+                  <p:par>
+                    <p:cTn id="11" fill="hold">
+                      <p:stCondLst>
+                        <p:cond delay="indefinite"/>
+                      </p:stCondLst>
+                      <p:childTnLst>
+                        <p:par>
+                          <p:cTn id="12" fill="hold">
+                            <p:stCondLst>
+                              <p:cond delay="0"/>
+                            </p:stCondLst>
+                            <p:childTnLst>
+                              <p:par>
+                                <p:cTn id="13" presetID="1" presetClass="entr" presetSubtype="0" fill="hold" nodeType="clickEffect">
+                                  <p:stCondLst>
+                                    <p:cond delay="0"/>
+                                  </p:stCondLst>
+                                  <p:childTnLst>
+                                    <p:set>
+                                      <p:cBhvr>
+                                        <p:cTn id="14" dur="1" fill="hold">
+                                          <p:stCondLst>
+                                            <p:cond delay="0"/>
+                                          </p:stCondLst>
+                                        </p:cTn>
+                                        <p:tgtEl>
+                                          <p:spTgt spid="3">
+                                            <p:txEl>
+                                              <p:pRg st="3" end="3"/>
+                                            </p:txEl>
+                                          </p:spTgt>
+                                        </p:tgtEl>
+                                        <p:attrNameLst>
+                                          <p:attrName>style.visibility</p:attrName>
+                                        </p:attrNameLst>
+                                      </p:cBhvr>
+                                      <p:to>
+                                        <p:strVal val="visible"/>
+                                      </p:to>
+                                    </p:set>
+                                  </p:childTnLst>
+                                </p:cTn>
+                              </p:par>
+                            </p:childTnLst>
+                          </p:cTn>
+                        </p:par>
+                      </p:childTnLst>
+                    </p:cTn>
+                  </p:par>
+                  <p:par>
+                    <p:cTn id="15" fill="hold">
+                      <p:stCondLst>
+                        <p:cond delay="indefinite"/>
+                      </p:stCondLst>
+                      <p:childTnLst>
+                        <p:par>
+                          <p:cTn id="16" fill="hold">
+                            <p:stCondLst>
+                              <p:cond delay="0"/>
+                            </p:stCondLst>
+                            <p:childTnLst>
+                              <p:par>
+                                <p:cTn id="17" presetID="1" presetClass="entr" presetSubtype="0" fill="hold" nodeType="clickEffect">
+                                  <p:stCondLst>
+                                    <p:cond delay="0"/>
+                                  </p:stCondLst>
+                                  <p:childTnLst>
+                                    <p:set>
+                                      <p:cBhvr>
+                                        <p:cTn id="18" dur="1" fill="hold">
+                                          <p:stCondLst>
+                                            <p:cond delay="0"/>
+                                          </p:stCondLst>
+                                        </p:cTn>
+                                        <p:tgtEl>
+                                          <p:spTgt spid="3">
+                                            <p:txEl>
+                                              <p:pRg st="4" end="4"/>
+                                            </p:txEl>
+                                          </p:spTgt>
+                                        </p:tgtEl>
+                                        <p:attrNameLst>
+                                          <p:attrName>style.visibility</p:attrName>
+                                        </p:attrNameLst>
+                                      </p:cBhvr>
+                                      <p:to>
+                                        <p:strVal val="visible"/>
+                                      </p:to>
+                                    </p:set>
+                                  </p:childTnLst>
+                                </p:cTn>
+                              </p:par>
+                            </p:childTnLst>
+                          </p:cTn>
+                        </p:par>
+                      </p:childTnLst>
+                    </p:cTn>
+                  </p:par>
+                  <p:par>
+                    <p:cTn id="19" fill="hold">
+                      <p:stCondLst>
+                        <p:cond delay="indefinite"/>
+                      </p:stCondLst>
+                      <p:childTnLst>
+                        <p:par>
+                          <p:cTn id="20" fill="hold">
+                            <p:stCondLst>
+                              <p:cond delay="0"/>
+                            </p:stCondLst>
+                            <p:childTnLst>
+                              <p:par>
+                                <p:cTn id="21" presetID="1" presetClass="entr" presetSubtype="0" fill="hold" nodeType="clickEffect">
+                                  <p:stCondLst>
+                                    <p:cond delay="0"/>
+                                  </p:stCondLst>
+                                  <p:childTnLst>
+                                    <p:set>
+                                      <p:cBhvr>
+                                        <p:cTn id="22" dur="1" fill="hold">
+                                          <p:stCondLst>
+                                            <p:cond delay="0"/>
+                                          </p:stCondLst>
+                                        </p:cTn>
+                                        <p:tgtEl>
+                                          <p:spTgt spid="3">
+                                            <p:txEl>
+                                              <p:pRg st="5" end="5"/>
+                                            </p:txEl>
+                                          </p:spTgt>
+                                        </p:tgtEl>
+                                        <p:attrNameLst>
+                                          <p:attrName>style.visibility</p:attrName>
+                                        </p:attrNameLst>
+                                      </p:cBhvr>
+                                      <p:to>
+                                        <p:strVal val="visible"/>
+                                      </p:to>
+                                    </p:set>
+                                  </p:childTnLst>
+                                </p:cTn>
+                              </p:par>
+                            </p:childTnLst>
+                          </p:cTn>
+                        </p:par>
+                      </p:childTnLst>
+                    </p:cTn>
+                  </p:par>
+                  <p:par>
+                    <p:cTn id="23" fill="hold">
+                      <p:stCondLst>
+                        <p:cond delay="indefinite"/>
+                      </p:stCondLst>
+                      <p:childTnLst>
+                        <p:par>
+                          <p:cTn id="24" fill="hold">
+                            <p:stCondLst>
+                              <p:cond delay="0"/>
+                            </p:stCondLst>
+                            <p:childTnLst>
+                              <p:par>
+                                <p:cTn id="25" presetID="1" presetClass="entr" presetSubtype="0" fill="hold" nodeType="clickEffect">
+                                  <p:stCondLst>
+                                    <p:cond delay="0"/>
+                                  </p:stCondLst>
+                                  <p:childTnLst>
+                                    <p:set>
+                                      <p:cBhvr>
+                                        <p:cTn id="26" dur="1" fill="hold">
+                                          <p:stCondLst>
+                                            <p:cond delay="0"/>
+                                          </p:stCondLst>
+                                        </p:cTn>
+                                        <p:tgtEl>
+                                          <p:spTgt spid="3">
+                                            <p:txEl>
+                                              <p:pRg st="6" end="6"/>
+                                            </p:txEl>
+                                          </p:spTgt>
+                                        </p:tgtEl>
+                                        <p:attrNameLst>
+                                          <p:attrName>style.visibility</p:attrName>
+                                        </p:attrNameLst>
+                                      </p:cBhvr>
+                                      <p:to>
+                                        <p:strVal val="visible"/>
+                                      </p:to>
+                                    </p:set>
+                                  </p:childTnLst>
+                                </p:cTn>
+                              </p:par>
+                            </p:childTnLst>
+                          </p:cTn>
+                        </p:par>
+                      </p:childTnLst>
+                    </p:cTn>
+                  </p:par>
+                  <p:par>
+                    <p:cTn id="27" fill="hold">
+                      <p:stCondLst>
+                        <p:cond delay="indefinite"/>
+                      </p:stCondLst>
+                      <p:childTnLst>
+                        <p:par>
+                          <p:cTn id="28" fill="hold">
+                            <p:stCondLst>
+                              <p:cond delay="0"/>
+                            </p:stCondLst>
+                            <p:childTnLst>
+                              <p:par>
+                                <p:cTn id="29" presetID="1" presetClass="entr" presetSubtype="0" fill="hold" nodeType="clickEffect">
+                                  <p:stCondLst>
+                                    <p:cond delay="0"/>
+                                  </p:stCondLst>
+                                  <p:childTnLst>
+                                    <p:set>
+                                      <p:cBhvr>
+                                        <p:cTn id="30" dur="1" fill="hold">
+                                          <p:stCondLst>
+                                            <p:cond delay="0"/>
+                                          </p:stCondLst>
+                                        </p:cTn>
+                                        <p:tgtEl>
+                                          <p:spTgt spid="3">
+                                            <p:txEl>
+                                              <p:pRg st="7" end="7"/>
+                                            </p:txEl>
+                                          </p:spTgt>
+                                        </p:tgtEl>
+                                        <p:attrNameLst>
+                                          <p:attrName>style.visibility</p:attrName>
+                                        </p:attrNameLst>
+                                      </p:cBhvr>
+                                      <p:to>
+                                        <p:strVal val="visible"/>
+                                      </p:to>
+                                    </p:set>
+                                  </p:childTnLst>
+                                </p:cTn>
+                              </p:par>
+                            </p:childTnLst>
+                          </p:cTn>
+                        </p:par>
+                      </p:childTnLst>
+                    </p:cTn>
+                  </p:par>
+                  <p:par>
+                    <p:cTn id="31" fill="hold">
+                      <p:stCondLst>
+                        <p:cond delay="indefinite"/>
+                      </p:stCondLst>
+                      <p:childTnLst>
+                        <p:par>
+                          <p:cTn id="32" fill="hold">
+                            <p:stCondLst>
+                              <p:cond delay="0"/>
+                            </p:stCondLst>
+                            <p:childTnLst>
+                              <p:par>
+                                <p:cTn id="33" presetID="1" presetClass="entr" presetSubtype="0" fill="hold" grpId="0" nodeType="clickEffect">
+                                  <p:stCondLst>
+                                    <p:cond delay="0"/>
+                                  </p:stCondLst>
+                                  <p:childTnLst>
+                                    <p:set>
+                                      <p:cBhvr>
+                                        <p:cTn id="34" dur="1" fill="hold">
+                                          <p:stCondLst>
+                                            <p:cond delay="0"/>
+                                          </p:stCondLst>
+                                        </p:cTn>
+                                        <p:tgtEl>
+                                          <p:spTgt spid="6"/>
+                                        </p:tgtEl>
+                                        <p:attrNameLst>
+                                          <p:attrName>style.visibility</p:attrName>
+                                        </p:attrNameLst>
+                                      </p:cBhvr>
+                                      <p:to>
+                                        <p:strVal val="visible"/>
+                                      </p:to>
+                                    </p:set>
+                                  </p:childTnLst>
+                                </p:cTn>
+                              </p:par>
+                            </p:childTnLst>
+                          </p:cTn>
+                        </p:par>
+                      </p:childTnLst>
+                    </p:cTn>
+                  </p:par>
+                </p:childTnLst>
+              </p:cTn>
+              <p:prevCondLst>
+                <p:cond evt="onPrev" delay="0">
+                  <p:tgtEl>
+                    <p:sldTgt/>
+                  </p:tgtEl>
+                </p:cond>
+              </p:prevCondLst>
+              <p:nextCondLst>
+                <p:cond evt="onNext" delay="0">
+                  <p:tgtEl>
+                    <p:sldTgt/>
+                  </p:tgtEl>
+                </p:cond>
+              </p:nextCondLst>
+            </p:seq>
+          </p:childTnLst>
+        </p:cTn>
+      </p:par>
+    </p:tnLst>
+    <p:bldLst>
+      <p:bldP spid="6" grpId="0"/>
+    </p:bldLst>
+  </p:timing>
 </p:sld>
 </file>
 
-<file path=ppt/slides/slide2.xml><?xml version="1.0" encoding="utf-8"?>
-<p:sld xmlns:a="http://schemas.openxmlformats.org/drawingml/2006/main" xmlns:r="http://schemas.openxmlformats.org/officeDocument/2006/relationships" xmlns:p="http://schemas.openxmlformats.org/presentationml/2006/main">
-  <p:cSld>
-    <p:spTree>
-      <p:nvGrpSpPr>
-        <p:cNvPr id="1" name=""/>
-        <p:cNvGrpSpPr/>
-        <p:nvPr/>
-      </p:nvGrpSpPr>
-      <p:grpSpPr>
-        <a:xfrm>
-          <a:off x="0" y="0"/>
-          <a:ext cx="0" cy="0"/>
-          <a:chOff x="0" y="0"/>
-          <a:chExt cx="0" cy="0"/>
-        </a:xfrm>
-      </p:grpSpPr>
-      <p:sp>
-        <p:nvSpPr>
-          <p:cNvPr id="2" name="Title 1">
-            <a:extLst>
-              <a:ext uri="{FF2B5EF4-FFF2-40B4-BE49-F238E27FC236}">
-                <a16:creationId xmlns:a16="http://schemas.microsoft.com/office/drawing/2014/main" id="{F7B5AE51-0BC5-8C4D-91A7-0E5FCFE0B0A9}"/>
-              </a:ext>
-            </a:extLst>
-          </p:cNvPr>
-          <p:cNvSpPr>
-            <a:spLocks noGrp="1"/>
-          </p:cNvSpPr>
-          <p:nvPr>
-            <p:ph type="title"/>
-          </p:nvPr>
-        </p:nvSpPr>
-        <p:spPr/>
-        <p:txBody>
-          <a:bodyPr/>
-          <a:lstStyle/>
-          <a:p>
-            <a:r>
-              <a:rPr lang="en-US" dirty="0"/>
-              <a:t>Today</a:t>
-            </a:r>
-          </a:p>
-        </p:txBody>
-      </p:sp>
-      <p:sp>
-        <p:nvSpPr>
-          <p:cNvPr id="3" name="Content Placeholder 2">
-            <a:extLst>
-              <a:ext uri="{FF2B5EF4-FFF2-40B4-BE49-F238E27FC236}">
-                <a16:creationId xmlns:a16="http://schemas.microsoft.com/office/drawing/2014/main" id="{B97F8834-2BD2-6E4F-8320-34A68D2E96EB}"/>
-              </a:ext>
-            </a:extLst>
-          </p:cNvPr>
-          <p:cNvSpPr>
-            <a:spLocks noGrp="1"/>
-          </p:cNvSpPr>
-          <p:nvPr>
-            <p:ph idx="1"/>
-          </p:nvPr>
-        </p:nvSpPr>
-        <p:spPr/>
-        <p:txBody>
-          <a:bodyPr/>
-          <a:lstStyle/>
-          <a:p>
-            <a:r>
-              <a:rPr lang="en-US" dirty="0"/>
-              <a:t>SMT</a:t>
-            </a:r>
-          </a:p>
-          <a:p>
-            <a:r>
-              <a:rPr lang="en-US" dirty="0"/>
-              <a:t>Decision procedure for Linear Real Arithmetic</a:t>
-            </a:r>
-          </a:p>
-          <a:p>
-            <a:pPr marL="457200" lvl="1" indent="0">
-              <a:buNone/>
-            </a:pPr>
-            <a:r>
-              <a:rPr lang="en-US" dirty="0"/>
-              <a:t>Simplex Algorithm [Dantzig 1947]</a:t>
-            </a:r>
-          </a:p>
-          <a:p>
-            <a:r>
-              <a:rPr lang="en-US" dirty="0"/>
-              <a:t>Next week: Verification of Neural Networks</a:t>
-            </a:r>
-          </a:p>
-          <a:p>
-            <a:pPr marL="457200" lvl="1" indent="0">
-              <a:buNone/>
-            </a:pPr>
-            <a:r>
-              <a:rPr lang="en-US" dirty="0" err="1"/>
-              <a:t>Reluplex</a:t>
-            </a:r>
-            <a:r>
-              <a:rPr lang="en-US" dirty="0"/>
-              <a:t> [Katz et al 2017]</a:t>
-            </a:r>
-          </a:p>
-        </p:txBody>
-      </p:sp>
-    </p:spTree>
-    <p:extLst>
-      <p:ext uri="{BB962C8B-B14F-4D97-AF65-F5344CB8AC3E}">
-        <p14:creationId xmlns:p14="http://schemas.microsoft.com/office/powerpoint/2010/main" val="2120752769"/>
-      </p:ext>
-    </p:extLst>
-  </p:cSld>
-  <p:clrMapOvr>
-    <a:masterClrMapping/>
-  </p:clrMapOvr>
-</p:sld>
-</file>
-
-<file path=ppt/slides/slide20.xml><?xml version="1.0" encoding="utf-8"?>
+<file path=ppt/slides/slide21.xml><?xml version="1.0" encoding="utf-8"?>
 <p:sld xmlns:a="http://schemas.openxmlformats.org/drawingml/2006/main" xmlns:r="http://schemas.openxmlformats.org/officeDocument/2006/relationships" xmlns:p="http://schemas.openxmlformats.org/presentationml/2006/main">
   <p:cSld>
     <p:spTree>
@@ -16733,10 +23903,236 @@
   <p:clrMapOvr>
     <a:masterClrMapping/>
   </p:clrMapOvr>
+  <p:timing>
+    <p:tnLst>
+      <p:par>
+        <p:cTn id="1" dur="indefinite" restart="never" nodeType="tmRoot">
+          <p:childTnLst>
+            <p:seq concurrent="1" nextAc="seek">
+              <p:cTn id="2" dur="indefinite" nodeType="mainSeq">
+                <p:childTnLst>
+                  <p:par>
+                    <p:cTn id="3" fill="hold">
+                      <p:stCondLst>
+                        <p:cond delay="indefinite"/>
+                      </p:stCondLst>
+                      <p:childTnLst>
+                        <p:par>
+                          <p:cTn id="4" fill="hold">
+                            <p:stCondLst>
+                              <p:cond delay="0"/>
+                            </p:stCondLst>
+                            <p:childTnLst>
+                              <p:par>
+                                <p:cTn id="5" presetID="1" presetClass="entr" presetSubtype="0" fill="hold" nodeType="clickEffect">
+                                  <p:stCondLst>
+                                    <p:cond delay="0"/>
+                                  </p:stCondLst>
+                                  <p:childTnLst>
+                                    <p:set>
+                                      <p:cBhvr>
+                                        <p:cTn id="6" dur="1" fill="hold">
+                                          <p:stCondLst>
+                                            <p:cond delay="0"/>
+                                          </p:stCondLst>
+                                        </p:cTn>
+                                        <p:tgtEl>
+                                          <p:spTgt spid="3">
+                                            <p:txEl>
+                                              <p:pRg st="1" end="1"/>
+                                            </p:txEl>
+                                          </p:spTgt>
+                                        </p:tgtEl>
+                                        <p:attrNameLst>
+                                          <p:attrName>style.visibility</p:attrName>
+                                        </p:attrNameLst>
+                                      </p:cBhvr>
+                                      <p:to>
+                                        <p:strVal val="visible"/>
+                                      </p:to>
+                                    </p:set>
+                                  </p:childTnLst>
+                                </p:cTn>
+                              </p:par>
+                            </p:childTnLst>
+                          </p:cTn>
+                        </p:par>
+                      </p:childTnLst>
+                    </p:cTn>
+                  </p:par>
+                  <p:par>
+                    <p:cTn id="7" fill="hold">
+                      <p:stCondLst>
+                        <p:cond delay="indefinite"/>
+                      </p:stCondLst>
+                      <p:childTnLst>
+                        <p:par>
+                          <p:cTn id="8" fill="hold">
+                            <p:stCondLst>
+                              <p:cond delay="0"/>
+                            </p:stCondLst>
+                            <p:childTnLst>
+                              <p:par>
+                                <p:cTn id="9" presetID="1" presetClass="entr" presetSubtype="0" fill="hold" nodeType="clickEffect">
+                                  <p:stCondLst>
+                                    <p:cond delay="0"/>
+                                  </p:stCondLst>
+                                  <p:childTnLst>
+                                    <p:set>
+                                      <p:cBhvr>
+                                        <p:cTn id="10" dur="1" fill="hold">
+                                          <p:stCondLst>
+                                            <p:cond delay="0"/>
+                                          </p:stCondLst>
+                                        </p:cTn>
+                                        <p:tgtEl>
+                                          <p:spTgt spid="3">
+                                            <p:txEl>
+                                              <p:pRg st="3" end="3"/>
+                                            </p:txEl>
+                                          </p:spTgt>
+                                        </p:tgtEl>
+                                        <p:attrNameLst>
+                                          <p:attrName>style.visibility</p:attrName>
+                                        </p:attrNameLst>
+                                      </p:cBhvr>
+                                      <p:to>
+                                        <p:strVal val="visible"/>
+                                      </p:to>
+                                    </p:set>
+                                  </p:childTnLst>
+                                </p:cTn>
+                              </p:par>
+                            </p:childTnLst>
+                          </p:cTn>
+                        </p:par>
+                      </p:childTnLst>
+                    </p:cTn>
+                  </p:par>
+                  <p:par>
+                    <p:cTn id="11" fill="hold">
+                      <p:stCondLst>
+                        <p:cond delay="indefinite"/>
+                      </p:stCondLst>
+                      <p:childTnLst>
+                        <p:par>
+                          <p:cTn id="12" fill="hold">
+                            <p:stCondLst>
+                              <p:cond delay="0"/>
+                            </p:stCondLst>
+                            <p:childTnLst>
+                              <p:par>
+                                <p:cTn id="13" presetID="1" presetClass="entr" presetSubtype="0" fill="hold" nodeType="clickEffect">
+                                  <p:stCondLst>
+                                    <p:cond delay="0"/>
+                                  </p:stCondLst>
+                                  <p:childTnLst>
+                                    <p:set>
+                                      <p:cBhvr>
+                                        <p:cTn id="14" dur="1" fill="hold">
+                                          <p:stCondLst>
+                                            <p:cond delay="0"/>
+                                          </p:stCondLst>
+                                        </p:cTn>
+                                        <p:tgtEl>
+                                          <p:spTgt spid="3">
+                                            <p:txEl>
+                                              <p:pRg st="4" end="4"/>
+                                            </p:txEl>
+                                          </p:spTgt>
+                                        </p:tgtEl>
+                                        <p:attrNameLst>
+                                          <p:attrName>style.visibility</p:attrName>
+                                        </p:attrNameLst>
+                                      </p:cBhvr>
+                                      <p:to>
+                                        <p:strVal val="visible"/>
+                                      </p:to>
+                                    </p:set>
+                                  </p:childTnLst>
+                                </p:cTn>
+                              </p:par>
+                            </p:childTnLst>
+                          </p:cTn>
+                        </p:par>
+                      </p:childTnLst>
+                    </p:cTn>
+                  </p:par>
+                  <p:par>
+                    <p:cTn id="15" fill="hold">
+                      <p:stCondLst>
+                        <p:cond delay="indefinite"/>
+                      </p:stCondLst>
+                      <p:childTnLst>
+                        <p:par>
+                          <p:cTn id="16" fill="hold">
+                            <p:stCondLst>
+                              <p:cond delay="0"/>
+                            </p:stCondLst>
+                            <p:childTnLst>
+                              <p:par>
+                                <p:cTn id="17" presetID="1" presetClass="entr" presetSubtype="0" fill="hold" nodeType="clickEffect">
+                                  <p:stCondLst>
+                                    <p:cond delay="0"/>
+                                  </p:stCondLst>
+                                  <p:childTnLst>
+                                    <p:set>
+                                      <p:cBhvr>
+                                        <p:cTn id="18" dur="1" fill="hold">
+                                          <p:stCondLst>
+                                            <p:cond delay="0"/>
+                                          </p:stCondLst>
+                                        </p:cTn>
+                                        <p:tgtEl>
+                                          <p:spTgt spid="3">
+                                            <p:txEl>
+                                              <p:pRg st="5" end="5"/>
+                                            </p:txEl>
+                                          </p:spTgt>
+                                        </p:tgtEl>
+                                        <p:attrNameLst>
+                                          <p:attrName>style.visibility</p:attrName>
+                                        </p:attrNameLst>
+                                      </p:cBhvr>
+                                      <p:to>
+                                        <p:strVal val="visible"/>
+                                      </p:to>
+                                    </p:set>
+                                  </p:childTnLst>
+                                </p:cTn>
+                              </p:par>
+                            </p:childTnLst>
+                          </p:cTn>
+                        </p:par>
+                      </p:childTnLst>
+                    </p:cTn>
+                  </p:par>
+                </p:childTnLst>
+              </p:cTn>
+              <p:prevCondLst>
+                <p:cond evt="onPrev" delay="0">
+                  <p:tgtEl>
+                    <p:sldTgt/>
+                  </p:tgtEl>
+                </p:cond>
+              </p:prevCondLst>
+              <p:nextCondLst>
+                <p:cond evt="onNext" delay="0">
+                  <p:tgtEl>
+                    <p:sldTgt/>
+                  </p:tgtEl>
+                </p:cond>
+              </p:nextCondLst>
+            </p:seq>
+          </p:childTnLst>
+        </p:cTn>
+      </p:par>
+    </p:tnLst>
+  </p:timing>
 </p:sld>
 </file>
 
-<file path=ppt/slides/slide21.xml><?xml version="1.0" encoding="utf-8"?>
+<file path=ppt/slides/slide22.xml><?xml version="1.0" encoding="utf-8"?>
 <p:sld xmlns:a="http://schemas.openxmlformats.org/drawingml/2006/main" xmlns:r="http://schemas.openxmlformats.org/officeDocument/2006/relationships" xmlns:p="http://schemas.openxmlformats.org/presentationml/2006/main">
   <p:cSld>
     <p:spTree>
@@ -18804,10 +26200,649 @@
   <p:clrMapOvr>
     <a:masterClrMapping/>
   </p:clrMapOvr>
+  <p:timing>
+    <p:tnLst>
+      <p:par>
+        <p:cTn id="1" dur="indefinite" restart="never" nodeType="tmRoot">
+          <p:childTnLst>
+            <p:seq concurrent="1" nextAc="seek">
+              <p:cTn id="2" dur="indefinite" nodeType="mainSeq">
+                <p:childTnLst>
+                  <p:par>
+                    <p:cTn id="3" fill="hold">
+                      <p:stCondLst>
+                        <p:cond delay="indefinite"/>
+                      </p:stCondLst>
+                      <p:childTnLst>
+                        <p:par>
+                          <p:cTn id="4" fill="hold">
+                            <p:stCondLst>
+                              <p:cond delay="0"/>
+                            </p:stCondLst>
+                            <p:childTnLst>
+                              <p:par>
+                                <p:cTn id="5" presetID="1" presetClass="entr" presetSubtype="0" fill="hold" nodeType="clickEffect">
+                                  <p:stCondLst>
+                                    <p:cond delay="0"/>
+                                  </p:stCondLst>
+                                  <p:childTnLst>
+                                    <p:set>
+                                      <p:cBhvr>
+                                        <p:cTn id="6" dur="1" fill="hold">
+                                          <p:stCondLst>
+                                            <p:cond delay="0"/>
+                                          </p:stCondLst>
+                                        </p:cTn>
+                                        <p:tgtEl>
+                                          <p:spTgt spid="3">
+                                            <p:txEl>
+                                              <p:pRg st="6" end="6"/>
+                                            </p:txEl>
+                                          </p:spTgt>
+                                        </p:tgtEl>
+                                        <p:attrNameLst>
+                                          <p:attrName>style.visibility</p:attrName>
+                                        </p:attrNameLst>
+                                      </p:cBhvr>
+                                      <p:to>
+                                        <p:strVal val="visible"/>
+                                      </p:to>
+                                    </p:set>
+                                  </p:childTnLst>
+                                </p:cTn>
+                              </p:par>
+                              <p:par>
+                                <p:cTn id="7" presetID="1" presetClass="entr" presetSubtype="0" fill="hold" nodeType="withEffect">
+                                  <p:stCondLst>
+                                    <p:cond delay="0"/>
+                                  </p:stCondLst>
+                                  <p:childTnLst>
+                                    <p:set>
+                                      <p:cBhvr>
+                                        <p:cTn id="8" dur="1" fill="hold">
+                                          <p:stCondLst>
+                                            <p:cond delay="0"/>
+                                          </p:stCondLst>
+                                        </p:cTn>
+                                        <p:tgtEl>
+                                          <p:spTgt spid="3">
+                                            <p:txEl>
+                                              <p:pRg st="7" end="7"/>
+                                            </p:txEl>
+                                          </p:spTgt>
+                                        </p:tgtEl>
+                                        <p:attrNameLst>
+                                          <p:attrName>style.visibility</p:attrName>
+                                        </p:attrNameLst>
+                                      </p:cBhvr>
+                                      <p:to>
+                                        <p:strVal val="visible"/>
+                                      </p:to>
+                                    </p:set>
+                                  </p:childTnLst>
+                                </p:cTn>
+                              </p:par>
+                              <p:par>
+                                <p:cTn id="9" presetID="1" presetClass="entr" presetSubtype="0" fill="hold" nodeType="withEffect">
+                                  <p:stCondLst>
+                                    <p:cond delay="0"/>
+                                  </p:stCondLst>
+                                  <p:childTnLst>
+                                    <p:set>
+                                      <p:cBhvr>
+                                        <p:cTn id="10" dur="1" fill="hold">
+                                          <p:stCondLst>
+                                            <p:cond delay="0"/>
+                                          </p:stCondLst>
+                                        </p:cTn>
+                                        <p:tgtEl>
+                                          <p:spTgt spid="3">
+                                            <p:txEl>
+                                              <p:pRg st="8" end="8"/>
+                                            </p:txEl>
+                                          </p:spTgt>
+                                        </p:tgtEl>
+                                        <p:attrNameLst>
+                                          <p:attrName>style.visibility</p:attrName>
+                                        </p:attrNameLst>
+                                      </p:cBhvr>
+                                      <p:to>
+                                        <p:strVal val="visible"/>
+                                      </p:to>
+                                    </p:set>
+                                  </p:childTnLst>
+                                </p:cTn>
+                              </p:par>
+                              <p:par>
+                                <p:cTn id="11" presetID="1" presetClass="entr" presetSubtype="0" fill="hold" nodeType="withEffect">
+                                  <p:stCondLst>
+                                    <p:cond delay="0"/>
+                                  </p:stCondLst>
+                                  <p:childTnLst>
+                                    <p:set>
+                                      <p:cBhvr>
+                                        <p:cTn id="12" dur="1" fill="hold">
+                                          <p:stCondLst>
+                                            <p:cond delay="0"/>
+                                          </p:stCondLst>
+                                        </p:cTn>
+                                        <p:tgtEl>
+                                          <p:spTgt spid="3">
+                                            <p:txEl>
+                                              <p:pRg st="9" end="9"/>
+                                            </p:txEl>
+                                          </p:spTgt>
+                                        </p:tgtEl>
+                                        <p:attrNameLst>
+                                          <p:attrName>style.visibility</p:attrName>
+                                        </p:attrNameLst>
+                                      </p:cBhvr>
+                                      <p:to>
+                                        <p:strVal val="visible"/>
+                                      </p:to>
+                                    </p:set>
+                                  </p:childTnLst>
+                                </p:cTn>
+                              </p:par>
+                              <p:par>
+                                <p:cTn id="13" presetID="1" presetClass="entr" presetSubtype="0" fill="hold" nodeType="withEffect">
+                                  <p:stCondLst>
+                                    <p:cond delay="0"/>
+                                  </p:stCondLst>
+                                  <p:childTnLst>
+                                    <p:set>
+                                      <p:cBhvr>
+                                        <p:cTn id="14" dur="1" fill="hold">
+                                          <p:stCondLst>
+                                            <p:cond delay="0"/>
+                                          </p:stCondLst>
+                                        </p:cTn>
+                                        <p:tgtEl>
+                                          <p:spTgt spid="3">
+                                            <p:txEl>
+                                              <p:pRg st="10" end="10"/>
+                                            </p:txEl>
+                                          </p:spTgt>
+                                        </p:tgtEl>
+                                        <p:attrNameLst>
+                                          <p:attrName>style.visibility</p:attrName>
+                                        </p:attrNameLst>
+                                      </p:cBhvr>
+                                      <p:to>
+                                        <p:strVal val="visible"/>
+                                      </p:to>
+                                    </p:set>
+                                  </p:childTnLst>
+                                </p:cTn>
+                              </p:par>
+                            </p:childTnLst>
+                          </p:cTn>
+                        </p:par>
+                      </p:childTnLst>
+                    </p:cTn>
+                  </p:par>
+                  <p:par>
+                    <p:cTn id="15" fill="hold">
+                      <p:stCondLst>
+                        <p:cond delay="indefinite"/>
+                      </p:stCondLst>
+                      <p:childTnLst>
+                        <p:par>
+                          <p:cTn id="16" fill="hold">
+                            <p:stCondLst>
+                              <p:cond delay="0"/>
+                            </p:stCondLst>
+                            <p:childTnLst>
+                              <p:par>
+                                <p:cTn id="17" presetID="1" presetClass="entr" presetSubtype="0" fill="hold" nodeType="clickEffect">
+                                  <p:stCondLst>
+                                    <p:cond delay="0"/>
+                                  </p:stCondLst>
+                                  <p:childTnLst>
+                                    <p:set>
+                                      <p:cBhvr>
+                                        <p:cTn id="18" dur="1" fill="hold">
+                                          <p:stCondLst>
+                                            <p:cond delay="0"/>
+                                          </p:stCondLst>
+                                        </p:cTn>
+                                        <p:tgtEl>
+                                          <p:spTgt spid="3">
+                                            <p:txEl>
+                                              <p:pRg st="11" end="11"/>
+                                            </p:txEl>
+                                          </p:spTgt>
+                                        </p:tgtEl>
+                                        <p:attrNameLst>
+                                          <p:attrName>style.visibility</p:attrName>
+                                        </p:attrNameLst>
+                                      </p:cBhvr>
+                                      <p:to>
+                                        <p:strVal val="visible"/>
+                                      </p:to>
+                                    </p:set>
+                                  </p:childTnLst>
+                                </p:cTn>
+                              </p:par>
+                              <p:par>
+                                <p:cTn id="19" presetID="1" presetClass="entr" presetSubtype="0" fill="hold" nodeType="withEffect">
+                                  <p:stCondLst>
+                                    <p:cond delay="0"/>
+                                  </p:stCondLst>
+                                  <p:childTnLst>
+                                    <p:set>
+                                      <p:cBhvr>
+                                        <p:cTn id="20" dur="1" fill="hold">
+                                          <p:stCondLst>
+                                            <p:cond delay="0"/>
+                                          </p:stCondLst>
+                                        </p:cTn>
+                                        <p:tgtEl>
+                                          <p:spTgt spid="3">
+                                            <p:txEl>
+                                              <p:pRg st="12" end="12"/>
+                                            </p:txEl>
+                                          </p:spTgt>
+                                        </p:tgtEl>
+                                        <p:attrNameLst>
+                                          <p:attrName>style.visibility</p:attrName>
+                                        </p:attrNameLst>
+                                      </p:cBhvr>
+                                      <p:to>
+                                        <p:strVal val="visible"/>
+                                      </p:to>
+                                    </p:set>
+                                  </p:childTnLst>
+                                </p:cTn>
+                              </p:par>
+                              <p:par>
+                                <p:cTn id="21" presetID="1" presetClass="entr" presetSubtype="0" fill="hold" nodeType="withEffect">
+                                  <p:stCondLst>
+                                    <p:cond delay="0"/>
+                                  </p:stCondLst>
+                                  <p:childTnLst>
+                                    <p:set>
+                                      <p:cBhvr>
+                                        <p:cTn id="22" dur="1" fill="hold">
+                                          <p:stCondLst>
+                                            <p:cond delay="0"/>
+                                          </p:stCondLst>
+                                        </p:cTn>
+                                        <p:tgtEl>
+                                          <p:spTgt spid="3">
+                                            <p:txEl>
+                                              <p:pRg st="13" end="13"/>
+                                            </p:txEl>
+                                          </p:spTgt>
+                                        </p:tgtEl>
+                                        <p:attrNameLst>
+                                          <p:attrName>style.visibility</p:attrName>
+                                        </p:attrNameLst>
+                                      </p:cBhvr>
+                                      <p:to>
+                                        <p:strVal val="visible"/>
+                                      </p:to>
+                                    </p:set>
+                                  </p:childTnLst>
+                                </p:cTn>
+                              </p:par>
+                              <p:par>
+                                <p:cTn id="23" presetID="1" presetClass="entr" presetSubtype="0" fill="hold" nodeType="withEffect">
+                                  <p:stCondLst>
+                                    <p:cond delay="0"/>
+                                  </p:stCondLst>
+                                  <p:childTnLst>
+                                    <p:set>
+                                      <p:cBhvr>
+                                        <p:cTn id="24" dur="1" fill="hold">
+                                          <p:stCondLst>
+                                            <p:cond delay="0"/>
+                                          </p:stCondLst>
+                                        </p:cTn>
+                                        <p:tgtEl>
+                                          <p:spTgt spid="3">
+                                            <p:txEl>
+                                              <p:pRg st="14" end="14"/>
+                                            </p:txEl>
+                                          </p:spTgt>
+                                        </p:tgtEl>
+                                        <p:attrNameLst>
+                                          <p:attrName>style.visibility</p:attrName>
+                                        </p:attrNameLst>
+                                      </p:cBhvr>
+                                      <p:to>
+                                        <p:strVal val="visible"/>
+                                      </p:to>
+                                    </p:set>
+                                  </p:childTnLst>
+                                </p:cTn>
+                              </p:par>
+                            </p:childTnLst>
+                          </p:cTn>
+                        </p:par>
+                      </p:childTnLst>
+                    </p:cTn>
+                  </p:par>
+                  <p:par>
+                    <p:cTn id="25" fill="hold">
+                      <p:stCondLst>
+                        <p:cond delay="indefinite"/>
+                      </p:stCondLst>
+                      <p:childTnLst>
+                        <p:par>
+                          <p:cTn id="26" fill="hold">
+                            <p:stCondLst>
+                              <p:cond delay="0"/>
+                            </p:stCondLst>
+                            <p:childTnLst>
+                              <p:par>
+                                <p:cTn id="27" presetID="1" presetClass="entr" presetSubtype="0" fill="hold" nodeType="clickEffect">
+                                  <p:stCondLst>
+                                    <p:cond delay="0"/>
+                                  </p:stCondLst>
+                                  <p:childTnLst>
+                                    <p:set>
+                                      <p:cBhvr>
+                                        <p:cTn id="28" dur="1" fill="hold">
+                                          <p:stCondLst>
+                                            <p:cond delay="0"/>
+                                          </p:stCondLst>
+                                        </p:cTn>
+                                        <p:tgtEl>
+                                          <p:spTgt spid="4">
+                                            <p:txEl>
+                                              <p:pRg st="1" end="1"/>
+                                            </p:txEl>
+                                          </p:spTgt>
+                                        </p:tgtEl>
+                                        <p:attrNameLst>
+                                          <p:attrName>style.visibility</p:attrName>
+                                        </p:attrNameLst>
+                                      </p:cBhvr>
+                                      <p:to>
+                                        <p:strVal val="visible"/>
+                                      </p:to>
+                                    </p:set>
+                                  </p:childTnLst>
+                                </p:cTn>
+                              </p:par>
+                            </p:childTnLst>
+                          </p:cTn>
+                        </p:par>
+                      </p:childTnLst>
+                    </p:cTn>
+                  </p:par>
+                  <p:par>
+                    <p:cTn id="29" fill="hold">
+                      <p:stCondLst>
+                        <p:cond delay="indefinite"/>
+                      </p:stCondLst>
+                      <p:childTnLst>
+                        <p:par>
+                          <p:cTn id="30" fill="hold">
+                            <p:stCondLst>
+                              <p:cond delay="0"/>
+                            </p:stCondLst>
+                            <p:childTnLst>
+                              <p:par>
+                                <p:cTn id="31" presetID="1" presetClass="entr" presetSubtype="0" fill="hold" nodeType="clickEffect">
+                                  <p:stCondLst>
+                                    <p:cond delay="0"/>
+                                  </p:stCondLst>
+                                  <p:childTnLst>
+                                    <p:set>
+                                      <p:cBhvr>
+                                        <p:cTn id="32" dur="1" fill="hold">
+                                          <p:stCondLst>
+                                            <p:cond delay="0"/>
+                                          </p:stCondLst>
+                                        </p:cTn>
+                                        <p:tgtEl>
+                                          <p:spTgt spid="4">
+                                            <p:txEl>
+                                              <p:pRg st="2" end="2"/>
+                                            </p:txEl>
+                                          </p:spTgt>
+                                        </p:tgtEl>
+                                        <p:attrNameLst>
+                                          <p:attrName>style.visibility</p:attrName>
+                                        </p:attrNameLst>
+                                      </p:cBhvr>
+                                      <p:to>
+                                        <p:strVal val="visible"/>
+                                      </p:to>
+                                    </p:set>
+                                  </p:childTnLst>
+                                </p:cTn>
+                              </p:par>
+                            </p:childTnLst>
+                          </p:cTn>
+                        </p:par>
+                      </p:childTnLst>
+                    </p:cTn>
+                  </p:par>
+                  <p:par>
+                    <p:cTn id="33" fill="hold">
+                      <p:stCondLst>
+                        <p:cond delay="indefinite"/>
+                      </p:stCondLst>
+                      <p:childTnLst>
+                        <p:par>
+                          <p:cTn id="34" fill="hold">
+                            <p:stCondLst>
+                              <p:cond delay="0"/>
+                            </p:stCondLst>
+                            <p:childTnLst>
+                              <p:par>
+                                <p:cTn id="35" presetID="1" presetClass="entr" presetSubtype="0" fill="hold" nodeType="clickEffect">
+                                  <p:stCondLst>
+                                    <p:cond delay="0"/>
+                                  </p:stCondLst>
+                                  <p:childTnLst>
+                                    <p:set>
+                                      <p:cBhvr>
+                                        <p:cTn id="36" dur="1" fill="hold">
+                                          <p:stCondLst>
+                                            <p:cond delay="0"/>
+                                          </p:stCondLst>
+                                        </p:cTn>
+                                        <p:tgtEl>
+                                          <p:spTgt spid="4">
+                                            <p:txEl>
+                                              <p:pRg st="3" end="3"/>
+                                            </p:txEl>
+                                          </p:spTgt>
+                                        </p:tgtEl>
+                                        <p:attrNameLst>
+                                          <p:attrName>style.visibility</p:attrName>
+                                        </p:attrNameLst>
+                                      </p:cBhvr>
+                                      <p:to>
+                                        <p:strVal val="visible"/>
+                                      </p:to>
+                                    </p:set>
+                                  </p:childTnLst>
+                                </p:cTn>
+                              </p:par>
+                            </p:childTnLst>
+                          </p:cTn>
+                        </p:par>
+                      </p:childTnLst>
+                    </p:cTn>
+                  </p:par>
+                  <p:par>
+                    <p:cTn id="37" fill="hold">
+                      <p:stCondLst>
+                        <p:cond delay="indefinite"/>
+                      </p:stCondLst>
+                      <p:childTnLst>
+                        <p:par>
+                          <p:cTn id="38" fill="hold">
+                            <p:stCondLst>
+                              <p:cond delay="0"/>
+                            </p:stCondLst>
+                            <p:childTnLst>
+                              <p:par>
+                                <p:cTn id="39" presetID="1" presetClass="entr" presetSubtype="0" fill="hold" nodeType="clickEffect">
+                                  <p:stCondLst>
+                                    <p:cond delay="0"/>
+                                  </p:stCondLst>
+                                  <p:childTnLst>
+                                    <p:set>
+                                      <p:cBhvr>
+                                        <p:cTn id="40" dur="1" fill="hold">
+                                          <p:stCondLst>
+                                            <p:cond delay="0"/>
+                                          </p:stCondLst>
+                                        </p:cTn>
+                                        <p:tgtEl>
+                                          <p:spTgt spid="4">
+                                            <p:txEl>
+                                              <p:pRg st="4" end="4"/>
+                                            </p:txEl>
+                                          </p:spTgt>
+                                        </p:tgtEl>
+                                        <p:attrNameLst>
+                                          <p:attrName>style.visibility</p:attrName>
+                                        </p:attrNameLst>
+                                      </p:cBhvr>
+                                      <p:to>
+                                        <p:strVal val="visible"/>
+                                      </p:to>
+                                    </p:set>
+                                  </p:childTnLst>
+                                </p:cTn>
+                              </p:par>
+                            </p:childTnLst>
+                          </p:cTn>
+                        </p:par>
+                      </p:childTnLst>
+                    </p:cTn>
+                  </p:par>
+                  <p:par>
+                    <p:cTn id="41" fill="hold">
+                      <p:stCondLst>
+                        <p:cond delay="indefinite"/>
+                      </p:stCondLst>
+                      <p:childTnLst>
+                        <p:par>
+                          <p:cTn id="42" fill="hold">
+                            <p:stCondLst>
+                              <p:cond delay="0"/>
+                            </p:stCondLst>
+                            <p:childTnLst>
+                              <p:par>
+                                <p:cTn id="43" presetID="1" presetClass="entr" presetSubtype="0" fill="hold" nodeType="clickEffect">
+                                  <p:stCondLst>
+                                    <p:cond delay="0"/>
+                                  </p:stCondLst>
+                                  <p:childTnLst>
+                                    <p:set>
+                                      <p:cBhvr>
+                                        <p:cTn id="44" dur="1" fill="hold">
+                                          <p:stCondLst>
+                                            <p:cond delay="0"/>
+                                          </p:stCondLst>
+                                        </p:cTn>
+                                        <p:tgtEl>
+                                          <p:spTgt spid="4">
+                                            <p:txEl>
+                                              <p:pRg st="5" end="5"/>
+                                            </p:txEl>
+                                          </p:spTgt>
+                                        </p:tgtEl>
+                                        <p:attrNameLst>
+                                          <p:attrName>style.visibility</p:attrName>
+                                        </p:attrNameLst>
+                                      </p:cBhvr>
+                                      <p:to>
+                                        <p:strVal val="visible"/>
+                                      </p:to>
+                                    </p:set>
+                                  </p:childTnLst>
+                                </p:cTn>
+                              </p:par>
+                            </p:childTnLst>
+                          </p:cTn>
+                        </p:par>
+                      </p:childTnLst>
+                    </p:cTn>
+                  </p:par>
+                  <p:par>
+                    <p:cTn id="45" fill="hold">
+                      <p:stCondLst>
+                        <p:cond delay="indefinite"/>
+                      </p:stCondLst>
+                      <p:childTnLst>
+                        <p:par>
+                          <p:cTn id="46" fill="hold">
+                            <p:stCondLst>
+                              <p:cond delay="0"/>
+                            </p:stCondLst>
+                            <p:childTnLst>
+                              <p:par>
+                                <p:cTn id="47" presetID="1" presetClass="entr" presetSubtype="0" fill="hold" nodeType="clickEffect">
+                                  <p:stCondLst>
+                                    <p:cond delay="0"/>
+                                  </p:stCondLst>
+                                  <p:childTnLst>
+                                    <p:set>
+                                      <p:cBhvr>
+                                        <p:cTn id="48" dur="1" fill="hold">
+                                          <p:stCondLst>
+                                            <p:cond delay="0"/>
+                                          </p:stCondLst>
+                                        </p:cTn>
+                                        <p:tgtEl>
+                                          <p:spTgt spid="4">
+                                            <p:txEl>
+                                              <p:pRg st="7" end="7"/>
+                                            </p:txEl>
+                                          </p:spTgt>
+                                        </p:tgtEl>
+                                        <p:attrNameLst>
+                                          <p:attrName>style.visibility</p:attrName>
+                                        </p:attrNameLst>
+                                      </p:cBhvr>
+                                      <p:to>
+                                        <p:strVal val="visible"/>
+                                      </p:to>
+                                    </p:set>
+                                  </p:childTnLst>
+                                </p:cTn>
+                              </p:par>
+                            </p:childTnLst>
+                          </p:cTn>
+                        </p:par>
+                      </p:childTnLst>
+                    </p:cTn>
+                  </p:par>
+                </p:childTnLst>
+              </p:cTn>
+              <p:prevCondLst>
+                <p:cond evt="onPrev" delay="0">
+                  <p:tgtEl>
+                    <p:sldTgt/>
+                  </p:tgtEl>
+                </p:cond>
+              </p:prevCondLst>
+              <p:nextCondLst>
+                <p:cond evt="onNext" delay="0">
+                  <p:tgtEl>
+                    <p:sldTgt/>
+                  </p:tgtEl>
+                </p:cond>
+              </p:nextCondLst>
+            </p:seq>
+          </p:childTnLst>
+        </p:cTn>
+      </p:par>
+    </p:tnLst>
+  </p:timing>
 </p:sld>
 </file>
 
-<file path=ppt/slides/slide22.xml><?xml version="1.0" encoding="utf-8"?>
+<file path=ppt/slides/slide23.xml><?xml version="1.0" encoding="utf-8"?>
 <p:sld xmlns:a="http://schemas.openxmlformats.org/drawingml/2006/main" xmlns:r="http://schemas.openxmlformats.org/officeDocument/2006/relationships" xmlns:p="http://schemas.openxmlformats.org/presentationml/2006/main">
   <p:cSld>
     <p:spTree>
@@ -18847,7 +26882,7 @@
           <a:p>
             <a:r>
               <a:rPr lang="en-US" dirty="0"/>
-              <a:t>Assignments</a:t>
+              <a:t>Summary and Takeaways</a:t>
             </a:r>
           </a:p>
         </p:txBody>
@@ -18868,82 +26903,107 @@
             <p:ph idx="1"/>
           </p:nvPr>
         </p:nvSpPr>
-        <p:spPr/>
+        <p:spPr>
+          <a:xfrm>
+            <a:off x="838200" y="1825625"/>
+            <a:ext cx="8975271" cy="4351338"/>
+          </a:xfrm>
+        </p:spPr>
         <p:txBody>
-          <a:bodyPr/>
+          <a:bodyPr>
+            <a:normAutofit fontScale="92500" lnSpcReduction="20000"/>
+          </a:bodyPr>
           <a:lstStyle/>
           <a:p>
+            <a:pPr>
+              <a:lnSpc>
+                <a:spcPct val="110000"/>
+              </a:lnSpc>
+            </a:pPr>
             <a:r>
               <a:rPr lang="en-US" dirty="0"/>
-              <a:t>Learn z3</a:t>
+              <a:t>Satisfiability modulo theory solvers use theory solvers and DPLL to check satisfiability of formulas in other theories</a:t>
             </a:r>
           </a:p>
           <a:p>
-            <a:pPr lvl="1"/>
+            <a:pPr lvl="1">
+              <a:lnSpc>
+                <a:spcPct val="110000"/>
+              </a:lnSpc>
+            </a:pPr>
             <a:r>
-              <a:rPr lang="en-US" dirty="0">
-                <a:hlinkClick r:id="rId2"/>
-              </a:rPr>
-              <a:t>https://ericpony.github.io/z3py-tutorial/guide-examples.htm</a:t>
+              <a:rPr lang="en-US" dirty="0"/>
+              <a:t>DPLL takes care of disjunctions</a:t>
             </a:r>
+          </a:p>
+          <a:p>
+            <a:pPr lvl="1">
+              <a:lnSpc>
+                <a:spcPct val="110000"/>
+              </a:lnSpc>
+            </a:pPr>
+            <a:r>
+              <a:rPr lang="en-US" dirty="0"/>
+              <a:t>Theory solvers take care of conjunctions</a:t>
+            </a:r>
+          </a:p>
+          <a:p>
+            <a:pPr marL="457200" lvl="1" indent="0">
+              <a:lnSpc>
+                <a:spcPct val="110000"/>
+              </a:lnSpc>
+              <a:buNone/>
+            </a:pPr>
             <a:endParaRPr lang="en-US" dirty="0"/>
           </a:p>
           <a:p>
-            <a:pPr marL="0" indent="0">
-              <a:buNone/>
+            <a:pPr>
+              <a:lnSpc>
+                <a:spcPct val="110000"/>
+              </a:lnSpc>
             </a:pPr>
             <a:r>
               <a:rPr lang="en-US" dirty="0"/>
-              <a:t>Readings </a:t>
+              <a:t>Simplex or more generally Linear programming (LP) solvers is a theory solver for linear real arithmetic</a:t>
             </a:r>
           </a:p>
           <a:p>
+            <a:pPr lvl="1">
+              <a:lnSpc>
+                <a:spcPct val="110000"/>
+              </a:lnSpc>
+            </a:pPr>
             <a:r>
               <a:rPr lang="en-US" dirty="0"/>
-              <a:t>Read chapter 4 for next week</a:t>
+              <a:t>Simplex algorithm solves LP by incrementally fixing the bounds of basic variables</a:t>
             </a:r>
           </a:p>
           <a:p>
+            <a:pPr lvl="1">
+              <a:lnSpc>
+                <a:spcPct val="110000"/>
+              </a:lnSpc>
+            </a:pPr>
+            <a:endParaRPr lang="en-US" dirty="0"/>
+          </a:p>
+          <a:p>
+            <a:pPr>
+              <a:lnSpc>
+                <a:spcPct val="110000"/>
+              </a:lnSpc>
+            </a:pPr>
             <a:r>
               <a:rPr lang="en-US" dirty="0"/>
-              <a:t>Reading more about decision procedures</a:t>
+              <a:t>Next time </a:t>
             </a:r>
-          </a:p>
-          <a:p>
+            <a:r>
+              <a:rPr lang="en-US" dirty="0" err="1"/>
+              <a:t>Reluplex</a:t>
+            </a:r>
             <a:endParaRPr lang="en-US" dirty="0"/>
           </a:p>
         </p:txBody>
       </p:sp>
-      <p:pic>
-        <p:nvPicPr>
-          <p:cNvPr id="4" name="Picture 3">
-            <a:extLst>
-              <a:ext uri="{FF2B5EF4-FFF2-40B4-BE49-F238E27FC236}">
-                <a16:creationId xmlns:a16="http://schemas.microsoft.com/office/drawing/2014/main" id="{B30CDFD6-7E46-584F-9745-059E7F12A5E4}"/>
-              </a:ext>
-            </a:extLst>
-          </p:cNvPr>
-          <p:cNvPicPr>
-            <a:picLocks noChangeAspect="1"/>
-          </p:cNvPicPr>
-          <p:nvPr/>
-        </p:nvPicPr>
-        <p:blipFill>
-          <a:blip r:embed="rId3"/>
-          <a:stretch>
-            <a:fillRect/>
-          </a:stretch>
-        </p:blipFill>
-        <p:spPr>
-          <a:xfrm>
-            <a:off x="9524033" y="2722344"/>
-            <a:ext cx="2529943" cy="4008112"/>
-          </a:xfrm>
-          <a:prstGeom prst="rect">
-            <a:avLst/>
-          </a:prstGeom>
-        </p:spPr>
-      </p:pic>
     </p:spTree>
     <p:extLst>
       <p:ext uri="{BB962C8B-B14F-4D97-AF65-F5344CB8AC3E}">
@@ -29834,20 +37894,8 @@
           <a:p>
             <a:r>
               <a:rPr lang="en-US" sz="4400" dirty="0"/>
-              <a:t>Neural Theory Solvers</a:t>
+              <a:t>Linear Real Arithmetic</a:t>
             </a:r>
-            <a:br>
-              <a:rPr lang="en-US" sz="4400" dirty="0"/>
-            </a:br>
-            <a:r>
-              <a:rPr lang="en-US" sz="4400" dirty="0"/>
-              <a:t>Simplex and </a:t>
-            </a:r>
-            <a:r>
-              <a:rPr lang="en-US" sz="4400" dirty="0" err="1"/>
-              <a:t>ReluPlex</a:t>
-            </a:r>
-            <a:endParaRPr lang="en-US" sz="4400" dirty="0"/>
           </a:p>
         </p:txBody>
       </p:sp>
@@ -29872,30 +37920,6 @@
             <a:normAutofit/>
           </a:bodyPr>
           <a:lstStyle/>
-          <a:p>
-            <a:r>
-              <a:rPr lang="en-US" dirty="0"/>
-              <a:t>Verifying cyberphysical systems</a:t>
-            </a:r>
-          </a:p>
-          <a:p>
-            <a:endParaRPr lang="en-US" dirty="0"/>
-          </a:p>
-          <a:p>
-            <a:r>
-              <a:rPr lang="en-US" dirty="0"/>
-              <a:t>Sayan Mitra</a:t>
-            </a:r>
-          </a:p>
-          <a:p>
-            <a:r>
-              <a:rPr lang="en-US" dirty="0">
-                <a:hlinkClick r:id="rId2"/>
-              </a:rPr>
-              <a:t>mitras@illinois.edu</a:t>
-            </a:r>
-            <a:endParaRPr lang="en-US" dirty="0"/>
-          </a:p>
           <a:p>
             <a:endParaRPr lang="en-US" dirty="0"/>
           </a:p>
